--- a/jdocs/Macro1/introductionMacro.pptx
+++ b/jdocs/Macro1/introductionMacro.pptx
@@ -2,7 +2,7 @@
 <file path=ppt/presentation.xml><?xml version="1.0" encoding="utf-8"?>
 <p:presentation xmlns:a="http://schemas.openxmlformats.org/drawingml/2006/main" xmlns:r="http://schemas.openxmlformats.org/officeDocument/2006/relationships" xmlns:p="http://schemas.openxmlformats.org/presentationml/2006/main" saveSubsetFonts="1">
   <p:sldMasterIdLst>
-    <p:sldMasterId id="2147483663" r:id="rId1"/>
+    <p:sldMasterId id="2147483675" r:id="rId1"/>
   </p:sldMasterIdLst>
   <p:notesMasterIdLst>
     <p:notesMasterId r:id="rId20"/>
@@ -322,7 +322,7 @@
         <p:nvSpPr>
           <p:cNvPr id="4100" name="Rectangle 4"/>
           <p:cNvSpPr>
-            <a:spLocks noRot="1" noChangeArrowheads="1" noTextEdit="1"/>
+            <a:spLocks noGrp="1" noRot="1" noChangeAspect="1" noChangeArrowheads="1" noTextEdit="1"/>
           </p:cNvSpPr>
           <p:nvPr>
             <p:ph type="sldImg" idx="2"/>
@@ -733,7 +733,7 @@
 </file>
 
 <file path=ppt/slideLayouts/slideLayout1.xml><?xml version="1.0" encoding="utf-8"?>
-<p:sldLayout xmlns:a="http://schemas.openxmlformats.org/drawingml/2006/main" xmlns:r="http://schemas.openxmlformats.org/officeDocument/2006/relationships" xmlns:p="http://schemas.openxmlformats.org/presentationml/2006/main" type="title" preserve="1">
+<p:sldLayout xmlns:a="http://schemas.openxmlformats.org/drawingml/2006/main" xmlns:r="http://schemas.openxmlformats.org/officeDocument/2006/relationships" xmlns:p="http://schemas.openxmlformats.org/presentationml/2006/main" preserve="1">
   <p:cSld name="Title Slide">
     <p:spTree>
       <p:nvGrpSpPr>
@@ -751,23 +751,259 @@
       </p:grpSpPr>
       <p:sp>
         <p:nvSpPr>
-          <p:cNvPr id="2" name="Title 1"/>
-          <p:cNvSpPr>
-            <a:spLocks noGrp="1"/>
-          </p:cNvSpPr>
-          <p:nvPr>
-            <p:ph type="ctrTitle"/>
-          </p:nvPr>
+          <p:cNvPr id="4" name="Rectangle 3"/>
+          <p:cNvSpPr/>
+          <p:nvPr/>
         </p:nvSpPr>
         <p:spPr>
           <a:xfrm>
-            <a:off x="685800" y="2130425"/>
-            <a:ext cx="7772400" cy="1470025"/>
+            <a:off x="4572000" y="6477000"/>
+            <a:ext cx="4572000" cy="381000"/>
+          </a:xfrm>
+          <a:prstGeom prst="rect">
+            <a:avLst/>
+          </a:prstGeom>
+          <a:solidFill>
+            <a:srgbClr val="3333B2"/>
+          </a:solidFill>
+          <a:ln>
+            <a:noFill/>
+          </a:ln>
+        </p:spPr>
+        <p:style>
+          <a:lnRef idx="2">
+            <a:schemeClr val="accent1">
+              <a:shade val="50000"/>
+            </a:schemeClr>
+          </a:lnRef>
+          <a:fillRef idx="1">
+            <a:schemeClr val="accent1"/>
+          </a:fillRef>
+          <a:effectRef idx="0">
+            <a:schemeClr val="accent1"/>
+          </a:effectRef>
+          <a:fontRef idx="minor">
+            <a:schemeClr val="lt1"/>
+          </a:fontRef>
+        </p:style>
+        <p:txBody>
+          <a:bodyPr anchor="ctr"/>
+          <a:lstStyle/>
+          <a:p>
+            <a:pPr algn="ctr" fontAlgn="auto">
+              <a:spcBef>
+                <a:spcPts val="0"/>
+              </a:spcBef>
+              <a:spcAft>
+                <a:spcPts val="0"/>
+              </a:spcAft>
+              <a:defRPr/>
+            </a:pPr>
+            <a:endParaRPr lang="en-US">
+              <a:solidFill>
+                <a:schemeClr val="bg1"/>
+              </a:solidFill>
+            </a:endParaRPr>
+          </a:p>
+        </p:txBody>
+      </p:sp>
+      <p:sp>
+        <p:nvSpPr>
+          <p:cNvPr id="5" name="Rectangle 4"/>
+          <p:cNvSpPr/>
+          <p:nvPr/>
+        </p:nvSpPr>
+        <p:spPr>
+          <a:xfrm>
+            <a:off x="0" y="6477000"/>
+            <a:ext cx="4572000" cy="381000"/>
+          </a:xfrm>
+          <a:prstGeom prst="rect">
+            <a:avLst/>
+          </a:prstGeom>
+          <a:solidFill>
+            <a:schemeClr val="tx1"/>
+          </a:solidFill>
+          <a:ln>
+            <a:noFill/>
+          </a:ln>
+        </p:spPr>
+        <p:style>
+          <a:lnRef idx="2">
+            <a:schemeClr val="accent1">
+              <a:shade val="50000"/>
+            </a:schemeClr>
+          </a:lnRef>
+          <a:fillRef idx="1">
+            <a:schemeClr val="accent1"/>
+          </a:fillRef>
+          <a:effectRef idx="0">
+            <a:schemeClr val="accent1"/>
+          </a:effectRef>
+          <a:fontRef idx="minor">
+            <a:schemeClr val="lt1"/>
+          </a:fontRef>
+        </p:style>
+        <p:txBody>
+          <a:bodyPr anchor="ctr"/>
+          <a:lstStyle/>
+          <a:p>
+            <a:pPr algn="ctr" fontAlgn="auto">
+              <a:spcBef>
+                <a:spcPts val="0"/>
+              </a:spcBef>
+              <a:spcAft>
+                <a:spcPts val="0"/>
+              </a:spcAft>
+              <a:defRPr/>
+            </a:pPr>
+            <a:endParaRPr lang="en-US">
+              <a:solidFill>
+                <a:schemeClr val="bg1"/>
+              </a:solidFill>
+            </a:endParaRPr>
+          </a:p>
+        </p:txBody>
+      </p:sp>
+      <p:sp>
+        <p:nvSpPr>
+          <p:cNvPr id="6" name="Rounded Rectangle 5"/>
+          <p:cNvSpPr/>
+          <p:nvPr/>
+        </p:nvSpPr>
+        <p:spPr>
+          <a:xfrm>
+            <a:off x="381000" y="1295400"/>
+            <a:ext cx="8229600" cy="2057400"/>
+          </a:xfrm>
+          <a:prstGeom prst="roundRect">
+            <a:avLst/>
+          </a:prstGeom>
+          <a:solidFill>
+            <a:srgbClr val="3333B2"/>
+          </a:solidFill>
+          <a:ln>
+            <a:solidFill>
+              <a:srgbClr val="3333B2"/>
+            </a:solidFill>
+          </a:ln>
+          <a:effectLst>
+            <a:outerShdw blurRad="114300" dist="152400" dir="2700000" algn="tl" rotWithShape="0">
+              <a:prstClr val="black">
+                <a:alpha val="40000"/>
+              </a:prstClr>
+            </a:outerShdw>
+          </a:effectLst>
+        </p:spPr>
+        <p:style>
+          <a:lnRef idx="2">
+            <a:schemeClr val="accent1">
+              <a:shade val="50000"/>
+            </a:schemeClr>
+          </a:lnRef>
+          <a:fillRef idx="1">
+            <a:schemeClr val="accent1"/>
+          </a:fillRef>
+          <a:effectRef idx="0">
+            <a:schemeClr val="accent1"/>
+          </a:effectRef>
+          <a:fontRef idx="minor">
+            <a:schemeClr val="lt1"/>
+          </a:fontRef>
+        </p:style>
+        <p:txBody>
+          <a:bodyPr anchor="ctr"/>
+          <a:lstStyle/>
+          <a:p>
+            <a:pPr algn="ctr" fontAlgn="auto">
+              <a:spcBef>
+                <a:spcPts val="0"/>
+              </a:spcBef>
+              <a:spcAft>
+                <a:spcPts val="0"/>
+              </a:spcAft>
+              <a:defRPr/>
+            </a:pPr>
+            <a:endParaRPr lang="en-US"/>
+          </a:p>
+        </p:txBody>
+      </p:sp>
+      <p:sp>
+        <p:nvSpPr>
+          <p:cNvPr id="7" name="TextBox 6"/>
+          <p:cNvSpPr txBox="1"/>
+          <p:nvPr/>
+        </p:nvSpPr>
+        <p:spPr>
+          <a:xfrm>
+            <a:off x="1071563" y="6488113"/>
+            <a:ext cx="3500437" cy="369887"/>
+          </a:xfrm>
+          <a:prstGeom prst="rect">
+            <a:avLst/>
+          </a:prstGeom>
+          <a:noFill/>
+        </p:spPr>
+        <p:txBody>
+          <a:bodyPr anchor="ctr"/>
+          <a:lstStyle/>
+          <a:p>
+            <a:pPr algn="r" fontAlgn="auto">
+              <a:spcBef>
+                <a:spcPts val="0"/>
+              </a:spcBef>
+              <a:spcAft>
+                <a:spcPts val="0"/>
+              </a:spcAft>
+              <a:defRPr/>
+            </a:pPr>
+            <a:r>
+              <a:rPr lang="en-US" sz="1200" dirty="0" smtClean="0">
+                <a:solidFill>
+                  <a:schemeClr val="bg1"/>
+                </a:solidFill>
+                <a:latin typeface="+mn-lt"/>
+                <a:cs typeface="+mn-cs"/>
+              </a:rPr>
+              <a:t>Juergen Jung – Towson University</a:t>
+            </a:r>
+            <a:endParaRPr lang="en-US" sz="1200" dirty="0">
+              <a:solidFill>
+                <a:schemeClr val="bg1"/>
+              </a:solidFill>
+              <a:latin typeface="+mn-lt"/>
+              <a:cs typeface="+mn-cs"/>
+            </a:endParaRPr>
+          </a:p>
+        </p:txBody>
+      </p:sp>
+      <p:sp>
+        <p:nvSpPr>
+          <p:cNvPr id="2" name="Title 1"/>
+          <p:cNvSpPr>
+            <a:spLocks noGrp="1"/>
+          </p:cNvSpPr>
+          <p:nvPr>
+            <p:ph type="ctrTitle"/>
+          </p:nvPr>
+        </p:nvSpPr>
+        <p:spPr>
+          <a:xfrm>
+            <a:off x="609600" y="1447800"/>
+            <a:ext cx="7772400" cy="838200"/>
           </a:xfrm>
         </p:spPr>
         <p:txBody>
           <a:bodyPr/>
-          <a:lstStyle/>
+          <a:lstStyle>
+            <a:lvl1pPr>
+              <a:defRPr baseline="0">
+                <a:solidFill>
+                  <a:schemeClr val="bg1"/>
+                </a:solidFill>
+              </a:defRPr>
+            </a:lvl1pPr>
+          </a:lstStyle>
           <a:p>
             <a:r>
               <a:rPr lang="en-US" smtClean="0"/>
@@ -789,8 +1025,8 @@
         </p:nvSpPr>
         <p:spPr>
           <a:xfrm>
-            <a:off x="1371600" y="3886200"/>
-            <a:ext cx="6400800" cy="1752600"/>
+            <a:off x="1219200" y="2667000"/>
+            <a:ext cx="6400800" cy="533400"/>
           </a:xfrm>
         </p:spPr>
         <p:txBody>
@@ -798,11 +1034,9 @@
           <a:lstStyle>
             <a:lvl1pPr marL="0" indent="0" algn="ctr">
               <a:buNone/>
-              <a:defRPr>
+              <a:defRPr baseline="0">
                 <a:solidFill>
-                  <a:schemeClr val="tx1">
-                    <a:tint val="75000"/>
-                  </a:schemeClr>
+                  <a:schemeClr val="bg1"/>
                 </a:solidFill>
               </a:defRPr>
             </a:lvl1pPr>
@@ -892,13 +1126,13 @@
               <a:rPr lang="en-US" smtClean="0"/>
               <a:t>Click to edit Master subtitle style</a:t>
             </a:r>
-            <a:endParaRPr lang="en-US"/>
-          </a:p>
-        </p:txBody>
-      </p:sp>
-      <p:sp>
-        <p:nvSpPr>
-          <p:cNvPr id="4" name="Date Placeholder 3"/>
+            <a:endParaRPr lang="en-US" dirty="0"/>
+          </a:p>
+        </p:txBody>
+      </p:sp>
+      <p:sp>
+        <p:nvSpPr>
+          <p:cNvPr id="8" name="Date Placeholder 3"/>
           <p:cNvSpPr>
             <a:spLocks noGrp="1"/>
           </p:cNvSpPr>
@@ -906,18 +1140,31 @@
             <p:ph type="dt" sz="half" idx="10"/>
           </p:nvPr>
         </p:nvSpPr>
-        <p:spPr/>
-        <p:txBody>
-          <a:bodyPr/>
-          <a:lstStyle/>
-          <a:p>
-            <a:endParaRPr lang="en-US" altLang="en-US"/>
-          </a:p>
-        </p:txBody>
-      </p:sp>
-      <p:sp>
-        <p:nvSpPr>
-          <p:cNvPr id="5" name="Footer Placeholder 4"/>
+        <p:spPr>
+          <a:xfrm>
+            <a:off x="0" y="6492875"/>
+            <a:ext cx="1071563" cy="365125"/>
+          </a:xfrm>
+        </p:spPr>
+        <p:txBody>
+          <a:bodyPr/>
+          <a:lstStyle>
+            <a:lvl1pPr>
+              <a:defRPr baseline="0" smtClean="0">
+                <a:solidFill>
+                  <a:schemeClr val="bg1"/>
+                </a:solidFill>
+              </a:defRPr>
+            </a:lvl1pPr>
+          </a:lstStyle>
+          <a:p>
+            <a:endParaRPr lang="en-US" altLang="en-US"/>
+          </a:p>
+        </p:txBody>
+      </p:sp>
+      <p:sp>
+        <p:nvSpPr>
+          <p:cNvPr id="9" name="Footer Placeholder 4"/>
           <p:cNvSpPr>
             <a:spLocks noGrp="1"/>
           </p:cNvSpPr>
@@ -925,10 +1172,23 @@
             <p:ph type="ftr" sz="quarter" idx="11"/>
           </p:nvPr>
         </p:nvSpPr>
-        <p:spPr/>
-        <p:txBody>
-          <a:bodyPr/>
-          <a:lstStyle/>
+        <p:spPr>
+          <a:xfrm>
+            <a:off x="4572000" y="6492875"/>
+            <a:ext cx="3429000" cy="365125"/>
+          </a:xfrm>
+        </p:spPr>
+        <p:txBody>
+          <a:bodyPr/>
+          <a:lstStyle>
+            <a:lvl1pPr algn="l">
+              <a:defRPr baseline="0">
+                <a:solidFill>
+                  <a:schemeClr val="bg1"/>
+                </a:solidFill>
+              </a:defRPr>
+            </a:lvl1pPr>
+          </a:lstStyle>
           <a:p>
             <a:r>
               <a:rPr lang="en-US" altLang="en-US" smtClean="0"/>
@@ -940,7 +1200,7 @@
       </p:sp>
       <p:sp>
         <p:nvSpPr>
-          <p:cNvPr id="6" name="Slide Number Placeholder 5"/>
+          <p:cNvPr id="10" name="Slide Number Placeholder 5"/>
           <p:cNvSpPr>
             <a:spLocks noGrp="1"/>
           </p:cNvSpPr>
@@ -948,28 +1208,41 @@
             <p:ph type="sldNum" sz="quarter" idx="12"/>
           </p:nvPr>
         </p:nvSpPr>
-        <p:spPr/>
-        <p:txBody>
-          <a:bodyPr/>
-          <a:lstStyle/>
-          <a:p>
-            <a:r>
-              <a:rPr lang="en-US" altLang="en-US" smtClean="0"/>
-              <a:t>/</a:t>
-            </a:r>
+        <p:spPr>
+          <a:xfrm>
+            <a:off x="8001000" y="6492875"/>
+            <a:ext cx="1143000" cy="365125"/>
+          </a:xfrm>
+        </p:spPr>
+        <p:txBody>
+          <a:bodyPr/>
+          <a:lstStyle>
+            <a:lvl1pPr>
+              <a:defRPr baseline="0">
+                <a:solidFill>
+                  <a:schemeClr val="bg1"/>
+                </a:solidFill>
+              </a:defRPr>
+            </a:lvl1pPr>
+          </a:lstStyle>
+          <a:p>
             <a:fld id="{A2138DEF-ABF4-44FB-BBA3-0DA2DE6A461F}" type="slidenum">
               <a:rPr lang="en-US" altLang="en-US" smtClean="0"/>
               <a:pPr/>
               <a:t>‹#›</a:t>
             </a:fld>
-            <a:endParaRPr lang="en-US" altLang="en-US"/>
+            <a:r>
+              <a:rPr lang="en-US" altLang="en-US" dirty="0" smtClean="0"/>
+              <a:t>/</a:t>
+            </a:r>
+            <a:endParaRPr lang="en-US" altLang="en-US" dirty="0"/>
           </a:p>
         </p:txBody>
       </p:sp>
     </p:spTree>
     <p:extLst>
       <p:ext uri="{BB962C8B-B14F-4D97-AF65-F5344CB8AC3E}">
-        <p14:creationId xmlns:p14="http://schemas.microsoft.com/office/powerpoint/2010/main" val="251927713"/>
+        <p14:creationId xmlns:p14="http://schemas.microsoft.com/office/powerpoint/2010/main" val="1911982247"/>
       </p:ext>
     </p:extLst>
   </p:cSld>
@@ -1084,7 +1357,11 @@
         <p:spPr/>
         <p:txBody>
           <a:bodyPr/>
-          <a:lstStyle/>
+          <a:lstStyle>
+            <a:lvl1pPr>
+              <a:defRPr/>
+            </a:lvl1pPr>
+          </a:lstStyle>
           <a:p>
             <a:endParaRPr lang="en-US" altLang="en-US"/>
           </a:p>
@@ -1103,7 +1380,11 @@
         <p:spPr/>
         <p:txBody>
           <a:bodyPr/>
-          <a:lstStyle/>
+          <a:lstStyle>
+            <a:lvl1pPr>
+              <a:defRPr/>
+            </a:lvl1pPr>
+          </a:lstStyle>
           <a:p>
             <a:r>
               <a:rPr lang="en-US" altLang="en-US" smtClean="0"/>
@@ -1126,7 +1407,11 @@
         <p:spPr/>
         <p:txBody>
           <a:bodyPr/>
-          <a:lstStyle/>
+          <a:lstStyle>
+            <a:lvl1pPr>
+              <a:defRPr/>
+            </a:lvl1pPr>
+          </a:lstStyle>
           <a:p>
             <a:r>
               <a:rPr lang="en-US" altLang="en-US" smtClean="0"/>
@@ -1144,7 +1429,7 @@
     </p:spTree>
     <p:extLst>
       <p:ext uri="{BB962C8B-B14F-4D97-AF65-F5344CB8AC3E}">
-        <p14:creationId xmlns:p14="http://schemas.microsoft.com/office/powerpoint/2010/main" val="2714026427"/>
+        <p14:creationId xmlns:p14="http://schemas.microsoft.com/office/powerpoint/2010/main" val="41589114"/>
       </p:ext>
     </p:extLst>
   </p:cSld>
@@ -1269,7 +1554,11 @@
         <p:spPr/>
         <p:txBody>
           <a:bodyPr/>
-          <a:lstStyle/>
+          <a:lstStyle>
+            <a:lvl1pPr>
+              <a:defRPr/>
+            </a:lvl1pPr>
+          </a:lstStyle>
           <a:p>
             <a:endParaRPr lang="en-US" altLang="en-US"/>
           </a:p>
@@ -1288,7 +1577,11 @@
         <p:spPr/>
         <p:txBody>
           <a:bodyPr/>
-          <a:lstStyle/>
+          <a:lstStyle>
+            <a:lvl1pPr>
+              <a:defRPr/>
+            </a:lvl1pPr>
+          </a:lstStyle>
           <a:p>
             <a:r>
               <a:rPr lang="en-US" altLang="en-US" smtClean="0"/>
@@ -1311,7 +1604,11 @@
         <p:spPr/>
         <p:txBody>
           <a:bodyPr/>
-          <a:lstStyle/>
+          <a:lstStyle>
+            <a:lvl1pPr>
+              <a:defRPr/>
+            </a:lvl1pPr>
+          </a:lstStyle>
           <a:p>
             <a:r>
               <a:rPr lang="en-US" altLang="en-US" smtClean="0"/>
@@ -1329,7 +1626,7 @@
     </p:spTree>
     <p:extLst>
       <p:ext uri="{BB962C8B-B14F-4D97-AF65-F5344CB8AC3E}">
-        <p14:creationId xmlns:p14="http://schemas.microsoft.com/office/powerpoint/2010/main" val="1863263194"/>
+        <p14:creationId xmlns:p14="http://schemas.microsoft.com/office/powerpoint/2010/main" val="3794175787"/>
       </p:ext>
     </p:extLst>
   </p:cSld>
@@ -1340,7 +1637,7 @@
 </file>
 
 <file path=ppt/slideLayouts/slideLayout2.xml><?xml version="1.0" encoding="utf-8"?>
-<p:sldLayout xmlns:a="http://schemas.openxmlformats.org/drawingml/2006/main" xmlns:r="http://schemas.openxmlformats.org/officeDocument/2006/relationships" xmlns:p="http://schemas.openxmlformats.org/presentationml/2006/main" type="obj" preserve="1">
+<p:sldLayout xmlns:a="http://schemas.openxmlformats.org/drawingml/2006/main" xmlns:r="http://schemas.openxmlformats.org/officeDocument/2006/relationships" xmlns:p="http://schemas.openxmlformats.org/presentationml/2006/main" preserve="1">
   <p:cSld name="Title and Content">
     <p:spTree>
       <p:nvGrpSpPr>
@@ -1358,6 +1655,346 @@
       </p:grpSpPr>
       <p:sp>
         <p:nvSpPr>
+          <p:cNvPr id="4" name="Rectangle 3"/>
+          <p:cNvSpPr/>
+          <p:nvPr/>
+        </p:nvSpPr>
+        <p:spPr>
+          <a:xfrm>
+            <a:off x="4572000" y="6477000"/>
+            <a:ext cx="4572000" cy="381000"/>
+          </a:xfrm>
+          <a:prstGeom prst="rect">
+            <a:avLst/>
+          </a:prstGeom>
+          <a:solidFill>
+            <a:srgbClr val="3333B2"/>
+          </a:solidFill>
+          <a:ln>
+            <a:noFill/>
+          </a:ln>
+        </p:spPr>
+        <p:style>
+          <a:lnRef idx="2">
+            <a:schemeClr val="accent1">
+              <a:shade val="50000"/>
+            </a:schemeClr>
+          </a:lnRef>
+          <a:fillRef idx="1">
+            <a:schemeClr val="accent1"/>
+          </a:fillRef>
+          <a:effectRef idx="0">
+            <a:schemeClr val="accent1"/>
+          </a:effectRef>
+          <a:fontRef idx="minor">
+            <a:schemeClr val="lt1"/>
+          </a:fontRef>
+        </p:style>
+        <p:txBody>
+          <a:bodyPr anchor="ctr"/>
+          <a:lstStyle/>
+          <a:p>
+            <a:pPr algn="ctr" fontAlgn="auto">
+              <a:spcBef>
+                <a:spcPts val="0"/>
+              </a:spcBef>
+              <a:spcAft>
+                <a:spcPts val="0"/>
+              </a:spcAft>
+              <a:defRPr/>
+            </a:pPr>
+            <a:endParaRPr lang="en-US">
+              <a:solidFill>
+                <a:schemeClr val="bg1"/>
+              </a:solidFill>
+            </a:endParaRPr>
+          </a:p>
+        </p:txBody>
+      </p:sp>
+      <p:sp>
+        <p:nvSpPr>
+          <p:cNvPr id="5" name="Rectangle 4"/>
+          <p:cNvSpPr/>
+          <p:nvPr/>
+        </p:nvSpPr>
+        <p:spPr>
+          <a:xfrm>
+            <a:off x="0" y="6477000"/>
+            <a:ext cx="4572000" cy="381000"/>
+          </a:xfrm>
+          <a:prstGeom prst="rect">
+            <a:avLst/>
+          </a:prstGeom>
+          <a:solidFill>
+            <a:schemeClr val="tx1"/>
+          </a:solidFill>
+          <a:ln>
+            <a:noFill/>
+          </a:ln>
+        </p:spPr>
+        <p:style>
+          <a:lnRef idx="2">
+            <a:schemeClr val="accent1">
+              <a:shade val="50000"/>
+            </a:schemeClr>
+          </a:lnRef>
+          <a:fillRef idx="1">
+            <a:schemeClr val="accent1"/>
+          </a:fillRef>
+          <a:effectRef idx="0">
+            <a:schemeClr val="accent1"/>
+          </a:effectRef>
+          <a:fontRef idx="minor">
+            <a:schemeClr val="lt1"/>
+          </a:fontRef>
+        </p:style>
+        <p:txBody>
+          <a:bodyPr anchor="ctr"/>
+          <a:lstStyle/>
+          <a:p>
+            <a:pPr algn="ctr" fontAlgn="auto">
+              <a:spcBef>
+                <a:spcPts val="0"/>
+              </a:spcBef>
+              <a:spcAft>
+                <a:spcPts val="0"/>
+              </a:spcAft>
+              <a:defRPr/>
+            </a:pPr>
+            <a:endParaRPr lang="en-US">
+              <a:solidFill>
+                <a:schemeClr val="bg1"/>
+              </a:solidFill>
+            </a:endParaRPr>
+          </a:p>
+        </p:txBody>
+      </p:sp>
+      <p:sp>
+        <p:nvSpPr>
+          <p:cNvPr id="6" name="Rectangle 5"/>
+          <p:cNvSpPr/>
+          <p:nvPr/>
+        </p:nvSpPr>
+        <p:spPr>
+          <a:xfrm>
+            <a:off x="0" y="0"/>
+            <a:ext cx="9144000" cy="762000"/>
+          </a:xfrm>
+          <a:prstGeom prst="rect">
+            <a:avLst/>
+          </a:prstGeom>
+          <a:gradFill flip="none" rotWithShape="1">
+            <a:gsLst>
+              <a:gs pos="0">
+                <a:schemeClr val="tx1"/>
+              </a:gs>
+              <a:gs pos="100000">
+                <a:srgbClr val="3333B2"/>
+              </a:gs>
+            </a:gsLst>
+            <a:lin ang="10800000" scaled="1"/>
+            <a:tileRect/>
+          </a:gradFill>
+          <a:ln>
+            <a:noFill/>
+          </a:ln>
+          <a:effectLst>
+            <a:outerShdw blurRad="50800" dist="88900" dir="5400000" algn="tl" rotWithShape="0">
+              <a:prstClr val="black">
+                <a:alpha val="40000"/>
+              </a:prstClr>
+            </a:outerShdw>
+          </a:effectLst>
+        </p:spPr>
+        <p:style>
+          <a:lnRef idx="2">
+            <a:schemeClr val="accent1">
+              <a:shade val="50000"/>
+            </a:schemeClr>
+          </a:lnRef>
+          <a:fillRef idx="1">
+            <a:schemeClr val="accent1"/>
+          </a:fillRef>
+          <a:effectRef idx="0">
+            <a:schemeClr val="accent1"/>
+          </a:effectRef>
+          <a:fontRef idx="minor">
+            <a:schemeClr val="lt1"/>
+          </a:fontRef>
+        </p:style>
+        <p:txBody>
+          <a:bodyPr anchor="ctr"/>
+          <a:lstStyle/>
+          <a:p>
+            <a:pPr algn="ctr" fontAlgn="auto">
+              <a:spcBef>
+                <a:spcPts val="0"/>
+              </a:spcBef>
+              <a:spcAft>
+                <a:spcPts val="0"/>
+              </a:spcAft>
+              <a:defRPr/>
+            </a:pPr>
+            <a:endParaRPr lang="en-US"/>
+          </a:p>
+        </p:txBody>
+      </p:sp>
+      <p:sp>
+        <p:nvSpPr>
+          <p:cNvPr id="7" name="TextBox 6"/>
+          <p:cNvSpPr txBox="1"/>
+          <p:nvPr/>
+        </p:nvSpPr>
+        <p:spPr>
+          <a:xfrm>
+            <a:off x="1071563" y="6488113"/>
+            <a:ext cx="3500437" cy="369887"/>
+          </a:xfrm>
+          <a:prstGeom prst="rect">
+            <a:avLst/>
+          </a:prstGeom>
+          <a:noFill/>
+        </p:spPr>
+        <p:txBody>
+          <a:bodyPr anchor="ctr"/>
+          <a:lstStyle/>
+          <a:p>
+            <a:pPr algn="r" fontAlgn="auto">
+              <a:spcBef>
+                <a:spcPts val="0"/>
+              </a:spcBef>
+              <a:spcAft>
+                <a:spcPts val="0"/>
+              </a:spcAft>
+              <a:defRPr/>
+            </a:pPr>
+            <a:r>
+              <a:rPr lang="en-US" sz="1200" dirty="0" smtClean="0">
+                <a:solidFill>
+                  <a:schemeClr val="bg1"/>
+                </a:solidFill>
+                <a:latin typeface="+mn-lt"/>
+                <a:cs typeface="+mn-cs"/>
+              </a:rPr>
+              <a:t>Juergen</a:t>
+            </a:r>
+            <a:r>
+              <a:rPr lang="en-US" sz="1200" baseline="0" dirty="0" smtClean="0">
+                <a:solidFill>
+                  <a:schemeClr val="bg1"/>
+                </a:solidFill>
+                <a:latin typeface="+mn-lt"/>
+                <a:cs typeface="+mn-cs"/>
+              </a:rPr>
+              <a:t> Jung </a:t>
+            </a:r>
+            <a:r>
+              <a:rPr lang="en-US" sz="1200" kern="1200" dirty="0" smtClean="0">
+                <a:solidFill>
+                  <a:schemeClr val="bg1"/>
+                </a:solidFill>
+                <a:latin typeface="Arial" charset="0"/>
+                <a:ea typeface="+mn-ea"/>
+                <a:cs typeface="Arial" charset="0"/>
+              </a:rPr>
+              <a:t>–</a:t>
+            </a:r>
+            <a:r>
+              <a:rPr lang="en-US" sz="1200" baseline="0" dirty="0" smtClean="0">
+                <a:solidFill>
+                  <a:schemeClr val="bg1"/>
+                </a:solidFill>
+                <a:latin typeface="+mn-lt"/>
+                <a:cs typeface="+mn-cs"/>
+              </a:rPr>
+              <a:t> Towson University</a:t>
+            </a:r>
+            <a:endParaRPr lang="en-US" sz="1200" dirty="0">
+              <a:solidFill>
+                <a:schemeClr val="bg1"/>
+              </a:solidFill>
+              <a:latin typeface="+mn-lt"/>
+              <a:cs typeface="+mn-cs"/>
+            </a:endParaRPr>
+          </a:p>
+        </p:txBody>
+      </p:sp>
+      <p:sp>
+        <p:nvSpPr>
+          <p:cNvPr id="3" name="Content Placeholder 2"/>
+          <p:cNvSpPr>
+            <a:spLocks noGrp="1"/>
+          </p:cNvSpPr>
+          <p:nvPr>
+            <p:ph idx="1"/>
+          </p:nvPr>
+        </p:nvSpPr>
+        <p:spPr>
+          <a:xfrm>
+            <a:off x="304800" y="1066800"/>
+            <a:ext cx="8382000" cy="5059363"/>
+          </a:xfrm>
+        </p:spPr>
+        <p:txBody>
+          <a:bodyPr/>
+          <a:lstStyle>
+            <a:lvl1pPr>
+              <a:buSzPct val="60000"/>
+              <a:buFontTx/>
+              <a:buBlip>
+                <a:blip r:embed="rId2"/>
+              </a:buBlip>
+              <a:defRPr/>
+            </a:lvl1pPr>
+            <a:lvl2pPr>
+              <a:buSzPct val="60000"/>
+              <a:buFontTx/>
+              <a:buBlip>
+                <a:blip r:embed="rId3"/>
+              </a:buBlip>
+              <a:defRPr/>
+            </a:lvl2pPr>
+          </a:lstStyle>
+          <a:p>
+            <a:pPr lvl="0"/>
+            <a:r>
+              <a:rPr lang="en-US" smtClean="0"/>
+              <a:t>Click to edit Master text styles</a:t>
+            </a:r>
+          </a:p>
+          <a:p>
+            <a:pPr lvl="1"/>
+            <a:r>
+              <a:rPr lang="en-US" smtClean="0"/>
+              <a:t>Second level</a:t>
+            </a:r>
+          </a:p>
+          <a:p>
+            <a:pPr lvl="2"/>
+            <a:r>
+              <a:rPr lang="en-US" smtClean="0"/>
+              <a:t>Third level</a:t>
+            </a:r>
+          </a:p>
+          <a:p>
+            <a:pPr lvl="3"/>
+            <a:r>
+              <a:rPr lang="en-US" smtClean="0"/>
+              <a:t>Fourth level</a:t>
+            </a:r>
+          </a:p>
+          <a:p>
+            <a:pPr lvl="4"/>
+            <a:r>
+              <a:rPr lang="en-US" smtClean="0"/>
+              <a:t>Fifth level</a:t>
+            </a:r>
+            <a:endParaRPr lang="en-US" dirty="0"/>
+          </a:p>
+        </p:txBody>
+      </p:sp>
+      <p:sp>
+        <p:nvSpPr>
           <p:cNvPr id="2" name="Title 1"/>
           <p:cNvSpPr>
             <a:spLocks noGrp="1"/>
@@ -1366,74 +2003,35 @@
             <p:ph type="title"/>
           </p:nvPr>
         </p:nvSpPr>
-        <p:spPr/>
-        <p:txBody>
-          <a:bodyPr/>
-          <a:lstStyle/>
+        <p:spPr>
+          <a:xfrm>
+            <a:off x="0" y="0"/>
+            <a:ext cx="8915400" cy="762000"/>
+          </a:xfrm>
+        </p:spPr>
+        <p:txBody>
+          <a:bodyPr/>
+          <a:lstStyle>
+            <a:lvl1pPr marL="182880" algn="l">
+              <a:defRPr baseline="0">
+                <a:solidFill>
+                  <a:schemeClr val="bg1"/>
+                </a:solidFill>
+              </a:defRPr>
+            </a:lvl1pPr>
+          </a:lstStyle>
           <a:p>
             <a:r>
               <a:rPr lang="en-US" smtClean="0"/>
               <a:t>Click to edit Master title style</a:t>
             </a:r>
-            <a:endParaRPr lang="en-US"/>
-          </a:p>
-        </p:txBody>
-      </p:sp>
-      <p:sp>
-        <p:nvSpPr>
-          <p:cNvPr id="3" name="Content Placeholder 2"/>
-          <p:cNvSpPr>
-            <a:spLocks noGrp="1"/>
-          </p:cNvSpPr>
-          <p:nvPr>
-            <p:ph idx="1"/>
-          </p:nvPr>
-        </p:nvSpPr>
-        <p:spPr/>
-        <p:txBody>
-          <a:bodyPr/>
-          <a:lstStyle/>
-          <a:p>
-            <a:pPr lvl="0"/>
-            <a:r>
-              <a:rPr lang="en-US" smtClean="0"/>
-              <a:t>Click to edit Master text styles</a:t>
-            </a:r>
-          </a:p>
-          <a:p>
-            <a:pPr lvl="1"/>
-            <a:r>
-              <a:rPr lang="en-US" smtClean="0"/>
-              <a:t>Second level</a:t>
-            </a:r>
-          </a:p>
-          <a:p>
-            <a:pPr lvl="2"/>
-            <a:r>
-              <a:rPr lang="en-US" smtClean="0"/>
-              <a:t>Third level</a:t>
-            </a:r>
-          </a:p>
-          <a:p>
-            <a:pPr lvl="3"/>
-            <a:r>
-              <a:rPr lang="en-US" smtClean="0"/>
-              <a:t>Fourth level</a:t>
-            </a:r>
-          </a:p>
-          <a:p>
-            <a:pPr lvl="4"/>
-            <a:r>
-              <a:rPr lang="en-US" smtClean="0"/>
-              <a:t>Fifth level</a:t>
-            </a:r>
-            <a:endParaRPr lang="en-US"/>
-          </a:p>
-        </p:txBody>
-      </p:sp>
-      <p:sp>
-        <p:nvSpPr>
-          <p:cNvPr id="4" name="Date Placeholder 3"/>
+            <a:endParaRPr lang="en-US" dirty="0"/>
+          </a:p>
+        </p:txBody>
+      </p:sp>
+      <p:sp>
+        <p:nvSpPr>
+          <p:cNvPr id="8" name="Date Placeholder 3"/>
           <p:cNvSpPr>
             <a:spLocks noGrp="1"/>
           </p:cNvSpPr>
@@ -1441,18 +2039,31 @@
             <p:ph type="dt" sz="half" idx="10"/>
           </p:nvPr>
         </p:nvSpPr>
-        <p:spPr/>
-        <p:txBody>
-          <a:bodyPr/>
-          <a:lstStyle/>
-          <a:p>
-            <a:endParaRPr lang="en-US" altLang="en-US"/>
-          </a:p>
-        </p:txBody>
-      </p:sp>
-      <p:sp>
-        <p:nvSpPr>
-          <p:cNvPr id="5" name="Footer Placeholder 4"/>
+        <p:spPr>
+          <a:xfrm>
+            <a:off x="0" y="6492875"/>
+            <a:ext cx="1071563" cy="365125"/>
+          </a:xfrm>
+        </p:spPr>
+        <p:txBody>
+          <a:bodyPr/>
+          <a:lstStyle>
+            <a:lvl1pPr>
+              <a:defRPr baseline="0" smtClean="0">
+                <a:solidFill>
+                  <a:schemeClr val="bg1"/>
+                </a:solidFill>
+              </a:defRPr>
+            </a:lvl1pPr>
+          </a:lstStyle>
+          <a:p>
+            <a:endParaRPr lang="en-US" altLang="en-US"/>
+          </a:p>
+        </p:txBody>
+      </p:sp>
+      <p:sp>
+        <p:nvSpPr>
+          <p:cNvPr id="9" name="Footer Placeholder 4"/>
           <p:cNvSpPr>
             <a:spLocks noGrp="1"/>
           </p:cNvSpPr>
@@ -1460,10 +2071,23 @@
             <p:ph type="ftr" sz="quarter" idx="11"/>
           </p:nvPr>
         </p:nvSpPr>
-        <p:spPr/>
-        <p:txBody>
-          <a:bodyPr/>
-          <a:lstStyle/>
+        <p:spPr>
+          <a:xfrm>
+            <a:off x="4572000" y="6492875"/>
+            <a:ext cx="3505200" cy="365125"/>
+          </a:xfrm>
+        </p:spPr>
+        <p:txBody>
+          <a:bodyPr/>
+          <a:lstStyle>
+            <a:lvl1pPr algn="l">
+              <a:defRPr baseline="0">
+                <a:solidFill>
+                  <a:schemeClr val="bg1"/>
+                </a:solidFill>
+              </a:defRPr>
+            </a:lvl1pPr>
+          </a:lstStyle>
           <a:p>
             <a:r>
               <a:rPr lang="en-US" altLang="en-US" smtClean="0"/>
@@ -1475,7 +2099,7 @@
       </p:sp>
       <p:sp>
         <p:nvSpPr>
-          <p:cNvPr id="6" name="Slide Number Placeholder 5"/>
+          <p:cNvPr id="10" name="Slide Number Placeholder 5"/>
           <p:cNvSpPr>
             <a:spLocks noGrp="1"/>
           </p:cNvSpPr>
@@ -1483,28 +2107,41 @@
             <p:ph type="sldNum" sz="quarter" idx="12"/>
           </p:nvPr>
         </p:nvSpPr>
-        <p:spPr/>
-        <p:txBody>
-          <a:bodyPr/>
-          <a:lstStyle/>
-          <a:p>
-            <a:r>
-              <a:rPr lang="en-US" altLang="en-US" smtClean="0"/>
-              <a:t>/</a:t>
-            </a:r>
+        <p:spPr>
+          <a:xfrm>
+            <a:off x="8077200" y="6492875"/>
+            <a:ext cx="1066800" cy="365125"/>
+          </a:xfrm>
+        </p:spPr>
+        <p:txBody>
+          <a:bodyPr/>
+          <a:lstStyle>
+            <a:lvl1pPr>
+              <a:defRPr baseline="0">
+                <a:solidFill>
+                  <a:schemeClr val="bg1"/>
+                </a:solidFill>
+              </a:defRPr>
+            </a:lvl1pPr>
+          </a:lstStyle>
+          <a:p>
             <a:fld id="{707A8302-A132-4E0B-8686-CBB4BD32BF03}" type="slidenum">
               <a:rPr lang="en-US" altLang="en-US" smtClean="0"/>
               <a:pPr/>
               <a:t>‹#›</a:t>
             </a:fld>
-            <a:endParaRPr lang="en-US" altLang="en-US"/>
+            <a:r>
+              <a:rPr lang="en-US" altLang="en-US" dirty="0" smtClean="0"/>
+              <a:t>/</a:t>
+            </a:r>
+            <a:endParaRPr lang="en-US" altLang="en-US" dirty="0"/>
           </a:p>
         </p:txBody>
       </p:sp>
     </p:spTree>
     <p:extLst>
       <p:ext uri="{BB962C8B-B14F-4D97-AF65-F5344CB8AC3E}">
-        <p14:creationId xmlns:p14="http://schemas.microsoft.com/office/powerpoint/2010/main" val="3685387435"/>
+        <p14:creationId xmlns:p14="http://schemas.microsoft.com/office/powerpoint/2010/main" val="2002451064"/>
       </p:ext>
     </p:extLst>
   </p:cSld>
@@ -1695,7 +2332,11 @@
         <p:spPr/>
         <p:txBody>
           <a:bodyPr/>
-          <a:lstStyle/>
+          <a:lstStyle>
+            <a:lvl1pPr>
+              <a:defRPr/>
+            </a:lvl1pPr>
+          </a:lstStyle>
           <a:p>
             <a:endParaRPr lang="en-US" altLang="en-US"/>
           </a:p>
@@ -1714,7 +2355,11 @@
         <p:spPr/>
         <p:txBody>
           <a:bodyPr/>
-          <a:lstStyle/>
+          <a:lstStyle>
+            <a:lvl1pPr>
+              <a:defRPr/>
+            </a:lvl1pPr>
+          </a:lstStyle>
           <a:p>
             <a:r>
               <a:rPr lang="en-US" altLang="en-US" smtClean="0"/>
@@ -1737,25 +2382,29 @@
         <p:spPr/>
         <p:txBody>
           <a:bodyPr/>
-          <a:lstStyle/>
-          <a:p>
-            <a:r>
-              <a:rPr lang="en-US" altLang="en-US" smtClean="0"/>
-              <a:t>/</a:t>
-            </a:r>
+          <a:lstStyle>
+            <a:lvl1pPr>
+              <a:defRPr/>
+            </a:lvl1pPr>
+          </a:lstStyle>
+          <a:p>
             <a:fld id="{F22A30FA-3B53-47CA-B79A-844D8B645D0C}" type="slidenum">
               <a:rPr lang="en-US" altLang="en-US" smtClean="0"/>
               <a:pPr/>
               <a:t>‹#›</a:t>
             </a:fld>
-            <a:endParaRPr lang="en-US" altLang="en-US"/>
+            <a:r>
+              <a:rPr lang="en-US" altLang="en-US" dirty="0" smtClean="0"/>
+              <a:t>/</a:t>
+            </a:r>
+            <a:endParaRPr lang="en-US" altLang="en-US" dirty="0"/>
           </a:p>
         </p:txBody>
       </p:sp>
     </p:spTree>
     <p:extLst>
       <p:ext uri="{BB962C8B-B14F-4D97-AF65-F5344CB8AC3E}">
-        <p14:creationId xmlns:p14="http://schemas.microsoft.com/office/powerpoint/2010/main" val="2883784665"/>
+        <p14:creationId xmlns:p14="http://schemas.microsoft.com/office/powerpoint/2010/main" val="3502128047"/>
       </p:ext>
     </p:extLst>
   </p:cSld>
@@ -1766,7 +2415,7 @@
 </file>
 
 <file path=ppt/slideLayouts/slideLayout4.xml><?xml version="1.0" encoding="utf-8"?>
-<p:sldLayout xmlns:a="http://schemas.openxmlformats.org/drawingml/2006/main" xmlns:r="http://schemas.openxmlformats.org/officeDocument/2006/relationships" xmlns:p="http://schemas.openxmlformats.org/presentationml/2006/main" type="twoObj" preserve="1">
+<p:sldLayout xmlns:a="http://schemas.openxmlformats.org/drawingml/2006/main" xmlns:r="http://schemas.openxmlformats.org/officeDocument/2006/relationships" xmlns:p="http://schemas.openxmlformats.org/presentationml/2006/main" preserve="1">
   <p:cSld name="Two Content">
     <p:spTree>
       <p:nvGrpSpPr>
@@ -1784,50 +2433,272 @@
       </p:grpSpPr>
       <p:sp>
         <p:nvSpPr>
-          <p:cNvPr id="2" name="Title 1"/>
-          <p:cNvSpPr>
-            <a:spLocks noGrp="1"/>
-          </p:cNvSpPr>
-          <p:nvPr>
-            <p:ph type="title"/>
-          </p:nvPr>
-        </p:nvSpPr>
-        <p:spPr/>
-        <p:txBody>
-          <a:bodyPr/>
-          <a:lstStyle/>
-          <a:p>
-            <a:r>
-              <a:rPr lang="en-US" smtClean="0"/>
-              <a:t>Click to edit Master title style</a:t>
-            </a:r>
-            <a:endParaRPr lang="en-US"/>
-          </a:p>
-        </p:txBody>
-      </p:sp>
-      <p:sp>
-        <p:nvSpPr>
-          <p:cNvPr id="3" name="Content Placeholder 2"/>
-          <p:cNvSpPr>
-            <a:spLocks noGrp="1"/>
-          </p:cNvSpPr>
-          <p:nvPr>
-            <p:ph sz="half" idx="1"/>
-          </p:nvPr>
+          <p:cNvPr id="5" name="Rectangle 4"/>
+          <p:cNvSpPr/>
+          <p:nvPr/>
         </p:nvSpPr>
         <p:spPr>
           <a:xfrm>
-            <a:off x="457200" y="1600200"/>
-            <a:ext cx="4038600" cy="4525963"/>
+            <a:off x="4572000" y="6477000"/>
+            <a:ext cx="4572000" cy="381000"/>
+          </a:xfrm>
+          <a:prstGeom prst="rect">
+            <a:avLst/>
+          </a:prstGeom>
+          <a:solidFill>
+            <a:srgbClr val="3333B2"/>
+          </a:solidFill>
+          <a:ln>
+            <a:noFill/>
+          </a:ln>
+        </p:spPr>
+        <p:style>
+          <a:lnRef idx="2">
+            <a:schemeClr val="accent1">
+              <a:shade val="50000"/>
+            </a:schemeClr>
+          </a:lnRef>
+          <a:fillRef idx="1">
+            <a:schemeClr val="accent1"/>
+          </a:fillRef>
+          <a:effectRef idx="0">
+            <a:schemeClr val="accent1"/>
+          </a:effectRef>
+          <a:fontRef idx="minor">
+            <a:schemeClr val="lt1"/>
+          </a:fontRef>
+        </p:style>
+        <p:txBody>
+          <a:bodyPr anchor="ctr"/>
+          <a:lstStyle/>
+          <a:p>
+            <a:pPr algn="ctr" fontAlgn="auto">
+              <a:spcBef>
+                <a:spcPts val="0"/>
+              </a:spcBef>
+              <a:spcAft>
+                <a:spcPts val="0"/>
+              </a:spcAft>
+              <a:defRPr/>
+            </a:pPr>
+            <a:endParaRPr lang="en-US">
+              <a:solidFill>
+                <a:schemeClr val="bg1"/>
+              </a:solidFill>
+            </a:endParaRPr>
+          </a:p>
+        </p:txBody>
+      </p:sp>
+      <p:sp>
+        <p:nvSpPr>
+          <p:cNvPr id="6" name="Rectangle 5"/>
+          <p:cNvSpPr/>
+          <p:nvPr/>
+        </p:nvSpPr>
+        <p:spPr>
+          <a:xfrm>
+            <a:off x="0" y="6477000"/>
+            <a:ext cx="4572000" cy="381000"/>
+          </a:xfrm>
+          <a:prstGeom prst="rect">
+            <a:avLst/>
+          </a:prstGeom>
+          <a:solidFill>
+            <a:schemeClr val="tx1"/>
+          </a:solidFill>
+          <a:ln>
+            <a:noFill/>
+          </a:ln>
+        </p:spPr>
+        <p:style>
+          <a:lnRef idx="2">
+            <a:schemeClr val="accent1">
+              <a:shade val="50000"/>
+            </a:schemeClr>
+          </a:lnRef>
+          <a:fillRef idx="1">
+            <a:schemeClr val="accent1"/>
+          </a:fillRef>
+          <a:effectRef idx="0">
+            <a:schemeClr val="accent1"/>
+          </a:effectRef>
+          <a:fontRef idx="minor">
+            <a:schemeClr val="lt1"/>
+          </a:fontRef>
+        </p:style>
+        <p:txBody>
+          <a:bodyPr anchor="ctr"/>
+          <a:lstStyle/>
+          <a:p>
+            <a:pPr algn="ctr" fontAlgn="auto">
+              <a:spcBef>
+                <a:spcPts val="0"/>
+              </a:spcBef>
+              <a:spcAft>
+                <a:spcPts val="0"/>
+              </a:spcAft>
+              <a:defRPr/>
+            </a:pPr>
+            <a:endParaRPr lang="en-US">
+              <a:solidFill>
+                <a:schemeClr val="bg1"/>
+              </a:solidFill>
+            </a:endParaRPr>
+          </a:p>
+        </p:txBody>
+      </p:sp>
+      <p:sp>
+        <p:nvSpPr>
+          <p:cNvPr id="7" name="Rectangle 6"/>
+          <p:cNvSpPr/>
+          <p:nvPr/>
+        </p:nvSpPr>
+        <p:spPr>
+          <a:xfrm>
+            <a:off x="0" y="0"/>
+            <a:ext cx="9144000" cy="762000"/>
+          </a:xfrm>
+          <a:prstGeom prst="rect">
+            <a:avLst/>
+          </a:prstGeom>
+          <a:gradFill flip="none" rotWithShape="1">
+            <a:gsLst>
+              <a:gs pos="0">
+                <a:schemeClr val="tx1"/>
+              </a:gs>
+              <a:gs pos="100000">
+                <a:srgbClr val="3333B2"/>
+              </a:gs>
+            </a:gsLst>
+            <a:lin ang="10800000" scaled="1"/>
+            <a:tileRect/>
+          </a:gradFill>
+          <a:ln>
+            <a:noFill/>
+          </a:ln>
+          <a:effectLst>
+            <a:outerShdw blurRad="50800" dist="88900" dir="5400000" algn="tl" rotWithShape="0">
+              <a:prstClr val="black">
+                <a:alpha val="40000"/>
+              </a:prstClr>
+            </a:outerShdw>
+          </a:effectLst>
+        </p:spPr>
+        <p:style>
+          <a:lnRef idx="2">
+            <a:schemeClr val="accent1">
+              <a:shade val="50000"/>
+            </a:schemeClr>
+          </a:lnRef>
+          <a:fillRef idx="1">
+            <a:schemeClr val="accent1"/>
+          </a:fillRef>
+          <a:effectRef idx="0">
+            <a:schemeClr val="accent1"/>
+          </a:effectRef>
+          <a:fontRef idx="minor">
+            <a:schemeClr val="lt1"/>
+          </a:fontRef>
+        </p:style>
+        <p:txBody>
+          <a:bodyPr anchor="ctr"/>
+          <a:lstStyle/>
+          <a:p>
+            <a:pPr algn="ctr" fontAlgn="auto">
+              <a:spcBef>
+                <a:spcPts val="0"/>
+              </a:spcBef>
+              <a:spcAft>
+                <a:spcPts val="0"/>
+              </a:spcAft>
+              <a:defRPr/>
+            </a:pPr>
+            <a:endParaRPr lang="en-US"/>
+          </a:p>
+        </p:txBody>
+      </p:sp>
+      <p:sp>
+        <p:nvSpPr>
+          <p:cNvPr id="8" name="TextBox 7"/>
+          <p:cNvSpPr txBox="1"/>
+          <p:nvPr/>
+        </p:nvSpPr>
+        <p:spPr>
+          <a:xfrm>
+            <a:off x="1071563" y="6488113"/>
+            <a:ext cx="3500437" cy="369887"/>
+          </a:xfrm>
+          <a:prstGeom prst="rect">
+            <a:avLst/>
+          </a:prstGeom>
+          <a:noFill/>
+        </p:spPr>
+        <p:txBody>
+          <a:bodyPr anchor="ctr"/>
+          <a:lstStyle/>
+          <a:p>
+            <a:pPr algn="r" fontAlgn="auto">
+              <a:spcBef>
+                <a:spcPts val="0"/>
+              </a:spcBef>
+              <a:spcAft>
+                <a:spcPts val="0"/>
+              </a:spcAft>
+              <a:defRPr/>
+            </a:pPr>
+            <a:r>
+              <a:rPr lang="en-US" sz="1200" dirty="0" smtClean="0">
+                <a:solidFill>
+                  <a:schemeClr val="bg1"/>
+                </a:solidFill>
+                <a:latin typeface="+mn-lt"/>
+                <a:cs typeface="+mn-cs"/>
+              </a:rPr>
+              <a:t>Juergen Jung – Towson University</a:t>
+            </a:r>
+            <a:endParaRPr lang="en-US" sz="1200" dirty="0">
+              <a:solidFill>
+                <a:schemeClr val="bg1"/>
+              </a:solidFill>
+              <a:latin typeface="+mn-lt"/>
+              <a:cs typeface="+mn-cs"/>
+            </a:endParaRPr>
+          </a:p>
+        </p:txBody>
+      </p:sp>
+      <p:sp>
+        <p:nvSpPr>
+          <p:cNvPr id="3" name="Content Placeholder 2"/>
+          <p:cNvSpPr>
+            <a:spLocks noGrp="1"/>
+          </p:cNvSpPr>
+          <p:nvPr>
+            <p:ph sz="half" idx="1"/>
+          </p:nvPr>
+        </p:nvSpPr>
+        <p:spPr>
+          <a:xfrm>
+            <a:off x="228600" y="1066800"/>
+            <a:ext cx="4267200" cy="5059363"/>
           </a:xfrm>
         </p:spPr>
         <p:txBody>
           <a:bodyPr/>
           <a:lstStyle>
             <a:lvl1pPr>
+              <a:buSzPct val="60000"/>
+              <a:buFontTx/>
+              <a:buBlip>
+                <a:blip r:embed="rId2"/>
+              </a:buBlip>
               <a:defRPr sz="2800"/>
             </a:lvl1pPr>
             <a:lvl2pPr>
+              <a:buSzPct val="60000"/>
+              <a:buFontTx/>
+              <a:buBlip>
+                <a:blip r:embed="rId2"/>
+              </a:buBlip>
               <a:defRPr sz="2400"/>
             </a:lvl2pPr>
             <a:lvl3pPr>
@@ -1886,7 +2757,7 @@
               <a:rPr lang="en-US" smtClean="0"/>
               <a:t>Fifth level</a:t>
             </a:r>
-            <a:endParaRPr lang="en-US"/>
+            <a:endParaRPr lang="en-US" dirty="0"/>
           </a:p>
         </p:txBody>
       </p:sp>
@@ -1902,17 +2773,27 @@
         </p:nvSpPr>
         <p:spPr>
           <a:xfrm>
-            <a:off x="4648200" y="1600200"/>
-            <a:ext cx="4038600" cy="4525963"/>
+            <a:off x="4648200" y="1066800"/>
+            <a:ext cx="4267200" cy="5059363"/>
           </a:xfrm>
         </p:spPr>
         <p:txBody>
           <a:bodyPr/>
           <a:lstStyle>
             <a:lvl1pPr>
+              <a:buSzPct val="60000"/>
+              <a:buFontTx/>
+              <a:buBlip>
+                <a:blip r:embed="rId2"/>
+              </a:buBlip>
               <a:defRPr sz="2800"/>
             </a:lvl1pPr>
             <a:lvl2pPr>
+              <a:buSzPct val="60000"/>
+              <a:buFontTx/>
+              <a:buBlip>
+                <a:blip r:embed="rId2"/>
+              </a:buBlip>
               <a:defRPr sz="2400"/>
             </a:lvl2pPr>
             <a:lvl3pPr>
@@ -1971,13 +2852,49 @@
               <a:rPr lang="en-US" smtClean="0"/>
               <a:t>Fifth level</a:t>
             </a:r>
+            <a:endParaRPr lang="en-US" dirty="0"/>
+          </a:p>
+        </p:txBody>
+      </p:sp>
+      <p:sp>
+        <p:nvSpPr>
+          <p:cNvPr id="2" name="Title 1"/>
+          <p:cNvSpPr>
+            <a:spLocks noGrp="1"/>
+          </p:cNvSpPr>
+          <p:nvPr>
+            <p:ph type="title"/>
+          </p:nvPr>
+        </p:nvSpPr>
+        <p:spPr>
+          <a:xfrm>
+            <a:off x="0" y="0"/>
+            <a:ext cx="8839200" cy="762000"/>
+          </a:xfrm>
+        </p:spPr>
+        <p:txBody>
+          <a:bodyPr/>
+          <a:lstStyle>
+            <a:lvl1pPr marL="182880" algn="l">
+              <a:defRPr baseline="0">
+                <a:solidFill>
+                  <a:schemeClr val="bg1"/>
+                </a:solidFill>
+              </a:defRPr>
+            </a:lvl1pPr>
+          </a:lstStyle>
+          <a:p>
+            <a:r>
+              <a:rPr lang="en-US" smtClean="0"/>
+              <a:t>Click to edit Master title style</a:t>
+            </a:r>
             <a:endParaRPr lang="en-US"/>
           </a:p>
         </p:txBody>
       </p:sp>
       <p:sp>
         <p:nvSpPr>
-          <p:cNvPr id="5" name="Date Placeholder 4"/>
+          <p:cNvPr id="9" name="Date Placeholder 4"/>
           <p:cNvSpPr>
             <a:spLocks noGrp="1"/>
           </p:cNvSpPr>
@@ -1985,18 +2902,31 @@
             <p:ph type="dt" sz="half" idx="10"/>
           </p:nvPr>
         </p:nvSpPr>
-        <p:spPr/>
-        <p:txBody>
-          <a:bodyPr/>
-          <a:lstStyle/>
-          <a:p>
-            <a:endParaRPr lang="en-US" altLang="en-US"/>
-          </a:p>
-        </p:txBody>
-      </p:sp>
-      <p:sp>
-        <p:nvSpPr>
-          <p:cNvPr id="6" name="Footer Placeholder 5"/>
+        <p:spPr>
+          <a:xfrm>
+            <a:off x="0" y="6492875"/>
+            <a:ext cx="1066800" cy="365125"/>
+          </a:xfrm>
+        </p:spPr>
+        <p:txBody>
+          <a:bodyPr/>
+          <a:lstStyle>
+            <a:lvl1pPr>
+              <a:defRPr baseline="0" smtClean="0">
+                <a:solidFill>
+                  <a:schemeClr val="bg1"/>
+                </a:solidFill>
+              </a:defRPr>
+            </a:lvl1pPr>
+          </a:lstStyle>
+          <a:p>
+            <a:endParaRPr lang="en-US" altLang="en-US"/>
+          </a:p>
+        </p:txBody>
+      </p:sp>
+      <p:sp>
+        <p:nvSpPr>
+          <p:cNvPr id="10" name="Footer Placeholder 5"/>
           <p:cNvSpPr>
             <a:spLocks noGrp="1"/>
           </p:cNvSpPr>
@@ -2004,10 +2934,23 @@
             <p:ph type="ftr" sz="quarter" idx="11"/>
           </p:nvPr>
         </p:nvSpPr>
-        <p:spPr/>
-        <p:txBody>
-          <a:bodyPr/>
-          <a:lstStyle/>
+        <p:spPr>
+          <a:xfrm>
+            <a:off x="4572000" y="6492875"/>
+            <a:ext cx="3505200" cy="365125"/>
+          </a:xfrm>
+        </p:spPr>
+        <p:txBody>
+          <a:bodyPr/>
+          <a:lstStyle>
+            <a:lvl1pPr algn="l">
+              <a:defRPr baseline="0">
+                <a:solidFill>
+                  <a:schemeClr val="bg1"/>
+                </a:solidFill>
+              </a:defRPr>
+            </a:lvl1pPr>
+          </a:lstStyle>
           <a:p>
             <a:r>
               <a:rPr lang="en-US" altLang="en-US" smtClean="0"/>
@@ -2019,7 +2962,7 @@
       </p:sp>
       <p:sp>
         <p:nvSpPr>
-          <p:cNvPr id="7" name="Slide Number Placeholder 6"/>
+          <p:cNvPr id="11" name="Slide Number Placeholder 6"/>
           <p:cNvSpPr>
             <a:spLocks noGrp="1"/>
           </p:cNvSpPr>
@@ -2027,28 +2970,41 @@
             <p:ph type="sldNum" sz="quarter" idx="12"/>
           </p:nvPr>
         </p:nvSpPr>
-        <p:spPr/>
-        <p:txBody>
-          <a:bodyPr/>
-          <a:lstStyle/>
-          <a:p>
-            <a:r>
-              <a:rPr lang="en-US" altLang="en-US" smtClean="0"/>
-              <a:t>/</a:t>
-            </a:r>
+        <p:spPr>
+          <a:xfrm>
+            <a:off x="8077200" y="6492875"/>
+            <a:ext cx="1066800" cy="365125"/>
+          </a:xfrm>
+        </p:spPr>
+        <p:txBody>
+          <a:bodyPr/>
+          <a:lstStyle>
+            <a:lvl1pPr>
+              <a:defRPr baseline="0">
+                <a:solidFill>
+                  <a:schemeClr val="bg1"/>
+                </a:solidFill>
+              </a:defRPr>
+            </a:lvl1pPr>
+          </a:lstStyle>
+          <a:p>
             <a:fld id="{959369EF-7391-4C7C-A364-6779559376A2}" type="slidenum">
               <a:rPr lang="en-US" altLang="en-US" smtClean="0"/>
               <a:pPr/>
               <a:t>‹#›</a:t>
             </a:fld>
-            <a:endParaRPr lang="en-US" altLang="en-US"/>
+            <a:r>
+              <a:rPr lang="en-US" altLang="en-US" dirty="0" smtClean="0"/>
+              <a:t>/</a:t>
+            </a:r>
+            <a:endParaRPr lang="en-US" altLang="en-US" dirty="0"/>
           </a:p>
         </p:txBody>
       </p:sp>
     </p:spTree>
     <p:extLst>
       <p:ext uri="{BB962C8B-B14F-4D97-AF65-F5344CB8AC3E}">
-        <p14:creationId xmlns:p14="http://schemas.microsoft.com/office/powerpoint/2010/main" val="3114174130"/>
+        <p14:creationId xmlns:p14="http://schemas.microsoft.com/office/powerpoint/2010/main" val="3939613298"/>
       </p:ext>
     </p:extLst>
   </p:cSld>
@@ -2059,7 +3015,7 @@
 </file>
 
 <file path=ppt/slideLayouts/slideLayout5.xml><?xml version="1.0" encoding="utf-8"?>
-<p:sldLayout xmlns:a="http://schemas.openxmlformats.org/drawingml/2006/main" xmlns:r="http://schemas.openxmlformats.org/officeDocument/2006/relationships" xmlns:p="http://schemas.openxmlformats.org/presentationml/2006/main" type="twoTxTwoObj" preserve="1">
+<p:sldLayout xmlns:a="http://schemas.openxmlformats.org/drawingml/2006/main" xmlns:r="http://schemas.openxmlformats.org/officeDocument/2006/relationships" xmlns:p="http://schemas.openxmlformats.org/presentationml/2006/main" preserve="1">
   <p:cSld name="Comparison">
     <p:spTree>
       <p:nvGrpSpPr>
@@ -2077,44 +3033,252 @@
       </p:grpSpPr>
       <p:sp>
         <p:nvSpPr>
-          <p:cNvPr id="2" name="Title 1"/>
-          <p:cNvSpPr>
-            <a:spLocks noGrp="1"/>
-          </p:cNvSpPr>
-          <p:nvPr>
-            <p:ph type="title"/>
-          </p:nvPr>
-        </p:nvSpPr>
-        <p:spPr/>
-        <p:txBody>
-          <a:bodyPr/>
-          <a:lstStyle>
-            <a:lvl1pPr>
-              <a:defRPr/>
-            </a:lvl1pPr>
-          </a:lstStyle>
-          <a:p>
-            <a:r>
-              <a:rPr lang="en-US" smtClean="0"/>
-              <a:t>Click to edit Master title style</a:t>
-            </a:r>
-            <a:endParaRPr lang="en-US"/>
-          </a:p>
-        </p:txBody>
-      </p:sp>
-      <p:sp>
-        <p:nvSpPr>
-          <p:cNvPr id="3" name="Text Placeholder 2"/>
-          <p:cNvSpPr>
-            <a:spLocks noGrp="1"/>
-          </p:cNvSpPr>
-          <p:nvPr>
-            <p:ph type="body" idx="1"/>
-          </p:nvPr>
+          <p:cNvPr id="7" name="Rectangle 6"/>
+          <p:cNvSpPr/>
+          <p:nvPr/>
         </p:nvSpPr>
         <p:spPr>
           <a:xfrm>
-            <a:off x="457200" y="1535113"/>
+            <a:off x="4572000" y="6477000"/>
+            <a:ext cx="4572000" cy="381000"/>
+          </a:xfrm>
+          <a:prstGeom prst="rect">
+            <a:avLst/>
+          </a:prstGeom>
+          <a:solidFill>
+            <a:srgbClr val="3333B2"/>
+          </a:solidFill>
+          <a:ln>
+            <a:noFill/>
+          </a:ln>
+        </p:spPr>
+        <p:style>
+          <a:lnRef idx="2">
+            <a:schemeClr val="accent1">
+              <a:shade val="50000"/>
+            </a:schemeClr>
+          </a:lnRef>
+          <a:fillRef idx="1">
+            <a:schemeClr val="accent1"/>
+          </a:fillRef>
+          <a:effectRef idx="0">
+            <a:schemeClr val="accent1"/>
+          </a:effectRef>
+          <a:fontRef idx="minor">
+            <a:schemeClr val="lt1"/>
+          </a:fontRef>
+        </p:style>
+        <p:txBody>
+          <a:bodyPr anchor="ctr"/>
+          <a:lstStyle/>
+          <a:p>
+            <a:pPr algn="ctr" fontAlgn="auto">
+              <a:spcBef>
+                <a:spcPts val="0"/>
+              </a:spcBef>
+              <a:spcAft>
+                <a:spcPts val="0"/>
+              </a:spcAft>
+              <a:defRPr/>
+            </a:pPr>
+            <a:endParaRPr lang="en-US">
+              <a:solidFill>
+                <a:schemeClr val="bg1"/>
+              </a:solidFill>
+            </a:endParaRPr>
+          </a:p>
+        </p:txBody>
+      </p:sp>
+      <p:sp>
+        <p:nvSpPr>
+          <p:cNvPr id="8" name="Rectangle 7"/>
+          <p:cNvSpPr/>
+          <p:nvPr/>
+        </p:nvSpPr>
+        <p:spPr>
+          <a:xfrm>
+            <a:off x="0" y="6477000"/>
+            <a:ext cx="4572000" cy="381000"/>
+          </a:xfrm>
+          <a:prstGeom prst="rect">
+            <a:avLst/>
+          </a:prstGeom>
+          <a:solidFill>
+            <a:schemeClr val="tx1"/>
+          </a:solidFill>
+          <a:ln>
+            <a:noFill/>
+          </a:ln>
+        </p:spPr>
+        <p:style>
+          <a:lnRef idx="2">
+            <a:schemeClr val="accent1">
+              <a:shade val="50000"/>
+            </a:schemeClr>
+          </a:lnRef>
+          <a:fillRef idx="1">
+            <a:schemeClr val="accent1"/>
+          </a:fillRef>
+          <a:effectRef idx="0">
+            <a:schemeClr val="accent1"/>
+          </a:effectRef>
+          <a:fontRef idx="minor">
+            <a:schemeClr val="lt1"/>
+          </a:fontRef>
+        </p:style>
+        <p:txBody>
+          <a:bodyPr anchor="ctr"/>
+          <a:lstStyle/>
+          <a:p>
+            <a:pPr algn="ctr" fontAlgn="auto">
+              <a:spcBef>
+                <a:spcPts val="0"/>
+              </a:spcBef>
+              <a:spcAft>
+                <a:spcPts val="0"/>
+              </a:spcAft>
+              <a:defRPr/>
+            </a:pPr>
+            <a:endParaRPr lang="en-US">
+              <a:solidFill>
+                <a:schemeClr val="bg1"/>
+              </a:solidFill>
+            </a:endParaRPr>
+          </a:p>
+        </p:txBody>
+      </p:sp>
+      <p:sp>
+        <p:nvSpPr>
+          <p:cNvPr id="9" name="Rectangle 8"/>
+          <p:cNvSpPr/>
+          <p:nvPr/>
+        </p:nvSpPr>
+        <p:spPr>
+          <a:xfrm>
+            <a:off x="0" y="0"/>
+            <a:ext cx="9144000" cy="762000"/>
+          </a:xfrm>
+          <a:prstGeom prst="rect">
+            <a:avLst/>
+          </a:prstGeom>
+          <a:gradFill flip="none" rotWithShape="1">
+            <a:gsLst>
+              <a:gs pos="0">
+                <a:schemeClr val="tx1"/>
+              </a:gs>
+              <a:gs pos="100000">
+                <a:srgbClr val="3333B2"/>
+              </a:gs>
+            </a:gsLst>
+            <a:lin ang="10800000" scaled="1"/>
+            <a:tileRect/>
+          </a:gradFill>
+          <a:ln>
+            <a:noFill/>
+          </a:ln>
+          <a:effectLst>
+            <a:outerShdw blurRad="50800" dist="88900" dir="5400000" algn="tl" rotWithShape="0">
+              <a:prstClr val="black">
+                <a:alpha val="40000"/>
+              </a:prstClr>
+            </a:outerShdw>
+          </a:effectLst>
+        </p:spPr>
+        <p:style>
+          <a:lnRef idx="2">
+            <a:schemeClr val="accent1">
+              <a:shade val="50000"/>
+            </a:schemeClr>
+          </a:lnRef>
+          <a:fillRef idx="1">
+            <a:schemeClr val="accent1"/>
+          </a:fillRef>
+          <a:effectRef idx="0">
+            <a:schemeClr val="accent1"/>
+          </a:effectRef>
+          <a:fontRef idx="minor">
+            <a:schemeClr val="lt1"/>
+          </a:fontRef>
+        </p:style>
+        <p:txBody>
+          <a:bodyPr anchor="ctr"/>
+          <a:lstStyle/>
+          <a:p>
+            <a:pPr algn="ctr" fontAlgn="auto">
+              <a:spcBef>
+                <a:spcPts val="0"/>
+              </a:spcBef>
+              <a:spcAft>
+                <a:spcPts val="0"/>
+              </a:spcAft>
+              <a:defRPr/>
+            </a:pPr>
+            <a:endParaRPr lang="en-US"/>
+          </a:p>
+        </p:txBody>
+      </p:sp>
+      <p:sp>
+        <p:nvSpPr>
+          <p:cNvPr id="10" name="TextBox 9"/>
+          <p:cNvSpPr txBox="1"/>
+          <p:nvPr/>
+        </p:nvSpPr>
+        <p:spPr>
+          <a:xfrm>
+            <a:off x="1071563" y="6488113"/>
+            <a:ext cx="3500437" cy="369887"/>
+          </a:xfrm>
+          <a:prstGeom prst="rect">
+            <a:avLst/>
+          </a:prstGeom>
+          <a:noFill/>
+        </p:spPr>
+        <p:txBody>
+          <a:bodyPr anchor="ctr"/>
+          <a:lstStyle/>
+          <a:p>
+            <a:pPr algn="r" fontAlgn="auto">
+              <a:spcBef>
+                <a:spcPts val="0"/>
+              </a:spcBef>
+              <a:spcAft>
+                <a:spcPts val="0"/>
+              </a:spcAft>
+              <a:defRPr/>
+            </a:pPr>
+            <a:r>
+              <a:rPr lang="en-US" sz="1200" dirty="0" smtClean="0">
+                <a:solidFill>
+                  <a:schemeClr val="bg1"/>
+                </a:solidFill>
+                <a:latin typeface="+mn-lt"/>
+                <a:cs typeface="+mn-cs"/>
+              </a:rPr>
+              <a:t>Juergen Jung – Towson University</a:t>
+            </a:r>
+            <a:endParaRPr lang="en-US" sz="1200" dirty="0">
+              <a:solidFill>
+                <a:schemeClr val="bg1"/>
+              </a:solidFill>
+              <a:latin typeface="+mn-lt"/>
+              <a:cs typeface="+mn-cs"/>
+            </a:endParaRPr>
+          </a:p>
+        </p:txBody>
+      </p:sp>
+      <p:sp>
+        <p:nvSpPr>
+          <p:cNvPr id="3" name="Text Placeholder 2"/>
+          <p:cNvSpPr>
+            <a:spLocks noGrp="1"/>
+          </p:cNvSpPr>
+          <p:nvPr>
+            <p:ph type="body" idx="1"/>
+          </p:nvPr>
+        </p:nvSpPr>
+        <p:spPr>
+          <a:xfrm>
+            <a:off x="457200" y="990600"/>
             <a:ext cx="4040188" cy="639762"/>
           </a:xfrm>
         </p:spPr>
@@ -2179,17 +3343,27 @@
         </p:nvSpPr>
         <p:spPr>
           <a:xfrm>
-            <a:off x="457200" y="2174875"/>
-            <a:ext cx="4040188" cy="3951288"/>
+            <a:off x="457200" y="1676400"/>
+            <a:ext cx="4040188" cy="4449763"/>
           </a:xfrm>
         </p:spPr>
         <p:txBody>
           <a:bodyPr/>
           <a:lstStyle>
             <a:lvl1pPr>
+              <a:buSzPct val="60000"/>
+              <a:buFontTx/>
+              <a:buBlip>
+                <a:blip r:embed="rId2"/>
+              </a:buBlip>
               <a:defRPr sz="2400"/>
             </a:lvl1pPr>
             <a:lvl2pPr>
+              <a:buSzPct val="60000"/>
+              <a:buFontTx/>
+              <a:buBlip>
+                <a:blip r:embed="rId2"/>
+              </a:buBlip>
               <a:defRPr sz="2000"/>
             </a:lvl2pPr>
             <a:lvl3pPr>
@@ -2248,7 +3422,7 @@
               <a:rPr lang="en-US" smtClean="0"/>
               <a:t>Fifth level</a:t>
             </a:r>
-            <a:endParaRPr lang="en-US"/>
+            <a:endParaRPr lang="en-US" dirty="0"/>
           </a:p>
         </p:txBody>
       </p:sp>
@@ -2264,7 +3438,7 @@
         </p:nvSpPr>
         <p:spPr>
           <a:xfrm>
-            <a:off x="4645025" y="1535113"/>
+            <a:off x="4645025" y="990600"/>
             <a:ext cx="4041775" cy="639762"/>
           </a:xfrm>
         </p:spPr>
@@ -2329,17 +3503,27 @@
         </p:nvSpPr>
         <p:spPr>
           <a:xfrm>
-            <a:off x="4645025" y="2174875"/>
-            <a:ext cx="4041775" cy="3951288"/>
+            <a:off x="4645025" y="1676400"/>
+            <a:ext cx="4041775" cy="4449763"/>
           </a:xfrm>
         </p:spPr>
         <p:txBody>
           <a:bodyPr/>
           <a:lstStyle>
             <a:lvl1pPr>
+              <a:buSzPct val="60000"/>
+              <a:buFontTx/>
+              <a:buBlip>
+                <a:blip r:embed="rId2"/>
+              </a:buBlip>
               <a:defRPr sz="2400"/>
             </a:lvl1pPr>
             <a:lvl2pPr>
+              <a:buSzPct val="60000"/>
+              <a:buFontTx/>
+              <a:buBlip>
+                <a:blip r:embed="rId2"/>
+              </a:buBlip>
               <a:defRPr sz="2000"/>
             </a:lvl2pPr>
             <a:lvl3pPr>
@@ -2367,36 +3551,72 @@
           <a:p>
             <a:pPr lvl="0"/>
             <a:r>
+              <a:rPr lang="en-US" dirty="0" smtClean="0"/>
+              <a:t>Click to edit Master text styles</a:t>
+            </a:r>
+          </a:p>
+          <a:p>
+            <a:pPr lvl="1"/>
+            <a:r>
+              <a:rPr lang="en-US" dirty="0" smtClean="0"/>
+              <a:t>Second level</a:t>
+            </a:r>
+          </a:p>
+          <a:p>
+            <a:pPr lvl="2"/>
+            <a:r>
+              <a:rPr lang="en-US" dirty="0" smtClean="0"/>
+              <a:t>Third level</a:t>
+            </a:r>
+          </a:p>
+          <a:p>
+            <a:pPr lvl="3"/>
+            <a:r>
+              <a:rPr lang="en-US" dirty="0" smtClean="0"/>
+              <a:t>Fourth level</a:t>
+            </a:r>
+          </a:p>
+          <a:p>
+            <a:pPr lvl="4"/>
+            <a:r>
+              <a:rPr lang="en-US" dirty="0" smtClean="0"/>
+              <a:t>Fifth level</a:t>
+            </a:r>
+            <a:endParaRPr lang="en-US" dirty="0"/>
+          </a:p>
+        </p:txBody>
+      </p:sp>
+      <p:sp>
+        <p:nvSpPr>
+          <p:cNvPr id="2" name="Title 1"/>
+          <p:cNvSpPr>
+            <a:spLocks noGrp="1"/>
+          </p:cNvSpPr>
+          <p:nvPr>
+            <p:ph type="title"/>
+          </p:nvPr>
+        </p:nvSpPr>
+        <p:spPr>
+          <a:xfrm>
+            <a:off x="0" y="0"/>
+            <a:ext cx="8839200" cy="762000"/>
+          </a:xfrm>
+        </p:spPr>
+        <p:txBody>
+          <a:bodyPr/>
+          <a:lstStyle>
+            <a:lvl1pPr marL="182880" algn="l">
+              <a:defRPr baseline="0">
+                <a:solidFill>
+                  <a:schemeClr val="bg1"/>
+                </a:solidFill>
+              </a:defRPr>
+            </a:lvl1pPr>
+          </a:lstStyle>
+          <a:p>
+            <a:r>
               <a:rPr lang="en-US" smtClean="0"/>
-              <a:t>Click to edit Master text styles</a:t>
-            </a:r>
-          </a:p>
-          <a:p>
-            <a:pPr lvl="1"/>
-            <a:r>
-              <a:rPr lang="en-US" smtClean="0"/>
-              <a:t>Second level</a:t>
-            </a:r>
-          </a:p>
-          <a:p>
-            <a:pPr lvl="2"/>
-            <a:r>
-              <a:rPr lang="en-US" smtClean="0"/>
-              <a:t>Third level</a:t>
-            </a:r>
-          </a:p>
-          <a:p>
-            <a:pPr lvl="3"/>
-            <a:r>
-              <a:rPr lang="en-US" smtClean="0"/>
-              <a:t>Fourth level</a:t>
-            </a:r>
-          </a:p>
-          <a:p>
-            <a:pPr lvl="4"/>
-            <a:r>
-              <a:rPr lang="en-US" smtClean="0"/>
-              <a:t>Fifth level</a:t>
+              <a:t>Click to edit Master title style</a:t>
             </a:r>
             <a:endParaRPr lang="en-US"/>
           </a:p>
@@ -2404,7 +3624,7 @@
       </p:sp>
       <p:sp>
         <p:nvSpPr>
-          <p:cNvPr id="7" name="Date Placeholder 6"/>
+          <p:cNvPr id="11" name="Date Placeholder 6"/>
           <p:cNvSpPr>
             <a:spLocks noGrp="1"/>
           </p:cNvSpPr>
@@ -2412,18 +3632,31 @@
             <p:ph type="dt" sz="half" idx="10"/>
           </p:nvPr>
         </p:nvSpPr>
-        <p:spPr/>
-        <p:txBody>
-          <a:bodyPr/>
-          <a:lstStyle/>
-          <a:p>
-            <a:endParaRPr lang="en-US" altLang="en-US"/>
-          </a:p>
-        </p:txBody>
-      </p:sp>
-      <p:sp>
-        <p:nvSpPr>
-          <p:cNvPr id="8" name="Footer Placeholder 7"/>
+        <p:spPr>
+          <a:xfrm>
+            <a:off x="0" y="6492875"/>
+            <a:ext cx="1066800" cy="365125"/>
+          </a:xfrm>
+        </p:spPr>
+        <p:txBody>
+          <a:bodyPr/>
+          <a:lstStyle>
+            <a:lvl1pPr>
+              <a:defRPr baseline="0" smtClean="0">
+                <a:solidFill>
+                  <a:schemeClr val="bg1"/>
+                </a:solidFill>
+              </a:defRPr>
+            </a:lvl1pPr>
+          </a:lstStyle>
+          <a:p>
+            <a:endParaRPr lang="en-US" altLang="en-US"/>
+          </a:p>
+        </p:txBody>
+      </p:sp>
+      <p:sp>
+        <p:nvSpPr>
+          <p:cNvPr id="12" name="Footer Placeholder 7"/>
           <p:cNvSpPr>
             <a:spLocks noGrp="1"/>
           </p:cNvSpPr>
@@ -2431,10 +3664,23 @@
             <p:ph type="ftr" sz="quarter" idx="11"/>
           </p:nvPr>
         </p:nvSpPr>
-        <p:spPr/>
-        <p:txBody>
-          <a:bodyPr/>
-          <a:lstStyle/>
+        <p:spPr>
+          <a:xfrm>
+            <a:off x="4572000" y="6492875"/>
+            <a:ext cx="3505200" cy="365125"/>
+          </a:xfrm>
+        </p:spPr>
+        <p:txBody>
+          <a:bodyPr/>
+          <a:lstStyle>
+            <a:lvl1pPr algn="l">
+              <a:defRPr baseline="0">
+                <a:solidFill>
+                  <a:schemeClr val="bg1"/>
+                </a:solidFill>
+              </a:defRPr>
+            </a:lvl1pPr>
+          </a:lstStyle>
           <a:p>
             <a:r>
               <a:rPr lang="en-US" altLang="en-US" smtClean="0"/>
@@ -2446,7 +3692,7 @@
       </p:sp>
       <p:sp>
         <p:nvSpPr>
-          <p:cNvPr id="9" name="Slide Number Placeholder 8"/>
+          <p:cNvPr id="13" name="Slide Number Placeholder 8"/>
           <p:cNvSpPr>
             <a:spLocks noGrp="1"/>
           </p:cNvSpPr>
@@ -2454,28 +3700,41 @@
             <p:ph type="sldNum" sz="quarter" idx="12"/>
           </p:nvPr>
         </p:nvSpPr>
-        <p:spPr/>
-        <p:txBody>
-          <a:bodyPr/>
-          <a:lstStyle/>
-          <a:p>
-            <a:r>
-              <a:rPr lang="en-US" altLang="en-US" smtClean="0"/>
-              <a:t>/</a:t>
-            </a:r>
+        <p:spPr>
+          <a:xfrm>
+            <a:off x="8077200" y="6492875"/>
+            <a:ext cx="1066800" cy="365125"/>
+          </a:xfrm>
+        </p:spPr>
+        <p:txBody>
+          <a:bodyPr/>
+          <a:lstStyle>
+            <a:lvl1pPr>
+              <a:defRPr baseline="0">
+                <a:solidFill>
+                  <a:schemeClr val="bg1"/>
+                </a:solidFill>
+              </a:defRPr>
+            </a:lvl1pPr>
+          </a:lstStyle>
+          <a:p>
             <a:fld id="{48858E4B-1F38-4746-8E39-CBAC6A1154A5}" type="slidenum">
               <a:rPr lang="en-US" altLang="en-US" smtClean="0"/>
               <a:pPr/>
               <a:t>‹#›</a:t>
             </a:fld>
-            <a:endParaRPr lang="en-US" altLang="en-US"/>
+            <a:r>
+              <a:rPr lang="en-US" altLang="en-US" dirty="0" smtClean="0"/>
+              <a:t>/</a:t>
+            </a:r>
+            <a:endParaRPr lang="en-US" altLang="en-US" dirty="0"/>
           </a:p>
         </p:txBody>
       </p:sp>
     </p:spTree>
     <p:extLst>
       <p:ext uri="{BB962C8B-B14F-4D97-AF65-F5344CB8AC3E}">
-        <p14:creationId xmlns:p14="http://schemas.microsoft.com/office/powerpoint/2010/main" val="4279850076"/>
+        <p14:creationId xmlns:p14="http://schemas.microsoft.com/office/powerpoint/2010/main" val="1310785505"/>
       </p:ext>
     </p:extLst>
   </p:cSld>
@@ -2486,7 +3745,7 @@
 </file>
 
 <file path=ppt/slideLayouts/slideLayout6.xml><?xml version="1.0" encoding="utf-8"?>
-<p:sldLayout xmlns:a="http://schemas.openxmlformats.org/drawingml/2006/main" xmlns:r="http://schemas.openxmlformats.org/officeDocument/2006/relationships" xmlns:p="http://schemas.openxmlformats.org/presentationml/2006/main" type="titleOnly" preserve="1">
+<p:sldLayout xmlns:a="http://schemas.openxmlformats.org/drawingml/2006/main" xmlns:r="http://schemas.openxmlformats.org/officeDocument/2006/relationships" xmlns:p="http://schemas.openxmlformats.org/presentationml/2006/main" preserve="1">
   <p:cSld name="Title Only">
     <p:spTree>
       <p:nvGrpSpPr>
@@ -2504,6 +3763,192 @@
       </p:grpSpPr>
       <p:sp>
         <p:nvSpPr>
+          <p:cNvPr id="4" name="Rectangle 3"/>
+          <p:cNvSpPr/>
+          <p:nvPr/>
+        </p:nvSpPr>
+        <p:spPr>
+          <a:xfrm>
+            <a:off x="0" y="0"/>
+            <a:ext cx="9144000" cy="762000"/>
+          </a:xfrm>
+          <a:prstGeom prst="rect">
+            <a:avLst/>
+          </a:prstGeom>
+          <a:gradFill flip="none" rotWithShape="1">
+            <a:gsLst>
+              <a:gs pos="0">
+                <a:schemeClr val="tx1"/>
+              </a:gs>
+              <a:gs pos="100000">
+                <a:srgbClr val="3333B2"/>
+              </a:gs>
+            </a:gsLst>
+            <a:lin ang="10800000" scaled="1"/>
+            <a:tileRect/>
+          </a:gradFill>
+          <a:ln>
+            <a:noFill/>
+          </a:ln>
+          <a:effectLst>
+            <a:outerShdw blurRad="50800" dist="88900" dir="5400000" algn="tl" rotWithShape="0">
+              <a:prstClr val="black">
+                <a:alpha val="40000"/>
+              </a:prstClr>
+            </a:outerShdw>
+          </a:effectLst>
+        </p:spPr>
+        <p:style>
+          <a:lnRef idx="2">
+            <a:schemeClr val="accent1">
+              <a:shade val="50000"/>
+            </a:schemeClr>
+          </a:lnRef>
+          <a:fillRef idx="1">
+            <a:schemeClr val="accent1"/>
+          </a:fillRef>
+          <a:effectRef idx="0">
+            <a:schemeClr val="accent1"/>
+          </a:effectRef>
+          <a:fontRef idx="minor">
+            <a:schemeClr val="lt1"/>
+          </a:fontRef>
+        </p:style>
+        <p:txBody>
+          <a:bodyPr anchor="ctr"/>
+          <a:lstStyle/>
+          <a:p>
+            <a:pPr algn="ctr" fontAlgn="auto">
+              <a:spcBef>
+                <a:spcPts val="0"/>
+              </a:spcBef>
+              <a:spcAft>
+                <a:spcPts val="0"/>
+              </a:spcAft>
+              <a:defRPr/>
+            </a:pPr>
+            <a:endParaRPr lang="en-US"/>
+          </a:p>
+        </p:txBody>
+      </p:sp>
+      <p:sp>
+        <p:nvSpPr>
+          <p:cNvPr id="5" name="Rectangle 4"/>
+          <p:cNvSpPr/>
+          <p:nvPr/>
+        </p:nvSpPr>
+        <p:spPr>
+          <a:xfrm>
+            <a:off x="4572000" y="6477000"/>
+            <a:ext cx="4572000" cy="381000"/>
+          </a:xfrm>
+          <a:prstGeom prst="rect">
+            <a:avLst/>
+          </a:prstGeom>
+          <a:solidFill>
+            <a:srgbClr val="3333B2"/>
+          </a:solidFill>
+          <a:ln>
+            <a:noFill/>
+          </a:ln>
+        </p:spPr>
+        <p:style>
+          <a:lnRef idx="2">
+            <a:schemeClr val="accent1">
+              <a:shade val="50000"/>
+            </a:schemeClr>
+          </a:lnRef>
+          <a:fillRef idx="1">
+            <a:schemeClr val="accent1"/>
+          </a:fillRef>
+          <a:effectRef idx="0">
+            <a:schemeClr val="accent1"/>
+          </a:effectRef>
+          <a:fontRef idx="minor">
+            <a:schemeClr val="lt1"/>
+          </a:fontRef>
+        </p:style>
+        <p:txBody>
+          <a:bodyPr anchor="ctr"/>
+          <a:lstStyle/>
+          <a:p>
+            <a:pPr algn="ctr" fontAlgn="auto">
+              <a:spcBef>
+                <a:spcPts val="0"/>
+              </a:spcBef>
+              <a:spcAft>
+                <a:spcPts val="0"/>
+              </a:spcAft>
+              <a:defRPr/>
+            </a:pPr>
+            <a:endParaRPr lang="en-US">
+              <a:solidFill>
+                <a:schemeClr val="bg1"/>
+              </a:solidFill>
+            </a:endParaRPr>
+          </a:p>
+        </p:txBody>
+      </p:sp>
+      <p:sp>
+        <p:nvSpPr>
+          <p:cNvPr id="6" name="Rectangle 5"/>
+          <p:cNvSpPr/>
+          <p:nvPr/>
+        </p:nvSpPr>
+        <p:spPr>
+          <a:xfrm>
+            <a:off x="0" y="6477000"/>
+            <a:ext cx="4572000" cy="381000"/>
+          </a:xfrm>
+          <a:prstGeom prst="rect">
+            <a:avLst/>
+          </a:prstGeom>
+          <a:solidFill>
+            <a:schemeClr val="tx1"/>
+          </a:solidFill>
+          <a:ln>
+            <a:noFill/>
+          </a:ln>
+        </p:spPr>
+        <p:style>
+          <a:lnRef idx="2">
+            <a:schemeClr val="accent1">
+              <a:shade val="50000"/>
+            </a:schemeClr>
+          </a:lnRef>
+          <a:fillRef idx="1">
+            <a:schemeClr val="accent1"/>
+          </a:fillRef>
+          <a:effectRef idx="0">
+            <a:schemeClr val="accent1"/>
+          </a:effectRef>
+          <a:fontRef idx="minor">
+            <a:schemeClr val="lt1"/>
+          </a:fontRef>
+        </p:style>
+        <p:txBody>
+          <a:bodyPr anchor="ctr"/>
+          <a:lstStyle/>
+          <a:p>
+            <a:pPr algn="ctr" fontAlgn="auto">
+              <a:spcBef>
+                <a:spcPts val="0"/>
+              </a:spcBef>
+              <a:spcAft>
+                <a:spcPts val="0"/>
+              </a:spcAft>
+              <a:defRPr/>
+            </a:pPr>
+            <a:endParaRPr lang="en-US">
+              <a:solidFill>
+                <a:schemeClr val="bg1"/>
+              </a:solidFill>
+            </a:endParaRPr>
+          </a:p>
+        </p:txBody>
+      </p:sp>
+      <p:sp>
+        <p:nvSpPr>
           <p:cNvPr id="2" name="Title 1"/>
           <p:cNvSpPr>
             <a:spLocks noGrp="1"/>
@@ -2512,10 +3957,23 @@
             <p:ph type="title"/>
           </p:nvPr>
         </p:nvSpPr>
-        <p:spPr/>
-        <p:txBody>
-          <a:bodyPr/>
-          <a:lstStyle/>
+        <p:spPr>
+          <a:xfrm>
+            <a:off x="0" y="0"/>
+            <a:ext cx="8915400" cy="762000"/>
+          </a:xfrm>
+        </p:spPr>
+        <p:txBody>
+          <a:bodyPr/>
+          <a:lstStyle>
+            <a:lvl1pPr marL="182880" algn="l">
+              <a:defRPr baseline="0">
+                <a:solidFill>
+                  <a:schemeClr val="bg1"/>
+                </a:solidFill>
+              </a:defRPr>
+            </a:lvl1pPr>
+          </a:lstStyle>
           <a:p>
             <a:r>
               <a:rPr lang="en-US" smtClean="0"/>
@@ -2527,37 +3985,133 @@
       </p:sp>
       <p:sp>
         <p:nvSpPr>
-          <p:cNvPr id="3" name="Date Placeholder 2"/>
-          <p:cNvSpPr>
-            <a:spLocks noGrp="1"/>
-          </p:cNvSpPr>
-          <p:nvPr>
-            <p:ph type="dt" sz="half" idx="10"/>
-          </p:nvPr>
-        </p:nvSpPr>
-        <p:spPr/>
-        <p:txBody>
-          <a:bodyPr/>
-          <a:lstStyle/>
-          <a:p>
-            <a:endParaRPr lang="en-US" altLang="en-US"/>
-          </a:p>
-        </p:txBody>
-      </p:sp>
-      <p:sp>
-        <p:nvSpPr>
-          <p:cNvPr id="4" name="Footer Placeholder 3"/>
-          <p:cNvSpPr>
-            <a:spLocks noGrp="1"/>
-          </p:cNvSpPr>
-          <p:nvPr>
-            <p:ph type="ftr" sz="quarter" idx="11"/>
-          </p:nvPr>
-        </p:nvSpPr>
-        <p:spPr/>
-        <p:txBody>
-          <a:bodyPr/>
-          <a:lstStyle/>
+          <p:cNvPr id="12" name="Text Placeholder 10"/>
+          <p:cNvSpPr>
+            <a:spLocks noGrp="1"/>
+          </p:cNvSpPr>
+          <p:nvPr>
+            <p:ph type="body" sz="quarter" idx="13" hasCustomPrompt="1"/>
+          </p:nvPr>
+        </p:nvSpPr>
+        <p:spPr>
+          <a:xfrm>
+            <a:off x="1066800" y="6477000"/>
+            <a:ext cx="3505200" cy="381000"/>
+          </a:xfrm>
+        </p:spPr>
+        <p:txBody>
+          <a:bodyPr anchor="ctr">
+            <a:normAutofit/>
+          </a:bodyPr>
+          <a:lstStyle>
+            <a:lvl1pPr algn="r">
+              <a:buNone/>
+              <a:defRPr lang="en-US" sz="1200" kern="1200" baseline="0" dirty="0">
+                <a:solidFill>
+                  <a:schemeClr val="bg1"/>
+                </a:solidFill>
+                <a:latin typeface="+mn-lt"/>
+                <a:ea typeface="+mn-ea"/>
+                <a:cs typeface="+mn-cs"/>
+              </a:defRPr>
+            </a:lvl1pPr>
+            <a:lvl2pPr>
+              <a:defRPr baseline="0">
+                <a:solidFill>
+                  <a:schemeClr val="bg1"/>
+                </a:solidFill>
+              </a:defRPr>
+            </a:lvl2pPr>
+            <a:lvl3pPr>
+              <a:defRPr baseline="0">
+                <a:solidFill>
+                  <a:schemeClr val="bg1"/>
+                </a:solidFill>
+              </a:defRPr>
+            </a:lvl3pPr>
+            <a:lvl4pPr>
+              <a:defRPr baseline="0">
+                <a:solidFill>
+                  <a:schemeClr val="bg1"/>
+                </a:solidFill>
+              </a:defRPr>
+            </a:lvl4pPr>
+            <a:lvl5pPr>
+              <a:defRPr baseline="0">
+                <a:solidFill>
+                  <a:schemeClr val="bg1"/>
+                </a:solidFill>
+              </a:defRPr>
+            </a:lvl5pPr>
+          </a:lstStyle>
+          <a:p>
+            <a:pPr lvl="0"/>
+            <a:r>
+              <a:rPr lang="en-US" dirty="0" smtClean="0"/>
+              <a:t>Juergen Jung – Towson University</a:t>
+            </a:r>
+          </a:p>
+        </p:txBody>
+      </p:sp>
+      <p:sp>
+        <p:nvSpPr>
+          <p:cNvPr id="7" name="Date Placeholder 6"/>
+          <p:cNvSpPr>
+            <a:spLocks noGrp="1"/>
+          </p:cNvSpPr>
+          <p:nvPr>
+            <p:ph type="dt" sz="half" idx="14"/>
+          </p:nvPr>
+        </p:nvSpPr>
+        <p:spPr>
+          <a:xfrm>
+            <a:off x="0" y="6492875"/>
+            <a:ext cx="1066800" cy="365125"/>
+          </a:xfrm>
+        </p:spPr>
+        <p:txBody>
+          <a:bodyPr/>
+          <a:lstStyle>
+            <a:lvl1pPr>
+              <a:defRPr baseline="0" smtClean="0">
+                <a:solidFill>
+                  <a:schemeClr val="bg1"/>
+                </a:solidFill>
+              </a:defRPr>
+            </a:lvl1pPr>
+          </a:lstStyle>
+          <a:p>
+            <a:endParaRPr lang="en-US" altLang="en-US"/>
+          </a:p>
+        </p:txBody>
+      </p:sp>
+      <p:sp>
+        <p:nvSpPr>
+          <p:cNvPr id="8" name="Footer Placeholder 7"/>
+          <p:cNvSpPr>
+            <a:spLocks noGrp="1"/>
+          </p:cNvSpPr>
+          <p:nvPr>
+            <p:ph type="ftr" sz="quarter" idx="15"/>
+          </p:nvPr>
+        </p:nvSpPr>
+        <p:spPr>
+          <a:xfrm>
+            <a:off x="4572000" y="6492875"/>
+            <a:ext cx="3505200" cy="365125"/>
+          </a:xfrm>
+        </p:spPr>
+        <p:txBody>
+          <a:bodyPr/>
+          <a:lstStyle>
+            <a:lvl1pPr algn="l">
+              <a:defRPr baseline="0">
+                <a:solidFill>
+                  <a:schemeClr val="bg1"/>
+                </a:solidFill>
+              </a:defRPr>
+            </a:lvl1pPr>
+          </a:lstStyle>
           <a:p>
             <a:r>
               <a:rPr lang="en-US" altLang="en-US" smtClean="0"/>
@@ -2569,47 +4123,61 @@
       </p:sp>
       <p:sp>
         <p:nvSpPr>
-          <p:cNvPr id="5" name="Slide Number Placeholder 4"/>
-          <p:cNvSpPr>
-            <a:spLocks noGrp="1"/>
-          </p:cNvSpPr>
-          <p:nvPr>
-            <p:ph type="sldNum" sz="quarter" idx="12"/>
-          </p:nvPr>
-        </p:nvSpPr>
-        <p:spPr/>
-        <p:txBody>
-          <a:bodyPr/>
-          <a:lstStyle/>
-          <a:p>
-            <a:r>
-              <a:rPr lang="en-US" altLang="en-US" smtClean="0"/>
-              <a:t>/</a:t>
-            </a:r>
-            <a:fld id="{7BBB10C3-9D38-4D51-8590-7BAD59F08726}" type="slidenum">
+          <p:cNvPr id="9" name="Slide Number Placeholder 8"/>
+          <p:cNvSpPr>
+            <a:spLocks noGrp="1"/>
+          </p:cNvSpPr>
+          <p:nvPr>
+            <p:ph type="sldNum" sz="quarter" idx="16"/>
+          </p:nvPr>
+        </p:nvSpPr>
+        <p:spPr>
+          <a:xfrm>
+            <a:off x="8077200" y="6492875"/>
+            <a:ext cx="1066800" cy="365125"/>
+          </a:xfrm>
+        </p:spPr>
+        <p:txBody>
+          <a:bodyPr/>
+          <a:lstStyle>
+            <a:lvl1pPr>
+              <a:defRPr baseline="0">
+                <a:solidFill>
+                  <a:schemeClr val="bg1"/>
+                </a:solidFill>
+              </a:defRPr>
+            </a:lvl1pPr>
+          </a:lstStyle>
+          <a:p>
+            <a:fld id="{720F370D-F058-4EA3-8C88-9D14E96F9147}" type="slidenum">
               <a:rPr lang="en-US" altLang="en-US" smtClean="0"/>
               <a:pPr/>
               <a:t>‹#›</a:t>
             </a:fld>
-            <a:endParaRPr lang="en-US" altLang="en-US"/>
+            <a:r>
+              <a:rPr lang="en-US" altLang="en-US" dirty="0" smtClean="0"/>
+              <a:t>/</a:t>
+            </a:r>
+            <a:endParaRPr lang="en-US" altLang="en-US" dirty="0"/>
           </a:p>
         </p:txBody>
       </p:sp>
     </p:spTree>
     <p:extLst>
       <p:ext uri="{BB962C8B-B14F-4D97-AF65-F5344CB8AC3E}">
-        <p14:creationId xmlns:p14="http://schemas.microsoft.com/office/powerpoint/2010/main" val="337516623"/>
+        <p14:creationId xmlns:p14="http://schemas.microsoft.com/office/powerpoint/2010/main" val="3325879317"/>
       </p:ext>
     </p:extLst>
   </p:cSld>
   <p:clrMapOvr>
     <a:masterClrMapping/>
   </p:clrMapOvr>
+  <p:hf hdr="0" dt="0"/>
 </p:sldLayout>
 </file>
 
 <file path=ppt/slideLayouts/slideLayout7.xml><?xml version="1.0" encoding="utf-8"?>
-<p:sldLayout xmlns:a="http://schemas.openxmlformats.org/drawingml/2006/main" xmlns:r="http://schemas.openxmlformats.org/officeDocument/2006/relationships" xmlns:p="http://schemas.openxmlformats.org/presentationml/2006/main" type="blank" preserve="1">
+<p:sldLayout xmlns:a="http://schemas.openxmlformats.org/drawingml/2006/main" xmlns:r="http://schemas.openxmlformats.org/officeDocument/2006/relationships" xmlns:p="http://schemas.openxmlformats.org/presentationml/2006/main" preserve="1">
   <p:cSld name="Blank">
     <p:spTree>
       <p:nvGrpSpPr>
@@ -2627,37 +4195,249 @@
       </p:grpSpPr>
       <p:sp>
         <p:nvSpPr>
-          <p:cNvPr id="2" name="Date Placeholder 1"/>
-          <p:cNvSpPr>
-            <a:spLocks noGrp="1"/>
-          </p:cNvSpPr>
-          <p:nvPr>
-            <p:ph type="dt" sz="half" idx="10"/>
-          </p:nvPr>
-        </p:nvSpPr>
-        <p:spPr/>
-        <p:txBody>
-          <a:bodyPr/>
-          <a:lstStyle/>
-          <a:p>
-            <a:endParaRPr lang="en-US" altLang="en-US"/>
-          </a:p>
-        </p:txBody>
-      </p:sp>
-      <p:sp>
-        <p:nvSpPr>
-          <p:cNvPr id="3" name="Footer Placeholder 2"/>
-          <p:cNvSpPr>
-            <a:spLocks noGrp="1"/>
-          </p:cNvSpPr>
-          <p:nvPr>
-            <p:ph type="ftr" sz="quarter" idx="11"/>
-          </p:nvPr>
-        </p:nvSpPr>
-        <p:spPr/>
-        <p:txBody>
-          <a:bodyPr/>
-          <a:lstStyle/>
+          <p:cNvPr id="3" name="Rectangle 2"/>
+          <p:cNvSpPr/>
+          <p:nvPr/>
+        </p:nvSpPr>
+        <p:spPr>
+          <a:xfrm>
+            <a:off x="4572000" y="6477000"/>
+            <a:ext cx="4572000" cy="381000"/>
+          </a:xfrm>
+          <a:prstGeom prst="rect">
+            <a:avLst/>
+          </a:prstGeom>
+          <a:solidFill>
+            <a:srgbClr val="3333B2"/>
+          </a:solidFill>
+          <a:ln>
+            <a:noFill/>
+          </a:ln>
+        </p:spPr>
+        <p:style>
+          <a:lnRef idx="2">
+            <a:schemeClr val="accent1">
+              <a:shade val="50000"/>
+            </a:schemeClr>
+          </a:lnRef>
+          <a:fillRef idx="1">
+            <a:schemeClr val="accent1"/>
+          </a:fillRef>
+          <a:effectRef idx="0">
+            <a:schemeClr val="accent1"/>
+          </a:effectRef>
+          <a:fontRef idx="minor">
+            <a:schemeClr val="lt1"/>
+          </a:fontRef>
+        </p:style>
+        <p:txBody>
+          <a:bodyPr anchor="ctr"/>
+          <a:lstStyle/>
+          <a:p>
+            <a:pPr algn="ctr" fontAlgn="auto">
+              <a:spcBef>
+                <a:spcPts val="0"/>
+              </a:spcBef>
+              <a:spcAft>
+                <a:spcPts val="0"/>
+              </a:spcAft>
+              <a:defRPr/>
+            </a:pPr>
+            <a:endParaRPr lang="en-US">
+              <a:solidFill>
+                <a:schemeClr val="bg1"/>
+              </a:solidFill>
+            </a:endParaRPr>
+          </a:p>
+        </p:txBody>
+      </p:sp>
+      <p:sp>
+        <p:nvSpPr>
+          <p:cNvPr id="4" name="Rectangle 3"/>
+          <p:cNvSpPr/>
+          <p:nvPr/>
+        </p:nvSpPr>
+        <p:spPr>
+          <a:xfrm>
+            <a:off x="0" y="6477000"/>
+            <a:ext cx="4572000" cy="381000"/>
+          </a:xfrm>
+          <a:prstGeom prst="rect">
+            <a:avLst/>
+          </a:prstGeom>
+          <a:solidFill>
+            <a:schemeClr val="tx1"/>
+          </a:solidFill>
+          <a:ln>
+            <a:noFill/>
+          </a:ln>
+        </p:spPr>
+        <p:style>
+          <a:lnRef idx="2">
+            <a:schemeClr val="accent1">
+              <a:shade val="50000"/>
+            </a:schemeClr>
+          </a:lnRef>
+          <a:fillRef idx="1">
+            <a:schemeClr val="accent1"/>
+          </a:fillRef>
+          <a:effectRef idx="0">
+            <a:schemeClr val="accent1"/>
+          </a:effectRef>
+          <a:fontRef idx="minor">
+            <a:schemeClr val="lt1"/>
+          </a:fontRef>
+        </p:style>
+        <p:txBody>
+          <a:bodyPr anchor="ctr"/>
+          <a:lstStyle/>
+          <a:p>
+            <a:pPr algn="ctr" fontAlgn="auto">
+              <a:spcBef>
+                <a:spcPts val="0"/>
+              </a:spcBef>
+              <a:spcAft>
+                <a:spcPts val="0"/>
+              </a:spcAft>
+              <a:defRPr/>
+            </a:pPr>
+            <a:endParaRPr lang="en-US">
+              <a:solidFill>
+                <a:schemeClr val="bg1"/>
+              </a:solidFill>
+            </a:endParaRPr>
+          </a:p>
+        </p:txBody>
+      </p:sp>
+      <p:sp>
+        <p:nvSpPr>
+          <p:cNvPr id="10" name="Text Placeholder 10"/>
+          <p:cNvSpPr>
+            <a:spLocks noGrp="1"/>
+          </p:cNvSpPr>
+          <p:nvPr>
+            <p:ph type="body" sz="quarter" idx="13" hasCustomPrompt="1"/>
+          </p:nvPr>
+        </p:nvSpPr>
+        <p:spPr>
+          <a:xfrm>
+            <a:off x="1066800" y="6477000"/>
+            <a:ext cx="3505200" cy="381000"/>
+          </a:xfrm>
+        </p:spPr>
+        <p:txBody>
+          <a:bodyPr anchor="ctr">
+            <a:normAutofit/>
+          </a:bodyPr>
+          <a:lstStyle>
+            <a:lvl1pPr algn="r">
+              <a:buNone/>
+              <a:defRPr lang="en-US" sz="1200" kern="1200" baseline="0" dirty="0">
+                <a:solidFill>
+                  <a:schemeClr val="bg1"/>
+                </a:solidFill>
+                <a:latin typeface="+mn-lt"/>
+                <a:ea typeface="+mn-ea"/>
+                <a:cs typeface="+mn-cs"/>
+              </a:defRPr>
+            </a:lvl1pPr>
+            <a:lvl2pPr>
+              <a:defRPr baseline="0">
+                <a:solidFill>
+                  <a:schemeClr val="bg1"/>
+                </a:solidFill>
+              </a:defRPr>
+            </a:lvl2pPr>
+            <a:lvl3pPr>
+              <a:defRPr baseline="0">
+                <a:solidFill>
+                  <a:schemeClr val="bg1"/>
+                </a:solidFill>
+              </a:defRPr>
+            </a:lvl3pPr>
+            <a:lvl4pPr>
+              <a:defRPr baseline="0">
+                <a:solidFill>
+                  <a:schemeClr val="bg1"/>
+                </a:solidFill>
+              </a:defRPr>
+            </a:lvl4pPr>
+            <a:lvl5pPr>
+              <a:defRPr baseline="0">
+                <a:solidFill>
+                  <a:schemeClr val="bg1"/>
+                </a:solidFill>
+              </a:defRPr>
+            </a:lvl5pPr>
+          </a:lstStyle>
+          <a:p>
+            <a:pPr lvl="0"/>
+            <a:r>
+              <a:rPr lang="en-US" dirty="0" smtClean="0"/>
+              <a:t>Juergen Jung – Towson University</a:t>
+            </a:r>
+          </a:p>
+        </p:txBody>
+      </p:sp>
+      <p:sp>
+        <p:nvSpPr>
+          <p:cNvPr id="5" name="Date Placeholder 6"/>
+          <p:cNvSpPr>
+            <a:spLocks noGrp="1"/>
+          </p:cNvSpPr>
+          <p:nvPr>
+            <p:ph type="dt" sz="half" idx="14"/>
+          </p:nvPr>
+        </p:nvSpPr>
+        <p:spPr>
+          <a:xfrm>
+            <a:off x="0" y="6492875"/>
+            <a:ext cx="1066800" cy="365125"/>
+          </a:xfrm>
+        </p:spPr>
+        <p:txBody>
+          <a:bodyPr/>
+          <a:lstStyle>
+            <a:lvl1pPr>
+              <a:defRPr baseline="0" smtClean="0">
+                <a:solidFill>
+                  <a:schemeClr val="bg1"/>
+                </a:solidFill>
+              </a:defRPr>
+            </a:lvl1pPr>
+          </a:lstStyle>
+          <a:p>
+            <a:endParaRPr lang="en-US" altLang="en-US"/>
+          </a:p>
+        </p:txBody>
+      </p:sp>
+      <p:sp>
+        <p:nvSpPr>
+          <p:cNvPr id="6" name="Footer Placeholder 7"/>
+          <p:cNvSpPr>
+            <a:spLocks noGrp="1"/>
+          </p:cNvSpPr>
+          <p:nvPr>
+            <p:ph type="ftr" sz="quarter" idx="15"/>
+          </p:nvPr>
+        </p:nvSpPr>
+        <p:spPr>
+          <a:xfrm>
+            <a:off x="4572000" y="6492875"/>
+            <a:ext cx="3505200" cy="365125"/>
+          </a:xfrm>
+        </p:spPr>
+        <p:txBody>
+          <a:bodyPr/>
+          <a:lstStyle>
+            <a:lvl1pPr algn="l">
+              <a:defRPr baseline="0">
+                <a:solidFill>
+                  <a:schemeClr val="bg1"/>
+                </a:solidFill>
+              </a:defRPr>
+            </a:lvl1pPr>
+          </a:lstStyle>
           <a:p>
             <a:r>
               <a:rPr lang="en-US" altLang="en-US" smtClean="0"/>
@@ -2669,42 +4449,56 @@
       </p:sp>
       <p:sp>
         <p:nvSpPr>
-          <p:cNvPr id="4" name="Slide Number Placeholder 3"/>
-          <p:cNvSpPr>
-            <a:spLocks noGrp="1"/>
-          </p:cNvSpPr>
-          <p:nvPr>
-            <p:ph type="sldNum" sz="quarter" idx="12"/>
-          </p:nvPr>
-        </p:nvSpPr>
-        <p:spPr/>
-        <p:txBody>
-          <a:bodyPr/>
-          <a:lstStyle/>
-          <a:p>
-            <a:r>
-              <a:rPr lang="en-US" altLang="en-US" smtClean="0"/>
-              <a:t>/</a:t>
-            </a:r>
-            <a:fld id="{03119D95-0A89-4D81-A79F-1365F216707D}" type="slidenum">
+          <p:cNvPr id="7" name="Slide Number Placeholder 8"/>
+          <p:cNvSpPr>
+            <a:spLocks noGrp="1"/>
+          </p:cNvSpPr>
+          <p:nvPr>
+            <p:ph type="sldNum" sz="quarter" idx="16"/>
+          </p:nvPr>
+        </p:nvSpPr>
+        <p:spPr>
+          <a:xfrm>
+            <a:off x="8077200" y="6492875"/>
+            <a:ext cx="1066800" cy="365125"/>
+          </a:xfrm>
+        </p:spPr>
+        <p:txBody>
+          <a:bodyPr/>
+          <a:lstStyle>
+            <a:lvl1pPr>
+              <a:defRPr baseline="0">
+                <a:solidFill>
+                  <a:schemeClr val="bg1"/>
+                </a:solidFill>
+              </a:defRPr>
+            </a:lvl1pPr>
+          </a:lstStyle>
+          <a:p>
+            <a:fld id="{720F370D-F058-4EA3-8C88-9D14E96F9147}" type="slidenum">
               <a:rPr lang="en-US" altLang="en-US" smtClean="0"/>
               <a:pPr/>
               <a:t>‹#›</a:t>
             </a:fld>
-            <a:endParaRPr lang="en-US" altLang="en-US"/>
+            <a:r>
+              <a:rPr lang="en-US" altLang="en-US" dirty="0" smtClean="0"/>
+              <a:t>/</a:t>
+            </a:r>
+            <a:endParaRPr lang="en-US" altLang="en-US" dirty="0"/>
           </a:p>
         </p:txBody>
       </p:sp>
     </p:spTree>
     <p:extLst>
       <p:ext uri="{BB962C8B-B14F-4D97-AF65-F5344CB8AC3E}">
-        <p14:creationId xmlns:p14="http://schemas.microsoft.com/office/powerpoint/2010/main" val="69572044"/>
+        <p14:creationId xmlns:p14="http://schemas.microsoft.com/office/powerpoint/2010/main" val="429477730"/>
       </p:ext>
     </p:extLst>
   </p:cSld>
   <p:clrMapOvr>
     <a:masterClrMapping/>
   </p:clrMapOvr>
+  <p:hf hdr="0" dt="0"/>
 </p:sldLayout>
 </file>
 
@@ -2909,7 +4703,7 @@
       </p:sp>
       <p:sp>
         <p:nvSpPr>
-          <p:cNvPr id="5" name="Date Placeholder 4"/>
+          <p:cNvPr id="5" name="Date Placeholder 3"/>
           <p:cNvSpPr>
             <a:spLocks noGrp="1"/>
           </p:cNvSpPr>
@@ -2920,15 +4714,19 @@
         <p:spPr/>
         <p:txBody>
           <a:bodyPr/>
-          <a:lstStyle/>
-          <a:p>
-            <a:endParaRPr lang="en-US" altLang="en-US"/>
-          </a:p>
-        </p:txBody>
-      </p:sp>
-      <p:sp>
-        <p:nvSpPr>
-          <p:cNvPr id="6" name="Footer Placeholder 5"/>
+          <a:lstStyle>
+            <a:lvl1pPr>
+              <a:defRPr/>
+            </a:lvl1pPr>
+          </a:lstStyle>
+          <a:p>
+            <a:endParaRPr lang="en-US" altLang="en-US"/>
+          </a:p>
+        </p:txBody>
+      </p:sp>
+      <p:sp>
+        <p:nvSpPr>
+          <p:cNvPr id="6" name="Footer Placeholder 4"/>
           <p:cNvSpPr>
             <a:spLocks noGrp="1"/>
           </p:cNvSpPr>
@@ -2939,7 +4737,11 @@
         <p:spPr/>
         <p:txBody>
           <a:bodyPr/>
-          <a:lstStyle/>
+          <a:lstStyle>
+            <a:lvl1pPr>
+              <a:defRPr/>
+            </a:lvl1pPr>
+          </a:lstStyle>
           <a:p>
             <a:r>
               <a:rPr lang="en-US" altLang="en-US" smtClean="0"/>
@@ -2951,7 +4753,7 @@
       </p:sp>
       <p:sp>
         <p:nvSpPr>
-          <p:cNvPr id="7" name="Slide Number Placeholder 6"/>
+          <p:cNvPr id="7" name="Slide Number Placeholder 5"/>
           <p:cNvSpPr>
             <a:spLocks noGrp="1"/>
           </p:cNvSpPr>
@@ -2962,7 +4764,11 @@
         <p:spPr/>
         <p:txBody>
           <a:bodyPr/>
-          <a:lstStyle/>
+          <a:lstStyle>
+            <a:lvl1pPr>
+              <a:defRPr/>
+            </a:lvl1pPr>
+          </a:lstStyle>
           <a:p>
             <a:r>
               <a:rPr lang="en-US" altLang="en-US" smtClean="0"/>
@@ -2980,7 +4786,7 @@
     </p:spTree>
     <p:extLst>
       <p:ext uri="{BB962C8B-B14F-4D97-AF65-F5344CB8AC3E}">
-        <p14:creationId xmlns:p14="http://schemas.microsoft.com/office/powerpoint/2010/main" val="3681844690"/>
+        <p14:creationId xmlns:p14="http://schemas.microsoft.com/office/powerpoint/2010/main" val="354882314"/>
       </p:ext>
     </p:extLst>
   </p:cSld>
@@ -3056,7 +4862,9 @@
           </a:xfrm>
         </p:spPr>
         <p:txBody>
-          <a:bodyPr/>
+          <a:bodyPr rtlCol="0">
+            <a:normAutofit/>
+          </a:bodyPr>
           <a:lstStyle>
             <a:lvl1pPr marL="0" indent="0">
               <a:buNone/>
@@ -3096,7 +4904,12 @@
             </a:lvl9pPr>
           </a:lstStyle>
           <a:p>
-            <a:endParaRPr lang="en-US"/>
+            <a:pPr lvl="0"/>
+            <a:r>
+              <a:rPr lang="en-US" noProof="0" smtClean="0"/>
+              <a:t>Click icon to add picture</a:t>
+            </a:r>
+            <a:endParaRPr lang="en-US" noProof="0"/>
           </a:p>
         </p:txBody>
       </p:sp>
@@ -3167,7 +4980,7 @@
       </p:sp>
       <p:sp>
         <p:nvSpPr>
-          <p:cNvPr id="5" name="Date Placeholder 4"/>
+          <p:cNvPr id="5" name="Date Placeholder 3"/>
           <p:cNvSpPr>
             <a:spLocks noGrp="1"/>
           </p:cNvSpPr>
@@ -3178,15 +4991,19 @@
         <p:spPr/>
         <p:txBody>
           <a:bodyPr/>
-          <a:lstStyle/>
-          <a:p>
-            <a:endParaRPr lang="en-US" altLang="en-US"/>
-          </a:p>
-        </p:txBody>
-      </p:sp>
-      <p:sp>
-        <p:nvSpPr>
-          <p:cNvPr id="6" name="Footer Placeholder 5"/>
+          <a:lstStyle>
+            <a:lvl1pPr>
+              <a:defRPr/>
+            </a:lvl1pPr>
+          </a:lstStyle>
+          <a:p>
+            <a:endParaRPr lang="en-US" altLang="en-US"/>
+          </a:p>
+        </p:txBody>
+      </p:sp>
+      <p:sp>
+        <p:nvSpPr>
+          <p:cNvPr id="6" name="Footer Placeholder 4"/>
           <p:cNvSpPr>
             <a:spLocks noGrp="1"/>
           </p:cNvSpPr>
@@ -3197,7 +5014,11 @@
         <p:spPr/>
         <p:txBody>
           <a:bodyPr/>
-          <a:lstStyle/>
+          <a:lstStyle>
+            <a:lvl1pPr>
+              <a:defRPr/>
+            </a:lvl1pPr>
+          </a:lstStyle>
           <a:p>
             <a:r>
               <a:rPr lang="en-US" altLang="en-US" smtClean="0"/>
@@ -3209,7 +5030,7 @@
       </p:sp>
       <p:sp>
         <p:nvSpPr>
-          <p:cNvPr id="7" name="Slide Number Placeholder 6"/>
+          <p:cNvPr id="7" name="Slide Number Placeholder 5"/>
           <p:cNvSpPr>
             <a:spLocks noGrp="1"/>
           </p:cNvSpPr>
@@ -3220,7 +5041,11 @@
         <p:spPr/>
         <p:txBody>
           <a:bodyPr/>
-          <a:lstStyle/>
+          <a:lstStyle>
+            <a:lvl1pPr>
+              <a:defRPr/>
+            </a:lvl1pPr>
+          </a:lstStyle>
           <a:p>
             <a:r>
               <a:rPr lang="en-US" altLang="en-US" smtClean="0"/>
@@ -3238,7 +5063,7 @@
     </p:spTree>
     <p:extLst>
       <p:ext uri="{BB962C8B-B14F-4D97-AF65-F5344CB8AC3E}">
-        <p14:creationId xmlns:p14="http://schemas.microsoft.com/office/powerpoint/2010/main" val="2211840806"/>
+        <p14:creationId xmlns:p14="http://schemas.microsoft.com/office/powerpoint/2010/main" val="473092342"/>
       </p:ext>
     </p:extLst>
   </p:cSld>
@@ -3252,9 +5077,12 @@
 <p:sldMaster xmlns:a="http://schemas.openxmlformats.org/drawingml/2006/main" xmlns:r="http://schemas.openxmlformats.org/officeDocument/2006/relationships" xmlns:p="http://schemas.openxmlformats.org/presentationml/2006/main">
   <p:cSld>
     <p:bg>
-      <p:bgRef idx="1001">
-        <a:schemeClr val="bg1"/>
-      </p:bgRef>
+      <p:bgPr>
+        <a:solidFill>
+          <a:schemeClr val="bg1"/>
+        </a:solidFill>
+        <a:effectLst/>
+      </p:bgPr>
     </p:bg>
     <p:spTree>
       <p:nvGrpSpPr>
@@ -3272,7 +5100,7 @@
       </p:grpSpPr>
       <p:sp>
         <p:nvSpPr>
-          <p:cNvPr id="2" name="Title Placeholder 1"/>
+          <p:cNvPr id="1026" name="Title Placeholder 1"/>
           <p:cNvSpPr>
             <a:spLocks noGrp="1"/>
           </p:cNvSpPr>
@@ -3280,7 +5108,7 @@
             <p:ph type="title"/>
           </p:nvPr>
         </p:nvSpPr>
-        <p:spPr>
+        <p:spPr bwMode="auto">
           <a:xfrm>
             <a:off x="457200" y="274638"/>
             <a:ext cx="8229600" cy="1143000"/>
@@ -3288,24 +5116,50 @@
           <a:prstGeom prst="rect">
             <a:avLst/>
           </a:prstGeom>
+          <a:noFill/>
+          <a:ln>
+            <a:noFill/>
+          </a:ln>
+          <a:extLst>
+            <a:ext uri="{909E8E84-426E-40DD-AFC4-6F175D3DCCD1}">
+              <a14:hiddenFill xmlns:a14="http://schemas.microsoft.com/office/drawing/2010/main">
+                <a:solidFill>
+                  <a:srgbClr val="FFFFFF"/>
+                </a:solidFill>
+              </a14:hiddenFill>
+            </a:ext>
+            <a:ext uri="{91240B29-F687-4F45-9708-019B960494DF}">
+              <a14:hiddenLine xmlns:a14="http://schemas.microsoft.com/office/drawing/2010/main" w="9525">
+                <a:solidFill>
+                  <a:srgbClr val="000000"/>
+                </a:solidFill>
+                <a:miter lim="800000"/>
+                <a:headEnd/>
+                <a:tailEnd/>
+              </a14:hiddenLine>
+            </a:ext>
+          </a:extLst>
         </p:spPr>
         <p:txBody>
-          <a:bodyPr vert="horz" lIns="91440" tIns="45720" rIns="91440" bIns="45720" rtlCol="0" anchor="ctr">
-            <a:normAutofit/>
+          <a:bodyPr vert="horz" wrap="square" lIns="91440" tIns="45720" rIns="91440" bIns="45720" numCol="1" anchor="ctr" anchorCtr="0" compatLnSpc="1">
+            <a:prstTxWarp prst="textNoShape">
+              <a:avLst/>
+            </a:prstTxWarp>
           </a:bodyPr>
           <a:lstStyle/>
           <a:p>
-            <a:r>
-              <a:rPr lang="en-US" smtClean="0"/>
+            <a:pPr lvl="0"/>
+            <a:r>
+              <a:rPr lang="en-US" altLang="en-US" smtClean="0"/>
               <a:t>Click to edit Master title style</a:t>
             </a:r>
-            <a:endParaRPr lang="en-US"/>
-          </a:p>
-        </p:txBody>
-      </p:sp>
-      <p:sp>
-        <p:nvSpPr>
-          <p:cNvPr id="3" name="Text Placeholder 2"/>
+            <a:endParaRPr lang="en-US" altLang="en-US" smtClean="0"/>
+          </a:p>
+        </p:txBody>
+      </p:sp>
+      <p:sp>
+        <p:nvSpPr>
+          <p:cNvPr id="1027" name="Text Placeholder 2"/>
           <p:cNvSpPr>
             <a:spLocks noGrp="1"/>
           </p:cNvSpPr>
@@ -3313,7 +5167,7 @@
             <p:ph type="body" idx="1"/>
           </p:nvPr>
         </p:nvSpPr>
-        <p:spPr>
+        <p:spPr bwMode="auto">
           <a:xfrm>
             <a:off x="457200" y="1600200"/>
             <a:ext cx="8229600" cy="4525963"/>
@@ -3321,47 +5175,72 @@
           <a:prstGeom prst="rect">
             <a:avLst/>
           </a:prstGeom>
+          <a:noFill/>
+          <a:ln>
+            <a:noFill/>
+          </a:ln>
+          <a:extLst>
+            <a:ext uri="{909E8E84-426E-40DD-AFC4-6F175D3DCCD1}">
+              <a14:hiddenFill xmlns:a14="http://schemas.microsoft.com/office/drawing/2010/main">
+                <a:solidFill>
+                  <a:srgbClr val="FFFFFF"/>
+                </a:solidFill>
+              </a14:hiddenFill>
+            </a:ext>
+            <a:ext uri="{91240B29-F687-4F45-9708-019B960494DF}">
+              <a14:hiddenLine xmlns:a14="http://schemas.microsoft.com/office/drawing/2010/main" w="9525">
+                <a:solidFill>
+                  <a:srgbClr val="000000"/>
+                </a:solidFill>
+                <a:miter lim="800000"/>
+                <a:headEnd/>
+                <a:tailEnd/>
+              </a14:hiddenLine>
+            </a:ext>
+          </a:extLst>
         </p:spPr>
         <p:txBody>
-          <a:bodyPr vert="horz" lIns="91440" tIns="45720" rIns="91440" bIns="45720" rtlCol="0">
-            <a:normAutofit/>
+          <a:bodyPr vert="horz" wrap="square" lIns="91440" tIns="45720" rIns="91440" bIns="45720" numCol="1" anchor="t" anchorCtr="0" compatLnSpc="1">
+            <a:prstTxWarp prst="textNoShape">
+              <a:avLst/>
+            </a:prstTxWarp>
           </a:bodyPr>
           <a:lstStyle/>
           <a:p>
             <a:pPr lvl="0"/>
             <a:r>
-              <a:rPr lang="en-US" smtClean="0"/>
+              <a:rPr lang="en-US" altLang="en-US" smtClean="0"/>
               <a:t>Click to edit Master text styles</a:t>
             </a:r>
           </a:p>
           <a:p>
             <a:pPr lvl="1"/>
             <a:r>
-              <a:rPr lang="en-US" smtClean="0"/>
+              <a:rPr lang="en-US" altLang="en-US" smtClean="0"/>
               <a:t>Second level</a:t>
             </a:r>
           </a:p>
           <a:p>
             <a:pPr lvl="2"/>
             <a:r>
-              <a:rPr lang="en-US" smtClean="0"/>
+              <a:rPr lang="en-US" altLang="en-US" smtClean="0"/>
               <a:t>Third level</a:t>
             </a:r>
           </a:p>
           <a:p>
             <a:pPr lvl="3"/>
             <a:r>
-              <a:rPr lang="en-US" smtClean="0"/>
+              <a:rPr lang="en-US" altLang="en-US" smtClean="0"/>
               <a:t>Fourth level</a:t>
             </a:r>
           </a:p>
           <a:p>
             <a:pPr lvl="4"/>
             <a:r>
-              <a:rPr lang="en-US" smtClean="0"/>
+              <a:rPr lang="en-US" altLang="en-US" smtClean="0"/>
               <a:t>Fifth level</a:t>
             </a:r>
-            <a:endParaRPr lang="en-US"/>
+            <a:endParaRPr lang="en-US" altLang="en-US" smtClean="0"/>
           </a:p>
         </p:txBody>
       </p:sp>
@@ -3387,13 +5266,21 @@
         <p:txBody>
           <a:bodyPr vert="horz" lIns="91440" tIns="45720" rIns="91440" bIns="45720" rtlCol="0" anchor="ctr"/>
           <a:lstStyle>
-            <a:lvl1pPr algn="l">
-              <a:defRPr sz="1200">
+            <a:lvl1pPr algn="l" fontAlgn="auto">
+              <a:spcBef>
+                <a:spcPts val="0"/>
+              </a:spcBef>
+              <a:spcAft>
+                <a:spcPts val="0"/>
+              </a:spcAft>
+              <a:defRPr sz="1200" smtClean="0">
                 <a:solidFill>
                   <a:schemeClr val="tx1">
                     <a:tint val="75000"/>
                   </a:schemeClr>
                 </a:solidFill>
+                <a:latin typeface="+mn-lt"/>
+                <a:cs typeface="+mn-cs"/>
               </a:defRPr>
             </a:lvl1pPr>
           </a:lstStyle>
@@ -3424,13 +5311,21 @@
         <p:txBody>
           <a:bodyPr vert="horz" lIns="91440" tIns="45720" rIns="91440" bIns="45720" rtlCol="0" anchor="ctr"/>
           <a:lstStyle>
-            <a:lvl1pPr algn="ctr">
+            <a:lvl1pPr algn="ctr" fontAlgn="auto">
+              <a:spcBef>
+                <a:spcPts val="0"/>
+              </a:spcBef>
+              <a:spcAft>
+                <a:spcPts val="0"/>
+              </a:spcAft>
               <a:defRPr sz="1200">
                 <a:solidFill>
                   <a:schemeClr val="tx1">
                     <a:tint val="75000"/>
                   </a:schemeClr>
                 </a:solidFill>
+                <a:latin typeface="+mn-lt"/>
+                <a:cs typeface="+mn-cs"/>
               </a:defRPr>
             </a:lvl1pPr>
           </a:lstStyle>
@@ -3465,13 +5360,21 @@
         <p:txBody>
           <a:bodyPr vert="horz" lIns="91440" tIns="45720" rIns="91440" bIns="45720" rtlCol="0" anchor="ctr"/>
           <a:lstStyle>
-            <a:lvl1pPr algn="r">
+            <a:lvl1pPr algn="r" fontAlgn="auto">
+              <a:spcBef>
+                <a:spcPts val="0"/>
+              </a:spcBef>
+              <a:spcAft>
+                <a:spcPts val="0"/>
+              </a:spcAft>
               <a:defRPr sz="1200">
                 <a:solidFill>
                   <a:schemeClr val="tx1">
                     <a:tint val="75000"/>
                   </a:schemeClr>
                 </a:solidFill>
+                <a:latin typeface="+mn-lt"/>
+                <a:cs typeface="+mn-cs"/>
               </a:defRPr>
             </a:lvl1pPr>
           </a:lstStyle>
@@ -3490,34 +5393,31 @@
         </p:txBody>
       </p:sp>
     </p:spTree>
-    <p:extLst>
-      <p:ext uri="{BB962C8B-B14F-4D97-AF65-F5344CB8AC3E}">
-        <p14:creationId xmlns:p14="http://schemas.microsoft.com/office/powerpoint/2010/main" val="2514273852"/>
-      </p:ext>
-    </p:extLst>
   </p:cSld>
   <p:clrMap bg1="lt1" tx1="dk1" bg2="lt2" tx2="dk2" accent1="accent1" accent2="accent2" accent3="accent3" accent4="accent4" accent5="accent5" accent6="accent6" hlink="hlink" folHlink="folHlink"/>
   <p:sldLayoutIdLst>
-    <p:sldLayoutId id="2147483664" r:id="rId1"/>
-    <p:sldLayoutId id="2147483665" r:id="rId2"/>
-    <p:sldLayoutId id="2147483666" r:id="rId3"/>
-    <p:sldLayoutId id="2147483667" r:id="rId4"/>
-    <p:sldLayoutId id="2147483668" r:id="rId5"/>
-    <p:sldLayoutId id="2147483669" r:id="rId6"/>
-    <p:sldLayoutId id="2147483670" r:id="rId7"/>
-    <p:sldLayoutId id="2147483671" r:id="rId8"/>
-    <p:sldLayoutId id="2147483672" r:id="rId9"/>
-    <p:sldLayoutId id="2147483673" r:id="rId10"/>
-    <p:sldLayoutId id="2147483674" r:id="rId11"/>
+    <p:sldLayoutId id="2147483676" r:id="rId1"/>
+    <p:sldLayoutId id="2147483677" r:id="rId2"/>
+    <p:sldLayoutId id="2147483678" r:id="rId3"/>
+    <p:sldLayoutId id="2147483679" r:id="rId4"/>
+    <p:sldLayoutId id="2147483680" r:id="rId5"/>
+    <p:sldLayoutId id="2147483681" r:id="rId6"/>
+    <p:sldLayoutId id="2147483682" r:id="rId7"/>
+    <p:sldLayoutId id="2147483683" r:id="rId8"/>
+    <p:sldLayoutId id="2147483684" r:id="rId9"/>
+    <p:sldLayoutId id="2147483685" r:id="rId10"/>
+    <p:sldLayoutId id="2147483686" r:id="rId11"/>
   </p:sldLayoutIdLst>
   <p:hf hdr="0" dt="0"/>
   <p:txStyles>
     <p:titleStyle>
-      <a:lvl1pPr algn="ctr" defTabSz="914400" rtl="0" eaLnBrk="1" latinLnBrk="0" hangingPunct="1">
+      <a:lvl1pPr algn="ctr" rtl="0" eaLnBrk="1" fontAlgn="base" hangingPunct="1">
         <a:spcBef>
           <a:spcPct val="0"/>
         </a:spcBef>
-        <a:buNone/>
+        <a:spcAft>
+          <a:spcPct val="0"/>
+        </a:spcAft>
         <a:defRPr sz="4400" kern="1200">
           <a:solidFill>
             <a:schemeClr val="tx1"/>
@@ -3527,13 +5427,128 @@
           <a:cs typeface="+mj-cs"/>
         </a:defRPr>
       </a:lvl1pPr>
+      <a:lvl2pPr algn="ctr" rtl="0" eaLnBrk="1" fontAlgn="base" hangingPunct="1">
+        <a:spcBef>
+          <a:spcPct val="0"/>
+        </a:spcBef>
+        <a:spcAft>
+          <a:spcPct val="0"/>
+        </a:spcAft>
+        <a:defRPr sz="4400">
+          <a:solidFill>
+            <a:schemeClr val="tx1"/>
+          </a:solidFill>
+          <a:latin typeface="Calibri" pitchFamily="34" charset="0"/>
+        </a:defRPr>
+      </a:lvl2pPr>
+      <a:lvl3pPr algn="ctr" rtl="0" eaLnBrk="1" fontAlgn="base" hangingPunct="1">
+        <a:spcBef>
+          <a:spcPct val="0"/>
+        </a:spcBef>
+        <a:spcAft>
+          <a:spcPct val="0"/>
+        </a:spcAft>
+        <a:defRPr sz="4400">
+          <a:solidFill>
+            <a:schemeClr val="tx1"/>
+          </a:solidFill>
+          <a:latin typeface="Calibri" pitchFamily="34" charset="0"/>
+        </a:defRPr>
+      </a:lvl3pPr>
+      <a:lvl4pPr algn="ctr" rtl="0" eaLnBrk="1" fontAlgn="base" hangingPunct="1">
+        <a:spcBef>
+          <a:spcPct val="0"/>
+        </a:spcBef>
+        <a:spcAft>
+          <a:spcPct val="0"/>
+        </a:spcAft>
+        <a:defRPr sz="4400">
+          <a:solidFill>
+            <a:schemeClr val="tx1"/>
+          </a:solidFill>
+          <a:latin typeface="Calibri" pitchFamily="34" charset="0"/>
+        </a:defRPr>
+      </a:lvl4pPr>
+      <a:lvl5pPr algn="ctr" rtl="0" eaLnBrk="1" fontAlgn="base" hangingPunct="1">
+        <a:spcBef>
+          <a:spcPct val="0"/>
+        </a:spcBef>
+        <a:spcAft>
+          <a:spcPct val="0"/>
+        </a:spcAft>
+        <a:defRPr sz="4400">
+          <a:solidFill>
+            <a:schemeClr val="tx1"/>
+          </a:solidFill>
+          <a:latin typeface="Calibri" pitchFamily="34" charset="0"/>
+        </a:defRPr>
+      </a:lvl5pPr>
+      <a:lvl6pPr marL="457200" algn="ctr" rtl="0" eaLnBrk="1" fontAlgn="base" hangingPunct="1">
+        <a:spcBef>
+          <a:spcPct val="0"/>
+        </a:spcBef>
+        <a:spcAft>
+          <a:spcPct val="0"/>
+        </a:spcAft>
+        <a:defRPr sz="4400">
+          <a:solidFill>
+            <a:schemeClr val="tx1"/>
+          </a:solidFill>
+          <a:latin typeface="Calibri" pitchFamily="34" charset="0"/>
+        </a:defRPr>
+      </a:lvl6pPr>
+      <a:lvl7pPr marL="914400" algn="ctr" rtl="0" eaLnBrk="1" fontAlgn="base" hangingPunct="1">
+        <a:spcBef>
+          <a:spcPct val="0"/>
+        </a:spcBef>
+        <a:spcAft>
+          <a:spcPct val="0"/>
+        </a:spcAft>
+        <a:defRPr sz="4400">
+          <a:solidFill>
+            <a:schemeClr val="tx1"/>
+          </a:solidFill>
+          <a:latin typeface="Calibri" pitchFamily="34" charset="0"/>
+        </a:defRPr>
+      </a:lvl7pPr>
+      <a:lvl8pPr marL="1371600" algn="ctr" rtl="0" eaLnBrk="1" fontAlgn="base" hangingPunct="1">
+        <a:spcBef>
+          <a:spcPct val="0"/>
+        </a:spcBef>
+        <a:spcAft>
+          <a:spcPct val="0"/>
+        </a:spcAft>
+        <a:defRPr sz="4400">
+          <a:solidFill>
+            <a:schemeClr val="tx1"/>
+          </a:solidFill>
+          <a:latin typeface="Calibri" pitchFamily="34" charset="0"/>
+        </a:defRPr>
+      </a:lvl8pPr>
+      <a:lvl9pPr marL="1828800" algn="ctr" rtl="0" eaLnBrk="1" fontAlgn="base" hangingPunct="1">
+        <a:spcBef>
+          <a:spcPct val="0"/>
+        </a:spcBef>
+        <a:spcAft>
+          <a:spcPct val="0"/>
+        </a:spcAft>
+        <a:defRPr sz="4400">
+          <a:solidFill>
+            <a:schemeClr val="tx1"/>
+          </a:solidFill>
+          <a:latin typeface="Calibri" pitchFamily="34" charset="0"/>
+        </a:defRPr>
+      </a:lvl9pPr>
     </p:titleStyle>
     <p:bodyStyle>
-      <a:lvl1pPr marL="342900" indent="-342900" algn="l" defTabSz="914400" rtl="0" eaLnBrk="1" latinLnBrk="0" hangingPunct="1">
+      <a:lvl1pPr marL="342900" indent="-342900" algn="l" rtl="0" eaLnBrk="1" fontAlgn="base" hangingPunct="1">
         <a:spcBef>
           <a:spcPct val="20000"/>
         </a:spcBef>
-        <a:buFont typeface="Arial" panose="020B0604020202020204" pitchFamily="34" charset="0"/>
+        <a:spcAft>
+          <a:spcPct val="0"/>
+        </a:spcAft>
+        <a:buFont typeface="Arial" charset="0"/>
         <a:buChar char="•"/>
         <a:defRPr sz="3200" kern="1200">
           <a:solidFill>
@@ -3544,11 +5559,14 @@
           <a:cs typeface="+mn-cs"/>
         </a:defRPr>
       </a:lvl1pPr>
-      <a:lvl2pPr marL="742950" indent="-285750" algn="l" defTabSz="914400" rtl="0" eaLnBrk="1" latinLnBrk="0" hangingPunct="1">
+      <a:lvl2pPr marL="742950" indent="-285750" algn="l" rtl="0" eaLnBrk="1" fontAlgn="base" hangingPunct="1">
         <a:spcBef>
           <a:spcPct val="20000"/>
         </a:spcBef>
-        <a:buFont typeface="Arial" panose="020B0604020202020204" pitchFamily="34" charset="0"/>
+        <a:spcAft>
+          <a:spcPct val="0"/>
+        </a:spcAft>
+        <a:buFont typeface="Arial" charset="0"/>
         <a:buChar char="–"/>
         <a:defRPr sz="2800" kern="1200">
           <a:solidFill>
@@ -3559,11 +5577,14 @@
           <a:cs typeface="+mn-cs"/>
         </a:defRPr>
       </a:lvl2pPr>
-      <a:lvl3pPr marL="1143000" indent="-228600" algn="l" defTabSz="914400" rtl="0" eaLnBrk="1" latinLnBrk="0" hangingPunct="1">
+      <a:lvl3pPr marL="1143000" indent="-228600" algn="l" rtl="0" eaLnBrk="1" fontAlgn="base" hangingPunct="1">
         <a:spcBef>
           <a:spcPct val="20000"/>
         </a:spcBef>
-        <a:buFont typeface="Arial" panose="020B0604020202020204" pitchFamily="34" charset="0"/>
+        <a:spcAft>
+          <a:spcPct val="0"/>
+        </a:spcAft>
+        <a:buFont typeface="Arial" charset="0"/>
         <a:buChar char="•"/>
         <a:defRPr sz="2400" kern="1200">
           <a:solidFill>
@@ -3574,11 +5595,14 @@
           <a:cs typeface="+mn-cs"/>
         </a:defRPr>
       </a:lvl3pPr>
-      <a:lvl4pPr marL="1600200" indent="-228600" algn="l" defTabSz="914400" rtl="0" eaLnBrk="1" latinLnBrk="0" hangingPunct="1">
+      <a:lvl4pPr marL="1600200" indent="-228600" algn="l" rtl="0" eaLnBrk="1" fontAlgn="base" hangingPunct="1">
         <a:spcBef>
           <a:spcPct val="20000"/>
         </a:spcBef>
-        <a:buFont typeface="Arial" panose="020B0604020202020204" pitchFamily="34" charset="0"/>
+        <a:spcAft>
+          <a:spcPct val="0"/>
+        </a:spcAft>
+        <a:buFont typeface="Arial" charset="0"/>
         <a:buChar char="–"/>
         <a:defRPr sz="2000" kern="1200">
           <a:solidFill>
@@ -3589,11 +5613,14 @@
           <a:cs typeface="+mn-cs"/>
         </a:defRPr>
       </a:lvl4pPr>
-      <a:lvl5pPr marL="2057400" indent="-228600" algn="l" defTabSz="914400" rtl="0" eaLnBrk="1" latinLnBrk="0" hangingPunct="1">
+      <a:lvl5pPr marL="2057400" indent="-228600" algn="l" rtl="0" eaLnBrk="1" fontAlgn="base" hangingPunct="1">
         <a:spcBef>
           <a:spcPct val="20000"/>
         </a:spcBef>
-        <a:buFont typeface="Arial" panose="020B0604020202020204" pitchFamily="34" charset="0"/>
+        <a:spcAft>
+          <a:spcPct val="0"/>
+        </a:spcAft>
+        <a:buFont typeface="Arial" charset="0"/>
         <a:buChar char="»"/>
         <a:defRPr sz="2000" kern="1200">
           <a:solidFill>
@@ -3608,7 +5635,7 @@
         <a:spcBef>
           <a:spcPct val="20000"/>
         </a:spcBef>
-        <a:buFont typeface="Arial" panose="020B0604020202020204" pitchFamily="34" charset="0"/>
+        <a:buFont typeface="Arial" pitchFamily="34" charset="0"/>
         <a:buChar char="•"/>
         <a:defRPr sz="2000" kern="1200">
           <a:solidFill>
@@ -3623,7 +5650,7 @@
         <a:spcBef>
           <a:spcPct val="20000"/>
         </a:spcBef>
-        <a:buFont typeface="Arial" panose="020B0604020202020204" pitchFamily="34" charset="0"/>
+        <a:buFont typeface="Arial" pitchFamily="34" charset="0"/>
         <a:buChar char="•"/>
         <a:defRPr sz="2000" kern="1200">
           <a:solidFill>
@@ -3638,7 +5665,7 @@
         <a:spcBef>
           <a:spcPct val="20000"/>
         </a:spcBef>
-        <a:buFont typeface="Arial" panose="020B0604020202020204" pitchFamily="34" charset="0"/>
+        <a:buFont typeface="Arial" pitchFamily="34" charset="0"/>
         <a:buChar char="•"/>
         <a:defRPr sz="2000" kern="1200">
           <a:solidFill>
@@ -3653,7 +5680,7 @@
         <a:spcBef>
           <a:spcPct val="20000"/>
         </a:spcBef>
-        <a:buFont typeface="Arial" panose="020B0604020202020204" pitchFamily="34" charset="0"/>
+        <a:buFont typeface="Arial" pitchFamily="34" charset="0"/>
         <a:buChar char="•"/>
         <a:defRPr sz="2000" kern="1200">
           <a:solidFill>
@@ -3791,17 +5818,16 @@
             <p:ph type="ctrTitle"/>
           </p:nvPr>
         </p:nvSpPr>
-        <p:spPr>
-          <a:ln/>
-        </p:spPr>
-        <p:txBody>
-          <a:bodyPr/>
-          <a:lstStyle/>
-          <a:p>
-            <a:r>
-              <a:rPr lang="en-US" altLang="en-US"/>
+        <p:spPr/>
+        <p:txBody>
+          <a:bodyPr/>
+          <a:lstStyle/>
+          <a:p>
+            <a:r>
+              <a:rPr lang="en-US" altLang="en-US" smtClean="0"/>
               <a:t>E202 Macroeconomics</a:t>
             </a:r>
+            <a:endParaRPr lang="en-US" altLang="en-US"/>
           </a:p>
         </p:txBody>
       </p:sp>
@@ -3815,26 +5841,16 @@
             <p:ph type="subTitle" idx="1"/>
           </p:nvPr>
         </p:nvSpPr>
-        <p:spPr>
-          <a:xfrm>
-            <a:off x="685800" y="3886200"/>
-            <a:ext cx="7772400" cy="1752600"/>
-          </a:xfrm>
-        </p:spPr>
-        <p:txBody>
-          <a:bodyPr/>
-          <a:lstStyle/>
-          <a:p>
-            <a:r>
-              <a:rPr lang="en-US" altLang="en-US"/>
-              <a:t>Juergen Jung</a:t>
-            </a:r>
-          </a:p>
-          <a:p>
-            <a:r>
-              <a:rPr lang="en-US" altLang="en-US" sz="2400"/>
-              <a:t>http://mypage.iu.edu/~juejung/macroPrinciples.html</a:t>
-            </a:r>
+        <p:spPr/>
+        <p:txBody>
+          <a:bodyPr/>
+          <a:lstStyle/>
+          <a:p>
+            <a:r>
+              <a:rPr lang="en-US" altLang="en-US" sz="2000" dirty="0"/>
+              <a:t>https://juejung.github.io/econMacro1.htm</a:t>
+            </a:r>
+            <a:endParaRPr lang="en-US" altLang="en-US" sz="2000" dirty="0"/>
           </a:p>
         </p:txBody>
       </p:sp>
@@ -3854,9 +5870,10 @@
           <a:lstStyle/>
           <a:p>
             <a:r>
-              <a:rPr lang="en-US" altLang="en-US"/>
+              <a:rPr lang="en-US" altLang="en-US" smtClean="0"/>
               <a:t>Introduction</a:t>
             </a:r>
+            <a:endParaRPr lang="en-US" altLang="en-US"/>
           </a:p>
         </p:txBody>
       </p:sp>
@@ -3876,11 +5893,11 @@
           <a:lstStyle/>
           <a:p>
             <a:r>
-              <a:rPr lang="en-US" altLang="en-US"/>
+              <a:rPr lang="en-US" altLang="en-US" smtClean="0"/>
               <a:t>/</a:t>
             </a:r>
             <a:fld id="{2690DD21-BFC9-41F4-83D7-9956C8831223}" type="slidenum">
-              <a:rPr lang="en-US" altLang="en-US"/>
+              <a:rPr lang="en-US" altLang="en-US" smtClean="0"/>
               <a:pPr/>
               <a:t>1</a:t>
             </a:fld>
@@ -3915,6 +5932,29 @@
       </p:grpSpPr>
       <p:sp>
         <p:nvSpPr>
+          <p:cNvPr id="25603" name="Rectangle 3"/>
+          <p:cNvSpPr>
+            <a:spLocks noGrp="1" noChangeArrowheads="1"/>
+          </p:cNvSpPr>
+          <p:nvPr>
+            <p:ph idx="1"/>
+          </p:nvPr>
+        </p:nvSpPr>
+        <p:spPr/>
+        <p:txBody>
+          <a:bodyPr/>
+          <a:lstStyle/>
+          <a:p>
+            <a:r>
+              <a:rPr lang="en-US" altLang="en-US" smtClean="0"/>
+              <a:t>GDP vs. Expenditure on Clothing and Shoes (~2-3% of GDP)</a:t>
+            </a:r>
+            <a:endParaRPr lang="en-US" altLang="en-US"/>
+          </a:p>
+        </p:txBody>
+      </p:sp>
+      <p:sp>
+        <p:nvSpPr>
           <p:cNvPr id="25602" name="Rectangle 2"/>
           <p:cNvSpPr>
             <a:spLocks noGrp="1" noChangeArrowheads="1"/>
@@ -3923,28 +5963,27 @@
             <p:ph type="title"/>
           </p:nvPr>
         </p:nvSpPr>
-        <p:spPr>
-          <a:ln/>
-        </p:spPr>
-        <p:txBody>
-          <a:bodyPr/>
-          <a:lstStyle/>
-          <a:p>
-            <a:r>
-              <a:rPr lang="en-US" altLang="en-US"/>
+        <p:spPr/>
+        <p:txBody>
+          <a:bodyPr/>
+          <a:lstStyle/>
+          <a:p>
+            <a:r>
+              <a:rPr lang="en-US" altLang="en-US" smtClean="0"/>
               <a:t>Aggregate Variables</a:t>
             </a:r>
-          </a:p>
-        </p:txBody>
-      </p:sp>
-      <p:sp>
-        <p:nvSpPr>
-          <p:cNvPr id="25603" name="Rectangle 3"/>
-          <p:cNvSpPr>
-            <a:spLocks noGrp="1" noChangeArrowheads="1"/>
-          </p:cNvSpPr>
-          <p:nvPr>
-            <p:ph idx="1"/>
+            <a:endParaRPr lang="en-US" altLang="en-US"/>
+          </a:p>
+        </p:txBody>
+      </p:sp>
+      <p:sp>
+        <p:nvSpPr>
+          <p:cNvPr id="6" name="Footer Placeholder 4"/>
+          <p:cNvSpPr>
+            <a:spLocks noGrp="1"/>
+          </p:cNvSpPr>
+          <p:nvPr>
+            <p:ph type="ftr" sz="quarter" idx="11"/>
           </p:nvPr>
         </p:nvSpPr>
         <p:spPr/>
@@ -3953,20 +5992,21 @@
           <a:lstStyle/>
           <a:p>
             <a:r>
-              <a:rPr lang="en-US" altLang="en-US" sz="2800"/>
-              <a:t>GDP vs. Expenditure on Clothing and Shoes (~2-3% of GDP)</a:t>
-            </a:r>
-          </a:p>
-        </p:txBody>
-      </p:sp>
-      <p:sp>
-        <p:nvSpPr>
-          <p:cNvPr id="6" name="Footer Placeholder 4"/>
-          <p:cNvSpPr>
-            <a:spLocks noGrp="1"/>
-          </p:cNvSpPr>
-          <p:nvPr>
-            <p:ph type="ftr" sz="quarter" idx="11"/>
+              <a:rPr lang="en-US" altLang="en-US" smtClean="0"/>
+              <a:t>Introduction</a:t>
+            </a:r>
+            <a:endParaRPr lang="en-US" altLang="en-US"/>
+          </a:p>
+        </p:txBody>
+      </p:sp>
+      <p:sp>
+        <p:nvSpPr>
+          <p:cNvPr id="5" name="Slide Number Placeholder 3"/>
+          <p:cNvSpPr>
+            <a:spLocks noGrp="1"/>
+          </p:cNvSpPr>
+          <p:nvPr>
+            <p:ph type="sldNum" sz="quarter" idx="12"/>
           </p:nvPr>
         </p:nvSpPr>
         <p:spPr/>
@@ -3975,33 +6015,11 @@
           <a:lstStyle/>
           <a:p>
             <a:r>
-              <a:rPr lang="en-US" altLang="en-US"/>
-              <a:t>Introduction</a:t>
-            </a:r>
-          </a:p>
-        </p:txBody>
-      </p:sp>
-      <p:sp>
-        <p:nvSpPr>
-          <p:cNvPr id="5" name="Slide Number Placeholder 3"/>
-          <p:cNvSpPr>
-            <a:spLocks noGrp="1"/>
-          </p:cNvSpPr>
-          <p:nvPr>
-            <p:ph type="sldNum" sz="quarter" idx="12"/>
-          </p:nvPr>
-        </p:nvSpPr>
-        <p:spPr/>
-        <p:txBody>
-          <a:bodyPr/>
-          <a:lstStyle/>
-          <a:p>
-            <a:r>
-              <a:rPr lang="en-US" altLang="en-US"/>
+              <a:rPr lang="en-US" altLang="en-US" smtClean="0"/>
               <a:t>/</a:t>
             </a:r>
             <a:fld id="{884ACAEC-525A-4E28-A2F9-ED7147817611}" type="slidenum">
-              <a:rPr lang="en-US" altLang="en-US"/>
+              <a:rPr lang="en-US" altLang="en-US" smtClean="0"/>
               <a:pPr/>
               <a:t>10</a:t>
             </a:fld>
@@ -4025,7 +6043,7 @@
           <a:graphicData uri="http://schemas.openxmlformats.org/presentationml/2006/ole">
             <mc:AlternateContent xmlns:mc="http://schemas.openxmlformats.org/markup-compatibility/2006">
               <mc:Choice xmlns:v="urn:schemas-microsoft-com:vml" Requires="v">
-                <p:oleObj spid="_x0000_s25605" name="Worksheet" r:id="rId3" imgW="5486638" imgH="3067288" progId="Excel.Sheet.8">
+                <p:oleObj spid="_x0000_s25621" name="Worksheet" r:id="rId3" imgW="5486638" imgH="3067288" progId="Excel.Sheet.8">
                   <p:embed/>
                 </p:oleObj>
               </mc:Choice>
@@ -4129,6 +6147,32 @@
       </p:grpSpPr>
       <p:sp>
         <p:nvSpPr>
+          <p:cNvPr id="26627" name="Rectangle 3"/>
+          <p:cNvSpPr>
+            <a:spLocks noGrp="1" noChangeArrowheads="1"/>
+          </p:cNvSpPr>
+          <p:nvPr>
+            <p:ph idx="1"/>
+          </p:nvPr>
+        </p:nvSpPr>
+        <p:spPr/>
+        <p:txBody>
+          <a:bodyPr/>
+          <a:lstStyle/>
+          <a:p>
+            <a:endParaRPr lang="en-US" altLang="en-US" smtClean="0"/>
+          </a:p>
+          <a:p>
+            <a:r>
+              <a:rPr lang="en-US" altLang="en-US" smtClean="0"/>
+              <a:t>There exist stable, quantitatively accurate relations among aggregate variables.</a:t>
+            </a:r>
+            <a:endParaRPr lang="en-US" altLang="en-US"/>
+          </a:p>
+        </p:txBody>
+      </p:sp>
+      <p:sp>
+        <p:nvSpPr>
           <p:cNvPr id="26626" name="Rectangle 2"/>
           <p:cNvSpPr>
             <a:spLocks noGrp="1" noChangeArrowheads="1"/>
@@ -4137,15 +6181,13 @@
             <p:ph type="title"/>
           </p:nvPr>
         </p:nvSpPr>
-        <p:spPr>
-          <a:ln/>
-        </p:spPr>
-        <p:txBody>
-          <a:bodyPr/>
-          <a:lstStyle/>
-          <a:p>
-            <a:r>
-              <a:rPr lang="en-US" altLang="en-US" b="0"/>
+        <p:spPr/>
+        <p:txBody>
+          <a:bodyPr/>
+          <a:lstStyle/>
+          <a:p>
+            <a:r>
+              <a:rPr lang="en-US" altLang="en-US" smtClean="0"/>
               <a:t>Second Principle:</a:t>
             </a:r>
             <a:endParaRPr lang="en-US" altLang="en-US"/>
@@ -4154,12 +6196,12 @@
       </p:sp>
       <p:sp>
         <p:nvSpPr>
-          <p:cNvPr id="26627" name="Rectangle 3"/>
-          <p:cNvSpPr>
-            <a:spLocks noGrp="1" noChangeArrowheads="1"/>
-          </p:cNvSpPr>
-          <p:nvPr>
-            <p:ph idx="1"/>
+          <p:cNvPr id="5" name="Footer Placeholder 4"/>
+          <p:cNvSpPr>
+            <a:spLocks noGrp="1"/>
+          </p:cNvSpPr>
+          <p:nvPr>
+            <p:ph type="ftr" sz="quarter" idx="11"/>
           </p:nvPr>
         </p:nvSpPr>
         <p:spPr/>
@@ -4167,25 +6209,22 @@
           <a:bodyPr/>
           <a:lstStyle/>
           <a:p>
-            <a:endParaRPr lang="en-US" altLang="en-US"/>
-          </a:p>
-          <a:p>
-            <a:r>
-              <a:rPr lang="en-US" altLang="en-US" sz="3600"/>
-              <a:t>There exist stable, quantitatively accurate relations among aggregate variables.</a:t>
-            </a:r>
-            <a:endParaRPr lang="en-US" altLang="en-US"/>
-          </a:p>
-        </p:txBody>
-      </p:sp>
-      <p:sp>
-        <p:nvSpPr>
-          <p:cNvPr id="5" name="Footer Placeholder 4"/>
-          <p:cNvSpPr>
-            <a:spLocks noGrp="1"/>
-          </p:cNvSpPr>
-          <p:nvPr>
-            <p:ph type="ftr" sz="quarter" idx="11"/>
+            <a:r>
+              <a:rPr lang="en-US" altLang="en-US" smtClean="0"/>
+              <a:t>Introduction</a:t>
+            </a:r>
+            <a:endParaRPr lang="en-US" altLang="en-US"/>
+          </a:p>
+        </p:txBody>
+      </p:sp>
+      <p:sp>
+        <p:nvSpPr>
+          <p:cNvPr id="4" name="Slide Number Placeholder 3"/>
+          <p:cNvSpPr>
+            <a:spLocks noGrp="1"/>
+          </p:cNvSpPr>
+          <p:nvPr>
+            <p:ph type="sldNum" sz="quarter" idx="12"/>
           </p:nvPr>
         </p:nvSpPr>
         <p:spPr/>
@@ -4194,33 +6233,11 @@
           <a:lstStyle/>
           <a:p>
             <a:r>
-              <a:rPr lang="en-US" altLang="en-US"/>
-              <a:t>Introduction</a:t>
-            </a:r>
-          </a:p>
-        </p:txBody>
-      </p:sp>
-      <p:sp>
-        <p:nvSpPr>
-          <p:cNvPr id="4" name="Slide Number Placeholder 3"/>
-          <p:cNvSpPr>
-            <a:spLocks noGrp="1"/>
-          </p:cNvSpPr>
-          <p:nvPr>
-            <p:ph type="sldNum" sz="quarter" idx="12"/>
-          </p:nvPr>
-        </p:nvSpPr>
-        <p:spPr/>
-        <p:txBody>
-          <a:bodyPr/>
-          <a:lstStyle/>
-          <a:p>
-            <a:r>
-              <a:rPr lang="en-US" altLang="en-US"/>
+              <a:rPr lang="en-US" altLang="en-US" smtClean="0"/>
               <a:t>/</a:t>
             </a:r>
             <a:fld id="{F4ECFEA5-BD99-4B56-AA16-FC684E9845E7}" type="slidenum">
-              <a:rPr lang="en-US" altLang="en-US"/>
+              <a:rPr lang="en-US" altLang="en-US" smtClean="0"/>
               <a:pPr/>
               <a:t>11</a:t>
             </a:fld>
@@ -4255,6 +6272,25 @@
       </p:grpSpPr>
       <p:sp>
         <p:nvSpPr>
+          <p:cNvPr id="11" name="Content Placeholder 10"/>
+          <p:cNvSpPr>
+            <a:spLocks noGrp="1"/>
+          </p:cNvSpPr>
+          <p:nvPr>
+            <p:ph idx="1"/>
+          </p:nvPr>
+        </p:nvSpPr>
+        <p:spPr/>
+        <p:txBody>
+          <a:bodyPr/>
+          <a:lstStyle/>
+          <a:p>
+            <a:endParaRPr lang="en-US"/>
+          </a:p>
+        </p:txBody>
+      </p:sp>
+      <p:sp>
+        <p:nvSpPr>
           <p:cNvPr id="27650" name="Rectangle 2"/>
           <p:cNvSpPr>
             <a:spLocks noGrp="1" noChangeArrowheads="1"/>
@@ -4263,40 +6299,15 @@
             <p:ph type="title"/>
           </p:nvPr>
         </p:nvSpPr>
-        <p:spPr>
-          <a:ln/>
-        </p:spPr>
-        <p:txBody>
-          <a:bodyPr/>
-          <a:lstStyle/>
-          <a:p>
-            <a:r>
-              <a:rPr lang="en-US" altLang="en-US"/>
+        <p:spPr/>
+        <p:txBody>
+          <a:bodyPr/>
+          <a:lstStyle/>
+          <a:p>
+            <a:r>
+              <a:rPr lang="en-US" altLang="en-US" smtClean="0"/>
               <a:t>Example: Okun’s Law</a:t>
             </a:r>
-          </a:p>
-        </p:txBody>
-      </p:sp>
-      <p:sp>
-        <p:nvSpPr>
-          <p:cNvPr id="27651" name="Rectangle 3"/>
-          <p:cNvSpPr>
-            <a:spLocks noGrp="1" noChangeArrowheads="1"/>
-          </p:cNvSpPr>
-          <p:nvPr>
-            <p:ph idx="1"/>
-          </p:nvPr>
-        </p:nvSpPr>
-        <p:spPr>
-          <a:xfrm flipH="1">
-            <a:off x="8458200" y="5862638"/>
-            <a:ext cx="76200" cy="152400"/>
-          </a:xfrm>
-        </p:spPr>
-        <p:txBody>
-          <a:bodyPr/>
-          <a:lstStyle/>
-          <a:p>
             <a:endParaRPr lang="en-US" altLang="en-US"/>
           </a:p>
         </p:txBody>
@@ -4317,9 +6328,10 @@
           <a:lstStyle/>
           <a:p>
             <a:r>
-              <a:rPr lang="en-US" altLang="en-US"/>
+              <a:rPr lang="en-US" altLang="en-US" smtClean="0"/>
               <a:t>Introduction</a:t>
             </a:r>
+            <a:endParaRPr lang="en-US" altLang="en-US"/>
           </a:p>
         </p:txBody>
       </p:sp>
@@ -4339,11 +6351,11 @@
           <a:lstStyle/>
           <a:p>
             <a:r>
-              <a:rPr lang="en-US" altLang="en-US"/>
+              <a:rPr lang="en-US" altLang="en-US" smtClean="0"/>
               <a:t>/</a:t>
             </a:r>
             <a:fld id="{59794298-020C-4CDE-BEE1-A2860435D938}" type="slidenum">
-              <a:rPr lang="en-US" altLang="en-US"/>
+              <a:rPr lang="en-US" altLang="en-US" smtClean="0"/>
               <a:pPr/>
               <a:t>12</a:t>
             </a:fld>
@@ -4412,6 +6424,51 @@
       </p:grpSpPr>
       <p:sp>
         <p:nvSpPr>
+          <p:cNvPr id="28675" name="Rectangle 3"/>
+          <p:cNvSpPr>
+            <a:spLocks noGrp="1" noChangeArrowheads="1"/>
+          </p:cNvSpPr>
+          <p:nvPr>
+            <p:ph idx="1"/>
+          </p:nvPr>
+        </p:nvSpPr>
+        <p:spPr/>
+        <p:txBody>
+          <a:bodyPr/>
+          <a:lstStyle/>
+          <a:p>
+            <a:r>
+              <a:rPr lang="en-US" altLang="en-US" smtClean="0"/>
+              <a:t>Macroeconomic Theory is possible because</a:t>
+            </a:r>
+          </a:p>
+          <a:p>
+            <a:pPr lvl="1"/>
+            <a:endParaRPr lang="en-US" altLang="en-US" smtClean="0"/>
+          </a:p>
+          <a:p>
+            <a:pPr lvl="1"/>
+            <a:r>
+              <a:rPr lang="en-US" altLang="en-US" smtClean="0"/>
+              <a:t>Aggregate variables capture a substantial fraction of the variance of underlying variables</a:t>
+            </a:r>
+          </a:p>
+          <a:p>
+            <a:pPr lvl="1"/>
+            <a:endParaRPr lang="en-US" altLang="en-US" smtClean="0"/>
+          </a:p>
+          <a:p>
+            <a:pPr lvl="1"/>
+            <a:r>
+              <a:rPr lang="en-US" altLang="en-US" smtClean="0"/>
+              <a:t>There exist stable, quantitatively accurate relations among aggregate variables.</a:t>
+            </a:r>
+            <a:endParaRPr lang="en-US" altLang="en-US"/>
+          </a:p>
+        </p:txBody>
+      </p:sp>
+      <p:sp>
+        <p:nvSpPr>
           <p:cNvPr id="28674" name="Rectangle 2"/>
           <p:cNvSpPr>
             <a:spLocks noGrp="1" noChangeArrowheads="1"/>
@@ -4420,28 +6477,27 @@
             <p:ph type="title"/>
           </p:nvPr>
         </p:nvSpPr>
-        <p:spPr>
-          <a:ln/>
-        </p:spPr>
-        <p:txBody>
-          <a:bodyPr/>
-          <a:lstStyle/>
-          <a:p>
-            <a:r>
-              <a:rPr lang="en-US" altLang="en-US"/>
+        <p:spPr/>
+        <p:txBody>
+          <a:bodyPr/>
+          <a:lstStyle/>
+          <a:p>
+            <a:r>
+              <a:rPr lang="en-US" altLang="en-US" smtClean="0"/>
               <a:t>Summary</a:t>
             </a:r>
-          </a:p>
-        </p:txBody>
-      </p:sp>
-      <p:sp>
-        <p:nvSpPr>
-          <p:cNvPr id="28675" name="Rectangle 3"/>
-          <p:cNvSpPr>
-            <a:spLocks noGrp="1" noChangeArrowheads="1"/>
-          </p:cNvSpPr>
-          <p:nvPr>
-            <p:ph idx="1"/>
+            <a:endParaRPr lang="en-US" altLang="en-US"/>
+          </a:p>
+        </p:txBody>
+      </p:sp>
+      <p:sp>
+        <p:nvSpPr>
+          <p:cNvPr id="5" name="Footer Placeholder 4"/>
+          <p:cNvSpPr>
+            <a:spLocks noGrp="1"/>
+          </p:cNvSpPr>
+          <p:nvPr>
+            <p:ph type="ftr" sz="quarter" idx="11"/>
           </p:nvPr>
         </p:nvSpPr>
         <p:spPr/>
@@ -4450,42 +6506,21 @@
           <a:lstStyle/>
           <a:p>
             <a:r>
-              <a:rPr lang="en-US" altLang="en-US"/>
-              <a:t>Macroeconomic Theory is possible because</a:t>
-            </a:r>
-          </a:p>
-          <a:p>
-            <a:pPr lvl="1"/>
-            <a:endParaRPr lang="en-US" altLang="en-US"/>
-          </a:p>
-          <a:p>
-            <a:pPr lvl="1"/>
-            <a:r>
-              <a:rPr lang="en-US" altLang="en-US"/>
-              <a:t>Aggregate variables capture a substantial fraction of the variance of underlying variables</a:t>
-            </a:r>
-          </a:p>
-          <a:p>
-            <a:pPr lvl="1"/>
-            <a:endParaRPr lang="en-US" altLang="en-US"/>
-          </a:p>
-          <a:p>
-            <a:pPr lvl="1"/>
-            <a:r>
-              <a:rPr lang="en-US" altLang="en-US"/>
-              <a:t>There exist stable, quantitatively accurate relations among aggregate variables.</a:t>
-            </a:r>
-          </a:p>
-        </p:txBody>
-      </p:sp>
-      <p:sp>
-        <p:nvSpPr>
-          <p:cNvPr id="5" name="Footer Placeholder 4"/>
-          <p:cNvSpPr>
-            <a:spLocks noGrp="1"/>
-          </p:cNvSpPr>
-          <p:nvPr>
-            <p:ph type="ftr" sz="quarter" idx="11"/>
+              <a:rPr lang="en-US" altLang="en-US" smtClean="0"/>
+              <a:t>Introduction</a:t>
+            </a:r>
+            <a:endParaRPr lang="en-US" altLang="en-US"/>
+          </a:p>
+        </p:txBody>
+      </p:sp>
+      <p:sp>
+        <p:nvSpPr>
+          <p:cNvPr id="4" name="Slide Number Placeholder 3"/>
+          <p:cNvSpPr>
+            <a:spLocks noGrp="1"/>
+          </p:cNvSpPr>
+          <p:nvPr>
+            <p:ph type="sldNum" sz="quarter" idx="12"/>
           </p:nvPr>
         </p:nvSpPr>
         <p:spPr/>
@@ -4494,33 +6529,11 @@
           <a:lstStyle/>
           <a:p>
             <a:r>
-              <a:rPr lang="en-US" altLang="en-US"/>
-              <a:t>Introduction</a:t>
-            </a:r>
-          </a:p>
-        </p:txBody>
-      </p:sp>
-      <p:sp>
-        <p:nvSpPr>
-          <p:cNvPr id="4" name="Slide Number Placeholder 3"/>
-          <p:cNvSpPr>
-            <a:spLocks noGrp="1"/>
-          </p:cNvSpPr>
-          <p:nvPr>
-            <p:ph type="sldNum" sz="quarter" idx="12"/>
-          </p:nvPr>
-        </p:nvSpPr>
-        <p:spPr/>
-        <p:txBody>
-          <a:bodyPr/>
-          <a:lstStyle/>
-          <a:p>
-            <a:r>
-              <a:rPr lang="en-US" altLang="en-US"/>
+              <a:rPr lang="en-US" altLang="en-US" smtClean="0"/>
               <a:t>/</a:t>
             </a:r>
             <a:fld id="{ECF6CD4F-B582-4600-BD6D-9F5674025EB5}" type="slidenum">
-              <a:rPr lang="en-US" altLang="en-US"/>
+              <a:rPr lang="en-US" altLang="en-US" smtClean="0"/>
               <a:pPr/>
               <a:t>13</a:t>
             </a:fld>
@@ -4555,6 +6568,41 @@
       </p:grpSpPr>
       <p:sp>
         <p:nvSpPr>
+          <p:cNvPr id="15363" name="Rectangle 3"/>
+          <p:cNvSpPr>
+            <a:spLocks noGrp="1" noChangeArrowheads="1"/>
+          </p:cNvSpPr>
+          <p:nvPr>
+            <p:ph idx="1"/>
+          </p:nvPr>
+        </p:nvSpPr>
+        <p:spPr/>
+        <p:txBody>
+          <a:bodyPr/>
+          <a:lstStyle/>
+          <a:p>
+            <a:r>
+              <a:rPr lang="en-US" altLang="en-US" smtClean="0"/>
+              <a:t>Understand how a national economy operates.</a:t>
+            </a:r>
+          </a:p>
+          <a:p>
+            <a:r>
+              <a:rPr lang="en-US" altLang="en-US" smtClean="0"/>
+              <a:t>Understand the grand debates over economic policy.</a:t>
+            </a:r>
+          </a:p>
+          <a:p>
+            <a:r>
+              <a:rPr lang="en-US" altLang="en-US" smtClean="0"/>
+              <a:t>Make informed business decisions.</a:t>
+            </a:r>
+            <a:endParaRPr lang="en-US" altLang="en-US"/>
+          </a:p>
+        </p:txBody>
+      </p:sp>
+      <p:sp>
+        <p:nvSpPr>
           <p:cNvPr id="15362" name="Rectangle 2"/>
           <p:cNvSpPr>
             <a:spLocks noGrp="1" noChangeArrowheads="1"/>
@@ -4563,28 +6611,27 @@
             <p:ph type="title"/>
           </p:nvPr>
         </p:nvSpPr>
-        <p:spPr>
-          <a:ln/>
-        </p:spPr>
-        <p:txBody>
-          <a:bodyPr/>
-          <a:lstStyle/>
-          <a:p>
-            <a:r>
-              <a:rPr lang="en-US" altLang="en-US" sz="4000"/>
+        <p:spPr/>
+        <p:txBody>
+          <a:bodyPr/>
+          <a:lstStyle/>
+          <a:p>
+            <a:r>
+              <a:rPr lang="en-US" altLang="en-US" smtClean="0"/>
               <a:t>Why Do We Study Macroeconomics?</a:t>
             </a:r>
-          </a:p>
-        </p:txBody>
-      </p:sp>
-      <p:sp>
-        <p:nvSpPr>
-          <p:cNvPr id="15363" name="Rectangle 3"/>
-          <p:cNvSpPr>
-            <a:spLocks noGrp="1" noChangeArrowheads="1"/>
-          </p:cNvSpPr>
-          <p:nvPr>
-            <p:ph idx="1"/>
+            <a:endParaRPr lang="en-US" altLang="en-US"/>
+          </a:p>
+        </p:txBody>
+      </p:sp>
+      <p:sp>
+        <p:nvSpPr>
+          <p:cNvPr id="5" name="Footer Placeholder 4"/>
+          <p:cNvSpPr>
+            <a:spLocks noGrp="1"/>
+          </p:cNvSpPr>
+          <p:nvPr>
+            <p:ph type="ftr" sz="quarter" idx="11"/>
           </p:nvPr>
         </p:nvSpPr>
         <p:spPr/>
@@ -4593,32 +6640,21 @@
           <a:lstStyle/>
           <a:p>
             <a:r>
-              <a:rPr lang="en-US" altLang="en-US"/>
-              <a:t>Understand how a national economy operates.</a:t>
-            </a:r>
-          </a:p>
-          <a:p>
-            <a:r>
-              <a:rPr lang="en-US" altLang="en-US"/>
-              <a:t>Understand the grand debates over economic policy.</a:t>
-            </a:r>
-          </a:p>
-          <a:p>
-            <a:r>
-              <a:rPr lang="en-US" altLang="en-US"/>
-              <a:t>Make informed business decisions.</a:t>
-            </a:r>
-          </a:p>
-        </p:txBody>
-      </p:sp>
-      <p:sp>
-        <p:nvSpPr>
-          <p:cNvPr id="5" name="Footer Placeholder 4"/>
-          <p:cNvSpPr>
-            <a:spLocks noGrp="1"/>
-          </p:cNvSpPr>
-          <p:nvPr>
-            <p:ph type="ftr" sz="quarter" idx="11"/>
+              <a:rPr lang="en-US" altLang="en-US" smtClean="0"/>
+              <a:t>Introduction</a:t>
+            </a:r>
+            <a:endParaRPr lang="en-US" altLang="en-US"/>
+          </a:p>
+        </p:txBody>
+      </p:sp>
+      <p:sp>
+        <p:nvSpPr>
+          <p:cNvPr id="4" name="Slide Number Placeholder 3"/>
+          <p:cNvSpPr>
+            <a:spLocks noGrp="1"/>
+          </p:cNvSpPr>
+          <p:nvPr>
+            <p:ph type="sldNum" sz="quarter" idx="12"/>
           </p:nvPr>
         </p:nvSpPr>
         <p:spPr/>
@@ -4627,33 +6663,11 @@
           <a:lstStyle/>
           <a:p>
             <a:r>
-              <a:rPr lang="en-US" altLang="en-US"/>
-              <a:t>Introduction</a:t>
-            </a:r>
-          </a:p>
-        </p:txBody>
-      </p:sp>
-      <p:sp>
-        <p:nvSpPr>
-          <p:cNvPr id="4" name="Slide Number Placeholder 3"/>
-          <p:cNvSpPr>
-            <a:spLocks noGrp="1"/>
-          </p:cNvSpPr>
-          <p:nvPr>
-            <p:ph type="sldNum" sz="quarter" idx="12"/>
-          </p:nvPr>
-        </p:nvSpPr>
-        <p:spPr/>
-        <p:txBody>
-          <a:bodyPr/>
-          <a:lstStyle/>
-          <a:p>
-            <a:r>
-              <a:rPr lang="en-US" altLang="en-US"/>
+              <a:rPr lang="en-US" altLang="en-US" smtClean="0"/>
               <a:t>/</a:t>
             </a:r>
             <a:fld id="{55D7609B-3DD1-424D-AB0C-9E79E66883B0}" type="slidenum">
-              <a:rPr lang="en-US" altLang="en-US"/>
+              <a:rPr lang="en-US" altLang="en-US" smtClean="0"/>
               <a:pPr/>
               <a:t>14</a:t>
             </a:fld>
@@ -4688,6 +6702,38 @@
       </p:grpSpPr>
       <p:sp>
         <p:nvSpPr>
+          <p:cNvPr id="30723" name="Rectangle 3"/>
+          <p:cNvSpPr>
+            <a:spLocks noGrp="1" noChangeArrowheads="1"/>
+          </p:cNvSpPr>
+          <p:nvPr>
+            <p:ph idx="1"/>
+          </p:nvPr>
+        </p:nvSpPr>
+        <p:spPr/>
+        <p:txBody>
+          <a:bodyPr/>
+          <a:lstStyle/>
+          <a:p>
+            <a:r>
+              <a:rPr lang="en-US" altLang="en-US" smtClean="0"/>
+              <a:t>Good models may increase the precision and accuracy of forecasts.</a:t>
+            </a:r>
+          </a:p>
+          <a:p>
+            <a:endParaRPr lang="en-US" altLang="en-US" smtClean="0"/>
+          </a:p>
+          <a:p>
+            <a:r>
+              <a:rPr lang="en-US" altLang="en-US" smtClean="0"/>
+              <a:t>Theoretical Models are essential for policy analysis.</a:t>
+            </a:r>
+            <a:endParaRPr lang="en-US" altLang="en-US"/>
+          </a:p>
+        </p:txBody>
+      </p:sp>
+      <p:sp>
+        <p:nvSpPr>
           <p:cNvPr id="30722" name="Rectangle 2"/>
           <p:cNvSpPr>
             <a:spLocks noGrp="1" noChangeArrowheads="1"/>
@@ -4696,28 +6742,27 @@
             <p:ph type="title"/>
           </p:nvPr>
         </p:nvSpPr>
-        <p:spPr>
-          <a:ln/>
-        </p:spPr>
-        <p:txBody>
-          <a:bodyPr/>
-          <a:lstStyle/>
-          <a:p>
-            <a:r>
-              <a:rPr lang="en-US" altLang="en-US"/>
+        <p:spPr/>
+        <p:txBody>
+          <a:bodyPr/>
+          <a:lstStyle/>
+          <a:p>
+            <a:r>
+              <a:rPr lang="en-US" altLang="en-US" smtClean="0"/>
               <a:t>Two Reasons to Want Macroeconomic Models</a:t>
             </a:r>
-          </a:p>
-        </p:txBody>
-      </p:sp>
-      <p:sp>
-        <p:nvSpPr>
-          <p:cNvPr id="30723" name="Rectangle 3"/>
-          <p:cNvSpPr>
-            <a:spLocks noGrp="1" noChangeArrowheads="1"/>
-          </p:cNvSpPr>
-          <p:nvPr>
-            <p:ph idx="1"/>
+            <a:endParaRPr lang="en-US" altLang="en-US"/>
+          </a:p>
+        </p:txBody>
+      </p:sp>
+      <p:sp>
+        <p:nvSpPr>
+          <p:cNvPr id="5" name="Footer Placeholder 4"/>
+          <p:cNvSpPr>
+            <a:spLocks noGrp="1"/>
+          </p:cNvSpPr>
+          <p:nvPr>
+            <p:ph type="ftr" sz="quarter" idx="11"/>
           </p:nvPr>
         </p:nvSpPr>
         <p:spPr/>
@@ -4726,29 +6771,21 @@
           <a:lstStyle/>
           <a:p>
             <a:r>
-              <a:rPr lang="en-US" altLang="en-US"/>
-              <a:t>Good models may increase the precision and accuracy of forecasts.</a:t>
-            </a:r>
-          </a:p>
-          <a:p>
-            <a:endParaRPr lang="en-US" altLang="en-US"/>
-          </a:p>
-          <a:p>
-            <a:r>
-              <a:rPr lang="en-US" altLang="en-US"/>
-              <a:t>Theoretical Models are essential for policy analysis.</a:t>
-            </a:r>
-          </a:p>
-        </p:txBody>
-      </p:sp>
-      <p:sp>
-        <p:nvSpPr>
-          <p:cNvPr id="5" name="Footer Placeholder 4"/>
-          <p:cNvSpPr>
-            <a:spLocks noGrp="1"/>
-          </p:cNvSpPr>
-          <p:nvPr>
-            <p:ph type="ftr" sz="quarter" idx="11"/>
+              <a:rPr lang="en-US" altLang="en-US" smtClean="0"/>
+              <a:t>Introduction</a:t>
+            </a:r>
+            <a:endParaRPr lang="en-US" altLang="en-US"/>
+          </a:p>
+        </p:txBody>
+      </p:sp>
+      <p:sp>
+        <p:nvSpPr>
+          <p:cNvPr id="4" name="Slide Number Placeholder 3"/>
+          <p:cNvSpPr>
+            <a:spLocks noGrp="1"/>
+          </p:cNvSpPr>
+          <p:nvPr>
+            <p:ph type="sldNum" sz="quarter" idx="12"/>
           </p:nvPr>
         </p:nvSpPr>
         <p:spPr/>
@@ -4757,33 +6794,11 @@
           <a:lstStyle/>
           <a:p>
             <a:r>
-              <a:rPr lang="en-US" altLang="en-US"/>
-              <a:t>Introduction</a:t>
-            </a:r>
-          </a:p>
-        </p:txBody>
-      </p:sp>
-      <p:sp>
-        <p:nvSpPr>
-          <p:cNvPr id="4" name="Slide Number Placeholder 3"/>
-          <p:cNvSpPr>
-            <a:spLocks noGrp="1"/>
-          </p:cNvSpPr>
-          <p:nvPr>
-            <p:ph type="sldNum" sz="quarter" idx="12"/>
-          </p:nvPr>
-        </p:nvSpPr>
-        <p:spPr/>
-        <p:txBody>
-          <a:bodyPr/>
-          <a:lstStyle/>
-          <a:p>
-            <a:r>
-              <a:rPr lang="en-US" altLang="en-US"/>
+              <a:rPr lang="en-US" altLang="en-US" smtClean="0"/>
               <a:t>/</a:t>
             </a:r>
             <a:fld id="{20AFD67B-6DB8-472D-B17F-2484D4427083}" type="slidenum">
-              <a:rPr lang="en-US" altLang="en-US"/>
+              <a:rPr lang="en-US" altLang="en-US" smtClean="0"/>
               <a:pPr/>
               <a:t>15</a:t>
             </a:fld>
@@ -4818,61 +6833,43 @@
       </p:grpSpPr>
       <p:sp>
         <p:nvSpPr>
-          <p:cNvPr id="31746" name="Rectangle 2"/>
+          <p:cNvPr id="31747" name="Rectangle 3"/>
           <p:cNvSpPr>
             <a:spLocks noGrp="1" noChangeArrowheads="1"/>
           </p:cNvSpPr>
           <p:nvPr>
+            <p:ph idx="1"/>
+          </p:nvPr>
+        </p:nvSpPr>
+        <p:spPr/>
+        <p:txBody>
+          <a:bodyPr/>
+          <a:lstStyle/>
+          <a:p>
+            <a:r>
+              <a:rPr lang="en-US" altLang="en-US" smtClean="0"/>
+              <a:t>Do High Interest Rates cause Unemployment?</a:t>
+            </a:r>
+            <a:endParaRPr lang="en-US" altLang="en-US" dirty="0"/>
+          </a:p>
+        </p:txBody>
+      </p:sp>
+      <p:sp>
+        <p:nvSpPr>
+          <p:cNvPr id="11" name="Title 10"/>
+          <p:cNvSpPr>
+            <a:spLocks noGrp="1"/>
+          </p:cNvSpPr>
+          <p:nvPr>
             <p:ph type="title"/>
           </p:nvPr>
         </p:nvSpPr>
-        <p:spPr>
-          <a:xfrm flipH="1">
-            <a:off x="8915400" y="0"/>
-            <a:ext cx="228600" cy="304800"/>
-          </a:xfrm>
-          <a:ln/>
-        </p:spPr>
-        <p:txBody>
-          <a:bodyPr/>
-          <a:lstStyle/>
-          <a:p>
-            <a:endParaRPr lang="en-US" altLang="en-US"/>
-          </a:p>
-        </p:txBody>
-      </p:sp>
-      <p:sp>
-        <p:nvSpPr>
-          <p:cNvPr id="31747" name="Rectangle 3"/>
-          <p:cNvSpPr>
-            <a:spLocks noGrp="1" noChangeArrowheads="1"/>
-          </p:cNvSpPr>
-          <p:nvPr>
-            <p:ph idx="1"/>
-          </p:nvPr>
-        </p:nvSpPr>
-        <p:spPr>
-          <a:xfrm>
-            <a:off x="762000" y="228600"/>
-            <a:ext cx="7772400" cy="5562600"/>
-          </a:xfrm>
-        </p:spPr>
-        <p:txBody>
-          <a:bodyPr/>
-          <a:lstStyle/>
-          <a:p>
-            <a:r>
-              <a:rPr lang="en-US" altLang="en-US"/>
-              <a:t>Do High Interest Rates </a:t>
-            </a:r>
-            <a:r>
-              <a:rPr lang="en-US" altLang="en-US" i="1"/>
-              <a:t>cause</a:t>
-            </a:r>
-            <a:r>
-              <a:rPr lang="en-US" altLang="en-US"/>
-              <a:t> Unemployment?</a:t>
-            </a:r>
+        <p:spPr/>
+        <p:txBody>
+          <a:bodyPr/>
+          <a:lstStyle/>
+          <a:p>
+            <a:endParaRPr lang="en-US"/>
           </a:p>
         </p:txBody>
       </p:sp>
@@ -4892,9 +6889,10 @@
           <a:lstStyle/>
           <a:p>
             <a:r>
-              <a:rPr lang="en-US" altLang="en-US"/>
+              <a:rPr lang="en-US" altLang="en-US" smtClean="0"/>
               <a:t>Introduction</a:t>
             </a:r>
+            <a:endParaRPr lang="en-US" altLang="en-US"/>
           </a:p>
         </p:txBody>
       </p:sp>
@@ -4914,11 +6912,11 @@
           <a:lstStyle/>
           <a:p>
             <a:r>
-              <a:rPr lang="en-US" altLang="en-US"/>
+              <a:rPr lang="en-US" altLang="en-US" smtClean="0"/>
               <a:t>/</a:t>
             </a:r>
             <a:fld id="{F71A6DD6-1001-4E29-92DB-BA65D6D6114E}" type="slidenum">
-              <a:rPr lang="en-US" altLang="en-US"/>
+              <a:rPr lang="en-US" altLang="en-US" smtClean="0"/>
               <a:pPr/>
               <a:t>16</a:t>
             </a:fld>
@@ -4935,7 +6933,7 @@
           <p:nvPr/>
         </p:nvPicPr>
         <p:blipFill>
-          <a:blip r:embed="rId2">
+          <a:blip r:embed="rId2" cstate="print">
             <a:extLst>
               <a:ext uri="{28A0092B-C50C-407E-A947-70E740481C1C}">
                 <a14:useLocalDpi xmlns:a14="http://schemas.microsoft.com/office/drawing/2010/main" val="0"/>
@@ -5057,6 +7055,38 @@
       </p:grpSpPr>
       <p:sp>
         <p:nvSpPr>
+          <p:cNvPr id="32771" name="Rectangle 3"/>
+          <p:cNvSpPr>
+            <a:spLocks noGrp="1" noChangeArrowheads="1"/>
+          </p:cNvSpPr>
+          <p:nvPr>
+            <p:ph idx="1"/>
+          </p:nvPr>
+        </p:nvSpPr>
+        <p:spPr/>
+        <p:txBody>
+          <a:bodyPr/>
+          <a:lstStyle/>
+          <a:p>
+            <a:r>
+              <a:rPr lang="en-US" altLang="en-US" dirty="0" smtClean="0"/>
+              <a:t>Economists will never be able to predict everything.</a:t>
+            </a:r>
+          </a:p>
+          <a:p>
+            <a:endParaRPr lang="en-US" altLang="en-US" dirty="0" smtClean="0"/>
+          </a:p>
+          <a:p>
+            <a:r>
+              <a:rPr lang="en-US" altLang="en-US" dirty="0" smtClean="0"/>
+              <a:t>Therefore, a “good” macroeconomic model is just one that accurately captures the economy’s statistical structure.</a:t>
+            </a:r>
+            <a:endParaRPr lang="en-US" altLang="en-US" dirty="0"/>
+          </a:p>
+        </p:txBody>
+      </p:sp>
+      <p:sp>
+        <p:nvSpPr>
           <p:cNvPr id="32770" name="Rectangle 2"/>
           <p:cNvSpPr>
             <a:spLocks noGrp="1" noChangeArrowheads="1"/>
@@ -5065,64 +7095,16 @@
             <p:ph type="title"/>
           </p:nvPr>
         </p:nvSpPr>
-        <p:spPr>
-          <a:ln/>
-        </p:spPr>
-        <p:txBody>
-          <a:bodyPr/>
-          <a:lstStyle/>
-          <a:p>
-            <a:r>
-              <a:rPr lang="en-US" altLang="en-US"/>
-              <a:t>Reasonable Expectations for Macroeconomic Theory</a:t>
-            </a:r>
-          </a:p>
-        </p:txBody>
-      </p:sp>
-      <p:sp>
-        <p:nvSpPr>
-          <p:cNvPr id="32771" name="Rectangle 3"/>
-          <p:cNvSpPr>
-            <a:spLocks noGrp="1" noChangeArrowheads="1"/>
-          </p:cNvSpPr>
-          <p:nvPr>
-            <p:ph idx="1"/>
-          </p:nvPr>
-        </p:nvSpPr>
         <p:spPr/>
         <p:txBody>
           <a:bodyPr/>
           <a:lstStyle/>
           <a:p>
             <a:r>
-              <a:rPr lang="en-US" altLang="en-US"/>
-              <a:t>Economists will never be able to predict </a:t>
-            </a:r>
-            <a:r>
-              <a:rPr lang="en-US" altLang="en-US" i="1"/>
-              <a:t>everything</a:t>
-            </a:r>
-            <a:r>
-              <a:rPr lang="en-US" altLang="en-US"/>
-              <a:t>.</a:t>
-            </a:r>
-          </a:p>
-          <a:p>
-            <a:endParaRPr lang="en-US" altLang="en-US"/>
-          </a:p>
-          <a:p>
-            <a:r>
-              <a:rPr lang="en-US" altLang="en-US"/>
-              <a:t>Therefore, a “good” macroeconomic model is just one that accurately captures the economy’s </a:t>
-            </a:r>
-            <a:r>
-              <a:rPr lang="en-US" altLang="en-US" i="1"/>
-              <a:t>statistical</a:t>
-            </a:r>
-            <a:r>
-              <a:rPr lang="en-US" altLang="en-US"/>
-              <a:t> structure.</a:t>
-            </a:r>
+              <a:rPr lang="en-US" altLang="en-US" dirty="0" smtClean="0"/>
+              <a:t>Expectations for Macro Theory</a:t>
+            </a:r>
+            <a:endParaRPr lang="en-US" altLang="en-US" dirty="0"/>
           </a:p>
         </p:txBody>
       </p:sp>
@@ -5142,9 +7124,10 @@
           <a:lstStyle/>
           <a:p>
             <a:r>
-              <a:rPr lang="en-US" altLang="en-US"/>
+              <a:rPr lang="en-US" altLang="en-US" smtClean="0"/>
               <a:t>Introduction</a:t>
             </a:r>
+            <a:endParaRPr lang="en-US" altLang="en-US"/>
           </a:p>
         </p:txBody>
       </p:sp>
@@ -5164,11 +7147,11 @@
           <a:lstStyle/>
           <a:p>
             <a:r>
-              <a:rPr lang="en-US" altLang="en-US"/>
+              <a:rPr lang="en-US" altLang="en-US" smtClean="0"/>
               <a:t>/</a:t>
             </a:r>
             <a:fld id="{AD8B4518-9394-4AC2-8A64-38CBA9D1D5CC}" type="slidenum">
-              <a:rPr lang="en-US" altLang="en-US"/>
+              <a:rPr lang="en-US" altLang="en-US" smtClean="0"/>
               <a:pPr/>
               <a:t>17</a:t>
             </a:fld>
@@ -5203,6 +7186,50 @@
       </p:grpSpPr>
       <p:sp>
         <p:nvSpPr>
+          <p:cNvPr id="33795" name="Rectangle 3"/>
+          <p:cNvSpPr>
+            <a:spLocks noGrp="1" noChangeArrowheads="1"/>
+          </p:cNvSpPr>
+          <p:nvPr>
+            <p:ph idx="1"/>
+          </p:nvPr>
+        </p:nvSpPr>
+        <p:spPr/>
+        <p:txBody>
+          <a:bodyPr/>
+          <a:lstStyle/>
+          <a:p>
+            <a:r>
+              <a:rPr lang="en-US" altLang="en-US" smtClean="0"/>
+              <a:t>In Short:</a:t>
+            </a:r>
+          </a:p>
+          <a:p>
+            <a:pPr lvl="1"/>
+            <a:r>
+              <a:rPr lang="en-US" altLang="en-US" smtClean="0"/>
+              <a:t>Macroeconomists are looking for a model of the economy as a whole</a:t>
+            </a:r>
+          </a:p>
+          <a:p>
+            <a:pPr lvl="2"/>
+            <a:r>
+              <a:rPr lang="en-US" altLang="en-US" smtClean="0"/>
+              <a:t>The model is built on aggregate variables which are highly informative about the underlying variables</a:t>
+            </a:r>
+          </a:p>
+          <a:p>
+            <a:pPr lvl="2"/>
+            <a:r>
+              <a:rPr lang="en-US" altLang="en-US" smtClean="0"/>
+              <a:t>The relations among the aggregates is stable, and accurately captures the economy’s statistical structure.</a:t>
+            </a:r>
+            <a:endParaRPr lang="en-US" altLang="en-US"/>
+          </a:p>
+        </p:txBody>
+      </p:sp>
+      <p:sp>
+        <p:nvSpPr>
           <p:cNvPr id="33794" name="Rectangle 2"/>
           <p:cNvSpPr>
             <a:spLocks noGrp="1" noChangeArrowheads="1"/>
@@ -5211,28 +7238,27 @@
             <p:ph type="title"/>
           </p:nvPr>
         </p:nvSpPr>
-        <p:spPr>
-          <a:ln/>
-        </p:spPr>
-        <p:txBody>
-          <a:bodyPr/>
-          <a:lstStyle/>
-          <a:p>
-            <a:r>
-              <a:rPr lang="en-US" altLang="en-US"/>
+        <p:spPr/>
+        <p:txBody>
+          <a:bodyPr/>
+          <a:lstStyle/>
+          <a:p>
+            <a:r>
+              <a:rPr lang="en-US" altLang="en-US" smtClean="0"/>
               <a:t>Summary of the Introduction</a:t>
             </a:r>
-          </a:p>
-        </p:txBody>
-      </p:sp>
-      <p:sp>
-        <p:nvSpPr>
-          <p:cNvPr id="33795" name="Rectangle 3"/>
-          <p:cNvSpPr>
-            <a:spLocks noGrp="1" noChangeArrowheads="1"/>
-          </p:cNvSpPr>
-          <p:nvPr>
-            <p:ph idx="1"/>
+            <a:endParaRPr lang="en-US" altLang="en-US"/>
+          </a:p>
+        </p:txBody>
+      </p:sp>
+      <p:sp>
+        <p:nvSpPr>
+          <p:cNvPr id="5" name="Footer Placeholder 4"/>
+          <p:cNvSpPr>
+            <a:spLocks noGrp="1"/>
+          </p:cNvSpPr>
+          <p:nvPr>
+            <p:ph type="ftr" sz="quarter" idx="11"/>
           </p:nvPr>
         </p:nvSpPr>
         <p:spPr/>
@@ -5241,41 +7267,21 @@
           <a:lstStyle/>
           <a:p>
             <a:r>
-              <a:rPr lang="en-US" altLang="en-US"/>
-              <a:t>In Short:</a:t>
-            </a:r>
-          </a:p>
-          <a:p>
-            <a:pPr lvl="1"/>
-            <a:r>
-              <a:rPr lang="en-US" altLang="en-US"/>
-              <a:t>Macroeconomists are looking for a model of the economy as a whole</a:t>
-            </a:r>
-          </a:p>
-          <a:p>
-            <a:pPr lvl="2"/>
-            <a:r>
-              <a:rPr lang="en-US" altLang="en-US"/>
-              <a:t>The model is built on aggregate variables which are highly informative about the underlying variables</a:t>
-            </a:r>
-          </a:p>
-          <a:p>
-            <a:pPr lvl="2"/>
-            <a:r>
-              <a:rPr lang="en-US" altLang="en-US"/>
-              <a:t>The relations among the aggregates is stable, and accurately captures the economy’s statistical structure.</a:t>
-            </a:r>
-          </a:p>
-        </p:txBody>
-      </p:sp>
-      <p:sp>
-        <p:nvSpPr>
-          <p:cNvPr id="5" name="Footer Placeholder 4"/>
-          <p:cNvSpPr>
-            <a:spLocks noGrp="1"/>
-          </p:cNvSpPr>
-          <p:nvPr>
-            <p:ph type="ftr" sz="quarter" idx="11"/>
+              <a:rPr lang="en-US" altLang="en-US" smtClean="0"/>
+              <a:t>Introduction</a:t>
+            </a:r>
+            <a:endParaRPr lang="en-US" altLang="en-US"/>
+          </a:p>
+        </p:txBody>
+      </p:sp>
+      <p:sp>
+        <p:nvSpPr>
+          <p:cNvPr id="4" name="Slide Number Placeholder 3"/>
+          <p:cNvSpPr>
+            <a:spLocks noGrp="1"/>
+          </p:cNvSpPr>
+          <p:nvPr>
+            <p:ph type="sldNum" sz="quarter" idx="12"/>
           </p:nvPr>
         </p:nvSpPr>
         <p:spPr/>
@@ -5284,33 +7290,11 @@
           <a:lstStyle/>
           <a:p>
             <a:r>
-              <a:rPr lang="en-US" altLang="en-US"/>
-              <a:t>Introduction</a:t>
-            </a:r>
-          </a:p>
-        </p:txBody>
-      </p:sp>
-      <p:sp>
-        <p:nvSpPr>
-          <p:cNvPr id="4" name="Slide Number Placeholder 3"/>
-          <p:cNvSpPr>
-            <a:spLocks noGrp="1"/>
-          </p:cNvSpPr>
-          <p:nvPr>
-            <p:ph type="sldNum" sz="quarter" idx="12"/>
-          </p:nvPr>
-        </p:nvSpPr>
-        <p:spPr/>
-        <p:txBody>
-          <a:bodyPr/>
-          <a:lstStyle/>
-          <a:p>
-            <a:r>
-              <a:rPr lang="en-US" altLang="en-US"/>
+              <a:rPr lang="en-US" altLang="en-US" smtClean="0"/>
               <a:t>/</a:t>
             </a:r>
             <a:fld id="{95E3FDBA-9FDC-48C0-942E-C0108FC14540}" type="slidenum">
-              <a:rPr lang="en-US" altLang="en-US"/>
+              <a:rPr lang="en-US" altLang="en-US" smtClean="0"/>
               <a:pPr/>
               <a:t>18</a:t>
             </a:fld>
@@ -5345,6 +7329,32 @@
       </p:grpSpPr>
       <p:sp>
         <p:nvSpPr>
+          <p:cNvPr id="17411" name="Rectangle 3"/>
+          <p:cNvSpPr>
+            <a:spLocks noGrp="1" noChangeArrowheads="1"/>
+          </p:cNvSpPr>
+          <p:nvPr>
+            <p:ph idx="1"/>
+          </p:nvPr>
+        </p:nvSpPr>
+        <p:spPr/>
+        <p:txBody>
+          <a:bodyPr/>
+          <a:lstStyle/>
+          <a:p>
+            <a:endParaRPr lang="en-US" altLang="en-US" smtClean="0"/>
+          </a:p>
+          <a:p>
+            <a:r>
+              <a:rPr lang="en-US" altLang="en-US" smtClean="0"/>
+              <a:t>In Microeconomics, you usually studied price and quantity determination in a small number of markets -- typically one.</a:t>
+            </a:r>
+            <a:endParaRPr lang="en-US" altLang="en-US"/>
+          </a:p>
+        </p:txBody>
+      </p:sp>
+      <p:sp>
+        <p:nvSpPr>
           <p:cNvPr id="17410" name="Rectangle 2"/>
           <p:cNvSpPr>
             <a:spLocks noGrp="1" noChangeArrowheads="1"/>
@@ -5353,28 +7363,27 @@
             <p:ph type="title"/>
           </p:nvPr>
         </p:nvSpPr>
-        <p:spPr>
-          <a:ln/>
-        </p:spPr>
-        <p:txBody>
-          <a:bodyPr/>
-          <a:lstStyle/>
-          <a:p>
-            <a:r>
-              <a:rPr lang="en-US" altLang="en-US"/>
+        <p:spPr/>
+        <p:txBody>
+          <a:bodyPr/>
+          <a:lstStyle/>
+          <a:p>
+            <a:r>
+              <a:rPr lang="en-US" altLang="en-US" smtClean="0"/>
               <a:t>What is Macroeconomics?</a:t>
             </a:r>
-          </a:p>
-        </p:txBody>
-      </p:sp>
-      <p:sp>
-        <p:nvSpPr>
-          <p:cNvPr id="17411" name="Rectangle 3"/>
-          <p:cNvSpPr>
-            <a:spLocks noGrp="1" noChangeArrowheads="1"/>
-          </p:cNvSpPr>
-          <p:nvPr>
-            <p:ph idx="1"/>
+            <a:endParaRPr lang="en-US" altLang="en-US"/>
+          </a:p>
+        </p:txBody>
+      </p:sp>
+      <p:sp>
+        <p:nvSpPr>
+          <p:cNvPr id="5" name="Footer Placeholder 4"/>
+          <p:cNvSpPr>
+            <a:spLocks noGrp="1"/>
+          </p:cNvSpPr>
+          <p:nvPr>
+            <p:ph type="ftr" sz="quarter" idx="11"/>
           </p:nvPr>
         </p:nvSpPr>
         <p:spPr/>
@@ -5382,24 +7391,22 @@
           <a:bodyPr/>
           <a:lstStyle/>
           <a:p>
-            <a:endParaRPr lang="en-US" altLang="en-US"/>
-          </a:p>
-          <a:p>
-            <a:r>
-              <a:rPr lang="en-US" altLang="en-US"/>
-              <a:t>In Microeconomics, you usually studied price and quantity determination in a small number of markets -- typically one.</a:t>
-            </a:r>
-          </a:p>
-        </p:txBody>
-      </p:sp>
-      <p:sp>
-        <p:nvSpPr>
-          <p:cNvPr id="5" name="Footer Placeholder 4"/>
-          <p:cNvSpPr>
-            <a:spLocks noGrp="1"/>
-          </p:cNvSpPr>
-          <p:nvPr>
-            <p:ph type="ftr" sz="quarter" idx="11"/>
+            <a:r>
+              <a:rPr lang="en-US" altLang="en-US" smtClean="0"/>
+              <a:t>Introduction</a:t>
+            </a:r>
+            <a:endParaRPr lang="en-US" altLang="en-US"/>
+          </a:p>
+        </p:txBody>
+      </p:sp>
+      <p:sp>
+        <p:nvSpPr>
+          <p:cNvPr id="4" name="Slide Number Placeholder 3"/>
+          <p:cNvSpPr>
+            <a:spLocks noGrp="1"/>
+          </p:cNvSpPr>
+          <p:nvPr>
+            <p:ph type="sldNum" sz="quarter" idx="12"/>
           </p:nvPr>
         </p:nvSpPr>
         <p:spPr/>
@@ -5408,33 +7415,11 @@
           <a:lstStyle/>
           <a:p>
             <a:r>
-              <a:rPr lang="en-US" altLang="en-US"/>
-              <a:t>Introduction</a:t>
-            </a:r>
-          </a:p>
-        </p:txBody>
-      </p:sp>
-      <p:sp>
-        <p:nvSpPr>
-          <p:cNvPr id="4" name="Slide Number Placeholder 3"/>
-          <p:cNvSpPr>
-            <a:spLocks noGrp="1"/>
-          </p:cNvSpPr>
-          <p:nvPr>
-            <p:ph type="sldNum" sz="quarter" idx="12"/>
-          </p:nvPr>
-        </p:nvSpPr>
-        <p:spPr/>
-        <p:txBody>
-          <a:bodyPr/>
-          <a:lstStyle/>
-          <a:p>
-            <a:r>
-              <a:rPr lang="en-US" altLang="en-US"/>
+              <a:rPr lang="en-US" altLang="en-US" smtClean="0"/>
               <a:t>/</a:t>
             </a:r>
             <a:fld id="{ABED76B9-189D-474B-B8E6-A4A2B7C2E571}" type="slidenum">
-              <a:rPr lang="en-US" altLang="en-US"/>
+              <a:rPr lang="en-US" altLang="en-US" smtClean="0"/>
               <a:pPr/>
               <a:t>2</a:t>
             </a:fld>
@@ -5469,6 +7454,50 @@
       </p:grpSpPr>
       <p:sp>
         <p:nvSpPr>
+          <p:cNvPr id="18435" name="Rectangle 3"/>
+          <p:cNvSpPr>
+            <a:spLocks noGrp="1" noChangeArrowheads="1"/>
+          </p:cNvSpPr>
+          <p:nvPr>
+            <p:ph idx="1"/>
+          </p:nvPr>
+        </p:nvSpPr>
+        <p:spPr/>
+        <p:txBody>
+          <a:bodyPr/>
+          <a:lstStyle/>
+          <a:p>
+            <a:r>
+              <a:rPr lang="en-US" altLang="en-US" smtClean="0"/>
+              <a:t>However, many important and interesting phenomena cannot be studied on the basis of a single-market:</a:t>
+            </a:r>
+          </a:p>
+          <a:p>
+            <a:pPr lvl="1"/>
+            <a:r>
+              <a:rPr lang="en-US" altLang="en-US" smtClean="0"/>
+              <a:t>Business Cycles (common movements among many distinct markets)</a:t>
+            </a:r>
+          </a:p>
+          <a:p>
+            <a:pPr lvl="1"/>
+            <a:r>
+              <a:rPr lang="en-US" altLang="en-US" smtClean="0"/>
+              <a:t>Inflation (a general rise in prices, as opposed to a rise in certain relative prices)</a:t>
+            </a:r>
+          </a:p>
+          <a:p>
+            <a:pPr lvl="1"/>
+            <a:r>
+              <a:rPr lang="en-US" altLang="en-US" smtClean="0"/>
+              <a:t>Long-Term Economic Growth</a:t>
+            </a:r>
+            <a:endParaRPr lang="en-US" altLang="en-US"/>
+          </a:p>
+        </p:txBody>
+      </p:sp>
+      <p:sp>
+        <p:nvSpPr>
           <p:cNvPr id="18434" name="Rectangle 2"/>
           <p:cNvSpPr>
             <a:spLocks noGrp="1" noChangeArrowheads="1"/>
@@ -5477,28 +7506,27 @@
             <p:ph type="title"/>
           </p:nvPr>
         </p:nvSpPr>
-        <p:spPr>
-          <a:ln/>
-        </p:spPr>
-        <p:txBody>
-          <a:bodyPr/>
-          <a:lstStyle/>
-          <a:p>
-            <a:r>
-              <a:rPr lang="en-US" altLang="en-US"/>
+        <p:spPr/>
+        <p:txBody>
+          <a:bodyPr/>
+          <a:lstStyle/>
+          <a:p>
+            <a:r>
+              <a:rPr lang="en-US" altLang="en-US" smtClean="0"/>
               <a:t>What is Macroeconomics?</a:t>
             </a:r>
-          </a:p>
-        </p:txBody>
-      </p:sp>
-      <p:sp>
-        <p:nvSpPr>
-          <p:cNvPr id="18435" name="Rectangle 3"/>
-          <p:cNvSpPr>
-            <a:spLocks noGrp="1" noChangeArrowheads="1"/>
-          </p:cNvSpPr>
-          <p:nvPr>
-            <p:ph idx="1"/>
+            <a:endParaRPr lang="en-US" altLang="en-US"/>
+          </a:p>
+        </p:txBody>
+      </p:sp>
+      <p:sp>
+        <p:nvSpPr>
+          <p:cNvPr id="5" name="Footer Placeholder 4"/>
+          <p:cNvSpPr>
+            <a:spLocks noGrp="1"/>
+          </p:cNvSpPr>
+          <p:nvPr>
+            <p:ph type="ftr" sz="quarter" idx="11"/>
           </p:nvPr>
         </p:nvSpPr>
         <p:spPr/>
@@ -5507,57 +7535,21 @@
           <a:lstStyle/>
           <a:p>
             <a:r>
-              <a:rPr lang="en-US" altLang="en-US"/>
-              <a:t>However, many important and interesting phenomena cannot be studied on the basis of a single-market:</a:t>
-            </a:r>
-          </a:p>
-          <a:p>
-            <a:pPr lvl="1"/>
-            <a:r>
-              <a:rPr lang="en-US" altLang="en-US"/>
-              <a:t>Business Cycles (common movements among </a:t>
-            </a:r>
-            <a:r>
-              <a:rPr lang="en-US" altLang="en-US" i="1"/>
-              <a:t>many </a:t>
-            </a:r>
-            <a:r>
-              <a:rPr lang="en-US" altLang="en-US"/>
-              <a:t>distinct markets)</a:t>
-            </a:r>
-          </a:p>
-          <a:p>
-            <a:pPr lvl="1"/>
-            <a:r>
-              <a:rPr lang="en-US" altLang="en-US"/>
-              <a:t>Inflation (a </a:t>
-            </a:r>
-            <a:r>
-              <a:rPr lang="en-US" altLang="en-US" i="1"/>
-              <a:t>general</a:t>
-            </a:r>
-            <a:r>
-              <a:rPr lang="en-US" altLang="en-US"/>
-              <a:t> rise in prices, as opposed to a rise in certain relative prices)</a:t>
-            </a:r>
-          </a:p>
-          <a:p>
-            <a:pPr lvl="1"/>
-            <a:r>
-              <a:rPr lang="en-US" altLang="en-US"/>
-              <a:t>Long-Term Economic Growth</a:t>
-            </a:r>
-          </a:p>
-        </p:txBody>
-      </p:sp>
-      <p:sp>
-        <p:nvSpPr>
-          <p:cNvPr id="5" name="Footer Placeholder 4"/>
-          <p:cNvSpPr>
-            <a:spLocks noGrp="1"/>
-          </p:cNvSpPr>
-          <p:nvPr>
-            <p:ph type="ftr" sz="quarter" idx="11"/>
+              <a:rPr lang="en-US" altLang="en-US" smtClean="0"/>
+              <a:t>Introduction</a:t>
+            </a:r>
+            <a:endParaRPr lang="en-US" altLang="en-US"/>
+          </a:p>
+        </p:txBody>
+      </p:sp>
+      <p:sp>
+        <p:nvSpPr>
+          <p:cNvPr id="4" name="Slide Number Placeholder 3"/>
+          <p:cNvSpPr>
+            <a:spLocks noGrp="1"/>
+          </p:cNvSpPr>
+          <p:nvPr>
+            <p:ph type="sldNum" sz="quarter" idx="12"/>
           </p:nvPr>
         </p:nvSpPr>
         <p:spPr/>
@@ -5566,33 +7558,11 @@
           <a:lstStyle/>
           <a:p>
             <a:r>
-              <a:rPr lang="en-US" altLang="en-US"/>
-              <a:t>Introduction</a:t>
-            </a:r>
-          </a:p>
-        </p:txBody>
-      </p:sp>
-      <p:sp>
-        <p:nvSpPr>
-          <p:cNvPr id="4" name="Slide Number Placeholder 3"/>
-          <p:cNvSpPr>
-            <a:spLocks noGrp="1"/>
-          </p:cNvSpPr>
-          <p:nvPr>
-            <p:ph type="sldNum" sz="quarter" idx="12"/>
-          </p:nvPr>
-        </p:nvSpPr>
-        <p:spPr/>
-        <p:txBody>
-          <a:bodyPr/>
-          <a:lstStyle/>
-          <a:p>
-            <a:r>
-              <a:rPr lang="en-US" altLang="en-US"/>
+              <a:rPr lang="en-US" altLang="en-US" smtClean="0"/>
               <a:t>/</a:t>
             </a:r>
             <a:fld id="{CD53FC92-0734-4913-B098-DA43545C4BE2}" type="slidenum">
-              <a:rPr lang="en-US" altLang="en-US"/>
+              <a:rPr lang="en-US" altLang="en-US" smtClean="0"/>
               <a:pPr/>
               <a:t>3</a:t>
             </a:fld>
@@ -5627,6 +7597,70 @@
       </p:grpSpPr>
       <p:sp>
         <p:nvSpPr>
+          <p:cNvPr id="2053" name="Rectangle 5"/>
+          <p:cNvSpPr>
+            <a:spLocks noGrp="1" noChangeArrowheads="1"/>
+          </p:cNvSpPr>
+          <p:nvPr>
+            <p:ph idx="1"/>
+          </p:nvPr>
+        </p:nvSpPr>
+        <p:spPr/>
+        <p:txBody>
+          <a:bodyPr/>
+          <a:lstStyle/>
+          <a:p>
+            <a:r>
+              <a:rPr lang="en-US" altLang="en-US" smtClean="0"/>
+              <a:t>Branch of economics that deals with nation’s economy as a whole.</a:t>
+            </a:r>
+          </a:p>
+          <a:p>
+            <a:r>
+              <a:rPr lang="en-US" altLang="en-US" smtClean="0"/>
+              <a:t>Focus on:</a:t>
+            </a:r>
+          </a:p>
+          <a:p>
+            <a:pPr lvl="1"/>
+            <a:r>
+              <a:rPr lang="en-US" altLang="en-US" smtClean="0"/>
+              <a:t>Unemployment</a:t>
+            </a:r>
+          </a:p>
+          <a:p>
+            <a:pPr lvl="1"/>
+            <a:r>
+              <a:rPr lang="en-US" altLang="en-US" smtClean="0"/>
+              <a:t>Inflation</a:t>
+            </a:r>
+          </a:p>
+          <a:p>
+            <a:pPr lvl="1"/>
+            <a:r>
+              <a:rPr lang="en-US" altLang="en-US" smtClean="0"/>
+              <a:t>Growth</a:t>
+            </a:r>
+          </a:p>
+          <a:p>
+            <a:pPr lvl="1"/>
+            <a:r>
+              <a:rPr lang="en-US" altLang="en-US" smtClean="0"/>
+              <a:t>Trade</a:t>
+            </a:r>
+          </a:p>
+          <a:p>
+            <a:pPr lvl="1"/>
+            <a:r>
+              <a:rPr lang="en-US" altLang="en-US" smtClean="0"/>
+              <a:t>And the gross domestic product (GDP)</a:t>
+            </a:r>
+            <a:endParaRPr lang="en-US" altLang="en-US"/>
+          </a:p>
+        </p:txBody>
+      </p:sp>
+      <p:sp>
+        <p:nvSpPr>
           <p:cNvPr id="2052" name="Rectangle 4"/>
           <p:cNvSpPr>
             <a:spLocks noGrp="1" noChangeArrowheads="1"/>
@@ -5635,28 +7669,27 @@
             <p:ph type="title"/>
           </p:nvPr>
         </p:nvSpPr>
-        <p:spPr>
-          <a:ln/>
-        </p:spPr>
-        <p:txBody>
-          <a:bodyPr/>
-          <a:lstStyle/>
-          <a:p>
-            <a:r>
-              <a:rPr lang="en-US" altLang="en-US"/>
+        <p:spPr/>
+        <p:txBody>
+          <a:bodyPr/>
+          <a:lstStyle/>
+          <a:p>
+            <a:r>
+              <a:rPr lang="en-US" altLang="en-US" smtClean="0"/>
               <a:t>What is Macroeconomics?</a:t>
             </a:r>
-          </a:p>
-        </p:txBody>
-      </p:sp>
-      <p:sp>
-        <p:nvSpPr>
-          <p:cNvPr id="2053" name="Rectangle 5"/>
-          <p:cNvSpPr>
-            <a:spLocks noGrp="1" noChangeArrowheads="1"/>
-          </p:cNvSpPr>
-          <p:nvPr>
-            <p:ph idx="1"/>
+            <a:endParaRPr lang="en-US" altLang="en-US"/>
+          </a:p>
+        </p:txBody>
+      </p:sp>
+      <p:sp>
+        <p:nvSpPr>
+          <p:cNvPr id="5" name="Footer Placeholder 4"/>
+          <p:cNvSpPr>
+            <a:spLocks noGrp="1"/>
+          </p:cNvSpPr>
+          <p:nvPr>
+            <p:ph type="ftr" sz="quarter" idx="11"/>
           </p:nvPr>
         </p:nvSpPr>
         <p:spPr/>
@@ -5665,65 +7698,21 @@
           <a:lstStyle/>
           <a:p>
             <a:r>
-              <a:rPr lang="en-US" altLang="en-US"/>
-              <a:t>Branch of economics that deals with nation’s economy </a:t>
-            </a:r>
-            <a:r>
-              <a:rPr lang="en-US" altLang="en-US" b="1"/>
-              <a:t>as a whole.</a:t>
-            </a:r>
-          </a:p>
-          <a:p>
-            <a:r>
-              <a:rPr lang="en-US" altLang="en-US"/>
-              <a:t>Focus on:</a:t>
-            </a:r>
-          </a:p>
-          <a:p>
-            <a:pPr lvl="1"/>
-            <a:r>
-              <a:rPr lang="en-US" altLang="en-US"/>
-              <a:t>Unemployment</a:t>
-            </a:r>
-          </a:p>
-          <a:p>
-            <a:pPr lvl="1"/>
-            <a:r>
-              <a:rPr lang="en-US" altLang="en-US"/>
-              <a:t>Inflation</a:t>
-            </a:r>
-          </a:p>
-          <a:p>
-            <a:pPr lvl="1"/>
-            <a:r>
-              <a:rPr lang="en-US" altLang="en-US"/>
-              <a:t>Growth</a:t>
-            </a:r>
-          </a:p>
-          <a:p>
-            <a:pPr lvl="1"/>
-            <a:r>
-              <a:rPr lang="en-US" altLang="en-US"/>
-              <a:t>Trade</a:t>
-            </a:r>
-          </a:p>
-          <a:p>
-            <a:pPr lvl="1"/>
-            <a:r>
-              <a:rPr lang="en-US" altLang="en-US"/>
-              <a:t>And the gross domestic product (GDP)</a:t>
-            </a:r>
-          </a:p>
-        </p:txBody>
-      </p:sp>
-      <p:sp>
-        <p:nvSpPr>
-          <p:cNvPr id="5" name="Footer Placeholder 4"/>
-          <p:cNvSpPr>
-            <a:spLocks noGrp="1"/>
-          </p:cNvSpPr>
-          <p:nvPr>
-            <p:ph type="ftr" sz="quarter" idx="11"/>
+              <a:rPr lang="en-US" altLang="en-US" smtClean="0"/>
+              <a:t>Introduction</a:t>
+            </a:r>
+            <a:endParaRPr lang="en-US" altLang="en-US"/>
+          </a:p>
+        </p:txBody>
+      </p:sp>
+      <p:sp>
+        <p:nvSpPr>
+          <p:cNvPr id="4" name="Slide Number Placeholder 3"/>
+          <p:cNvSpPr>
+            <a:spLocks noGrp="1"/>
+          </p:cNvSpPr>
+          <p:nvPr>
+            <p:ph type="sldNum" sz="quarter" idx="12"/>
           </p:nvPr>
         </p:nvSpPr>
         <p:spPr/>
@@ -5732,33 +7721,11 @@
           <a:lstStyle/>
           <a:p>
             <a:r>
-              <a:rPr lang="en-US" altLang="en-US"/>
-              <a:t>Introduction</a:t>
-            </a:r>
-          </a:p>
-        </p:txBody>
-      </p:sp>
-      <p:sp>
-        <p:nvSpPr>
-          <p:cNvPr id="4" name="Slide Number Placeholder 3"/>
-          <p:cNvSpPr>
-            <a:spLocks noGrp="1"/>
-          </p:cNvSpPr>
-          <p:nvPr>
-            <p:ph type="sldNum" sz="quarter" idx="12"/>
-          </p:nvPr>
-        </p:nvSpPr>
-        <p:spPr/>
-        <p:txBody>
-          <a:bodyPr/>
-          <a:lstStyle/>
-          <a:p>
-            <a:r>
-              <a:rPr lang="en-US" altLang="en-US"/>
+              <a:rPr lang="en-US" altLang="en-US" smtClean="0"/>
               <a:t>/</a:t>
             </a:r>
             <a:fld id="{9090CC9C-4D50-47B2-94F1-43C1B9EB7BFE}" type="slidenum">
-              <a:rPr lang="en-US" altLang="en-US"/>
+              <a:rPr lang="en-US" altLang="en-US" smtClean="0"/>
               <a:pPr/>
               <a:t>4</a:t>
             </a:fld>
@@ -5793,6 +7760,63 @@
       </p:grpSpPr>
       <p:sp>
         <p:nvSpPr>
+          <p:cNvPr id="9219" name="Rectangle 3"/>
+          <p:cNvSpPr>
+            <a:spLocks noGrp="1" noChangeArrowheads="1"/>
+          </p:cNvSpPr>
+          <p:nvPr>
+            <p:ph idx="1"/>
+          </p:nvPr>
+        </p:nvSpPr>
+        <p:spPr/>
+        <p:txBody>
+          <a:bodyPr/>
+          <a:lstStyle/>
+          <a:p>
+            <a:r>
+              <a:rPr lang="en-US" altLang="en-US" dirty="0" smtClean="0"/>
+              <a:t>Long-run economic growth:</a:t>
+            </a:r>
+          </a:p>
+          <a:p>
+            <a:pPr lvl="1"/>
+            <a:r>
+              <a:rPr lang="en-US" altLang="en-US" smtClean="0"/>
+              <a:t>Higher living standards than 50 years ago.</a:t>
+            </a:r>
+          </a:p>
+          <a:p>
+            <a:pPr lvl="1"/>
+            <a:r>
+              <a:rPr lang="en-US" altLang="en-US" dirty="0" smtClean="0"/>
+              <a:t>Higher living standards in the US than almost anyplace else.</a:t>
+            </a:r>
+          </a:p>
+          <a:p>
+            <a:r>
+              <a:rPr lang="en-US" altLang="en-US" dirty="0" smtClean="0"/>
+              <a:t>Fluctuations in economic performance (short-run):</a:t>
+            </a:r>
+          </a:p>
+          <a:p>
+            <a:pPr lvl="1"/>
+            <a:r>
+              <a:rPr lang="en-US" altLang="en-US" dirty="0" smtClean="0"/>
+              <a:t>Recession periods.</a:t>
+            </a:r>
+          </a:p>
+          <a:p>
+            <a:pPr lvl="1"/>
+            <a:r>
+              <a:rPr lang="en-US" altLang="en-US" dirty="0" smtClean="0"/>
+              <a:t>Prices hikes.</a:t>
+            </a:r>
+            <a:endParaRPr lang="en-US" altLang="en-US" dirty="0"/>
+          </a:p>
+        </p:txBody>
+      </p:sp>
+      <p:sp>
+        <p:nvSpPr>
           <p:cNvPr id="9218" name="Rectangle 2"/>
           <p:cNvSpPr>
             <a:spLocks noGrp="1" noChangeArrowheads="1"/>
@@ -5801,75 +7825,16 @@
             <p:ph type="title"/>
           </p:nvPr>
         </p:nvSpPr>
-        <p:spPr>
-          <a:ln/>
-        </p:spPr>
-        <p:txBody>
-          <a:bodyPr>
-            <a:normAutofit fontScale="90000"/>
-          </a:bodyPr>
-          <a:lstStyle/>
-          <a:p>
-            <a:r>
-              <a:rPr lang="en-US" altLang="en-US"/>
-              <a:t>Macroeconomics focuses on two basic issues:</a:t>
-            </a:r>
-          </a:p>
-        </p:txBody>
-      </p:sp>
-      <p:sp>
-        <p:nvSpPr>
-          <p:cNvPr id="9219" name="Rectangle 3"/>
-          <p:cNvSpPr>
-            <a:spLocks noGrp="1" noChangeArrowheads="1"/>
-          </p:cNvSpPr>
-          <p:nvPr>
-            <p:ph idx="1"/>
-          </p:nvPr>
-        </p:nvSpPr>
         <p:spPr/>
         <p:txBody>
           <a:bodyPr/>
           <a:lstStyle/>
           <a:p>
             <a:r>
-              <a:rPr lang="en-US" altLang="en-US"/>
-              <a:t>Long-run economic growth:</a:t>
-            </a:r>
-          </a:p>
-          <a:p>
-            <a:pPr lvl="1"/>
-            <a:r>
-              <a:rPr lang="en-US" altLang="en-US"/>
-              <a:t>Higher living standards than 50 years ago.</a:t>
-            </a:r>
-          </a:p>
-          <a:p>
-            <a:pPr lvl="1"/>
-            <a:r>
-              <a:rPr lang="en-US" altLang="en-US"/>
-              <a:t>Higher living standards in the US than almost anyplace else.</a:t>
-            </a:r>
-          </a:p>
-          <a:p>
-            <a:r>
-              <a:rPr lang="en-US" altLang="en-US"/>
-              <a:t>Fluctuations in economic performance (short-run):</a:t>
-            </a:r>
-          </a:p>
-          <a:p>
-            <a:pPr lvl="1"/>
-            <a:r>
-              <a:rPr lang="en-US" altLang="en-US"/>
-              <a:t>Recession periods.</a:t>
-            </a:r>
-          </a:p>
-          <a:p>
-            <a:pPr lvl="1"/>
-            <a:r>
-              <a:rPr lang="en-US" altLang="en-US"/>
-              <a:t>Prices hikes.</a:t>
-            </a:r>
+              <a:rPr lang="en-US" altLang="en-US" dirty="0" smtClean="0"/>
+              <a:t>Two basic issues</a:t>
+            </a:r>
+            <a:endParaRPr lang="en-US" altLang="en-US" dirty="0"/>
           </a:p>
         </p:txBody>
       </p:sp>
@@ -5889,9 +7854,10 @@
           <a:lstStyle/>
           <a:p>
             <a:r>
-              <a:rPr lang="en-US" altLang="en-US"/>
+              <a:rPr lang="en-US" altLang="en-US" smtClean="0"/>
               <a:t>Introduction</a:t>
             </a:r>
+            <a:endParaRPr lang="en-US" altLang="en-US"/>
           </a:p>
         </p:txBody>
       </p:sp>
@@ -5911,11 +7877,11 @@
           <a:lstStyle/>
           <a:p>
             <a:r>
-              <a:rPr lang="en-US" altLang="en-US"/>
+              <a:rPr lang="en-US" altLang="en-US" smtClean="0"/>
               <a:t>/</a:t>
             </a:r>
             <a:fld id="{CB171076-3A6A-432F-81F3-02D464D7CB31}" type="slidenum">
-              <a:rPr lang="en-US" altLang="en-US"/>
+              <a:rPr lang="en-US" altLang="en-US" smtClean="0"/>
               <a:pPr/>
               <a:t>5</a:t>
             </a:fld>
@@ -5950,6 +7916,32 @@
       </p:grpSpPr>
       <p:sp>
         <p:nvSpPr>
+          <p:cNvPr id="21507" name="Rectangle 3"/>
+          <p:cNvSpPr>
+            <a:spLocks noGrp="1" noChangeArrowheads="1"/>
+          </p:cNvSpPr>
+          <p:nvPr>
+            <p:ph idx="1"/>
+          </p:nvPr>
+        </p:nvSpPr>
+        <p:spPr/>
+        <p:txBody>
+          <a:bodyPr/>
+          <a:lstStyle/>
+          <a:p>
+            <a:endParaRPr lang="en-US" altLang="en-US" smtClean="0"/>
+          </a:p>
+          <a:p>
+            <a:r>
+              <a:rPr lang="en-US" altLang="en-US" smtClean="0"/>
+              <a:t>Aggregate (Summary) Variables may contain much of the information of underlying series.</a:t>
+            </a:r>
+            <a:endParaRPr lang="en-US" altLang="en-US"/>
+          </a:p>
+        </p:txBody>
+      </p:sp>
+      <p:sp>
+        <p:nvSpPr>
           <p:cNvPr id="21506" name="Rectangle 2"/>
           <p:cNvSpPr>
             <a:spLocks noGrp="1" noChangeArrowheads="1"/>
@@ -5958,15 +7950,13 @@
             <p:ph type="title"/>
           </p:nvPr>
         </p:nvSpPr>
-        <p:spPr>
-          <a:ln/>
-        </p:spPr>
-        <p:txBody>
-          <a:bodyPr/>
-          <a:lstStyle/>
-          <a:p>
-            <a:r>
-              <a:rPr lang="en-US" altLang="en-US" b="0"/>
+        <p:spPr/>
+        <p:txBody>
+          <a:bodyPr/>
+          <a:lstStyle/>
+          <a:p>
+            <a:r>
+              <a:rPr lang="en-US" altLang="en-US" smtClean="0"/>
               <a:t>First Principle:</a:t>
             </a:r>
             <a:endParaRPr lang="en-US" altLang="en-US"/>
@@ -5975,12 +7965,12 @@
       </p:sp>
       <p:sp>
         <p:nvSpPr>
-          <p:cNvPr id="21507" name="Rectangle 3"/>
-          <p:cNvSpPr>
-            <a:spLocks noGrp="1" noChangeArrowheads="1"/>
-          </p:cNvSpPr>
-          <p:nvPr>
-            <p:ph idx="1"/>
+          <p:cNvPr id="5" name="Footer Placeholder 4"/>
+          <p:cNvSpPr>
+            <a:spLocks noGrp="1"/>
+          </p:cNvSpPr>
+          <p:nvPr>
+            <p:ph type="ftr" sz="quarter" idx="11"/>
           </p:nvPr>
         </p:nvSpPr>
         <p:spPr/>
@@ -5988,25 +7978,22 @@
           <a:bodyPr/>
           <a:lstStyle/>
           <a:p>
-            <a:endParaRPr lang="en-US" altLang="en-US" sz="3600"/>
-          </a:p>
-          <a:p>
-            <a:r>
-              <a:rPr lang="en-US" altLang="en-US" sz="3600"/>
-              <a:t>Aggregate (Summary) Variables may contain much of the information of underlying series.</a:t>
-            </a:r>
-            <a:endParaRPr lang="en-US" altLang="en-US"/>
-          </a:p>
-        </p:txBody>
-      </p:sp>
-      <p:sp>
-        <p:nvSpPr>
-          <p:cNvPr id="5" name="Footer Placeholder 4"/>
-          <p:cNvSpPr>
-            <a:spLocks noGrp="1"/>
-          </p:cNvSpPr>
-          <p:nvPr>
-            <p:ph type="ftr" sz="quarter" idx="11"/>
+            <a:r>
+              <a:rPr lang="en-US" altLang="en-US" smtClean="0"/>
+              <a:t>Introduction</a:t>
+            </a:r>
+            <a:endParaRPr lang="en-US" altLang="en-US"/>
+          </a:p>
+        </p:txBody>
+      </p:sp>
+      <p:sp>
+        <p:nvSpPr>
+          <p:cNvPr id="4" name="Slide Number Placeholder 3"/>
+          <p:cNvSpPr>
+            <a:spLocks noGrp="1"/>
+          </p:cNvSpPr>
+          <p:nvPr>
+            <p:ph type="sldNum" sz="quarter" idx="12"/>
           </p:nvPr>
         </p:nvSpPr>
         <p:spPr/>
@@ -6015,33 +8002,11 @@
           <a:lstStyle/>
           <a:p>
             <a:r>
-              <a:rPr lang="en-US" altLang="en-US"/>
-              <a:t>Introduction</a:t>
-            </a:r>
-          </a:p>
-        </p:txBody>
-      </p:sp>
-      <p:sp>
-        <p:nvSpPr>
-          <p:cNvPr id="4" name="Slide Number Placeholder 3"/>
-          <p:cNvSpPr>
-            <a:spLocks noGrp="1"/>
-          </p:cNvSpPr>
-          <p:nvPr>
-            <p:ph type="sldNum" sz="quarter" idx="12"/>
-          </p:nvPr>
-        </p:nvSpPr>
-        <p:spPr/>
-        <p:txBody>
-          <a:bodyPr/>
-          <a:lstStyle/>
-          <a:p>
-            <a:r>
-              <a:rPr lang="en-US" altLang="en-US"/>
+              <a:rPr lang="en-US" altLang="en-US" smtClean="0"/>
               <a:t>/</a:t>
             </a:r>
             <a:fld id="{A35F2FA9-4483-469B-A12D-D3EB8871C767}" type="slidenum">
-              <a:rPr lang="en-US" altLang="en-US"/>
+              <a:rPr lang="en-US" altLang="en-US" smtClean="0"/>
               <a:pPr/>
               <a:t>6</a:t>
             </a:fld>
@@ -6076,6 +8041,29 @@
       </p:grpSpPr>
       <p:sp>
         <p:nvSpPr>
+          <p:cNvPr id="22531" name="Rectangle 3"/>
+          <p:cNvSpPr>
+            <a:spLocks noGrp="1" noChangeArrowheads="1"/>
+          </p:cNvSpPr>
+          <p:nvPr>
+            <p:ph idx="1"/>
+          </p:nvPr>
+        </p:nvSpPr>
+        <p:spPr/>
+        <p:txBody>
+          <a:bodyPr/>
+          <a:lstStyle/>
+          <a:p>
+            <a:r>
+              <a:rPr lang="en-US" altLang="en-US" smtClean="0"/>
+              <a:t>Example: GDP (Output)</a:t>
+            </a:r>
+            <a:endParaRPr lang="en-US" altLang="en-US"/>
+          </a:p>
+        </p:txBody>
+      </p:sp>
+      <p:sp>
+        <p:nvSpPr>
           <p:cNvPr id="22530" name="Rectangle 2"/>
           <p:cNvSpPr>
             <a:spLocks noGrp="1" noChangeArrowheads="1"/>
@@ -6084,32 +8072,27 @@
             <p:ph type="title"/>
           </p:nvPr>
         </p:nvSpPr>
-        <p:spPr>
-          <a:xfrm>
-            <a:off x="457200" y="381000"/>
-            <a:ext cx="7772400" cy="1143000"/>
-          </a:xfrm>
-          <a:ln/>
-        </p:spPr>
-        <p:txBody>
-          <a:bodyPr/>
-          <a:lstStyle/>
-          <a:p>
-            <a:r>
-              <a:rPr lang="en-US" altLang="en-US"/>
+        <p:spPr/>
+        <p:txBody>
+          <a:bodyPr/>
+          <a:lstStyle/>
+          <a:p>
+            <a:r>
+              <a:rPr lang="en-US" altLang="en-US" smtClean="0"/>
               <a:t>Aggregate Variables</a:t>
             </a:r>
-          </a:p>
-        </p:txBody>
-      </p:sp>
-      <p:sp>
-        <p:nvSpPr>
-          <p:cNvPr id="22531" name="Rectangle 3"/>
-          <p:cNvSpPr>
-            <a:spLocks noGrp="1" noChangeArrowheads="1"/>
-          </p:cNvSpPr>
-          <p:nvPr>
-            <p:ph idx="1"/>
+            <a:endParaRPr lang="en-US" altLang="en-US"/>
+          </a:p>
+        </p:txBody>
+      </p:sp>
+      <p:sp>
+        <p:nvSpPr>
+          <p:cNvPr id="6" name="Footer Placeholder 4"/>
+          <p:cNvSpPr>
+            <a:spLocks noGrp="1"/>
+          </p:cNvSpPr>
+          <p:nvPr>
+            <p:ph type="ftr" sz="quarter" idx="11"/>
           </p:nvPr>
         </p:nvSpPr>
         <p:spPr/>
@@ -6118,20 +8101,21 @@
           <a:lstStyle/>
           <a:p>
             <a:r>
-              <a:rPr lang="en-US" altLang="en-US"/>
-              <a:t>Example: GDP (Output)</a:t>
-            </a:r>
-          </a:p>
-        </p:txBody>
-      </p:sp>
-      <p:sp>
-        <p:nvSpPr>
-          <p:cNvPr id="6" name="Footer Placeholder 4"/>
-          <p:cNvSpPr>
-            <a:spLocks noGrp="1"/>
-          </p:cNvSpPr>
-          <p:nvPr>
-            <p:ph type="ftr" sz="quarter" idx="11"/>
+              <a:rPr lang="en-US" altLang="en-US" smtClean="0"/>
+              <a:t>Introduction</a:t>
+            </a:r>
+            <a:endParaRPr lang="en-US" altLang="en-US"/>
+          </a:p>
+        </p:txBody>
+      </p:sp>
+      <p:sp>
+        <p:nvSpPr>
+          <p:cNvPr id="5" name="Slide Number Placeholder 3"/>
+          <p:cNvSpPr>
+            <a:spLocks noGrp="1"/>
+          </p:cNvSpPr>
+          <p:nvPr>
+            <p:ph type="sldNum" sz="quarter" idx="12"/>
           </p:nvPr>
         </p:nvSpPr>
         <p:spPr/>
@@ -6140,33 +8124,11 @@
           <a:lstStyle/>
           <a:p>
             <a:r>
-              <a:rPr lang="en-US" altLang="en-US"/>
-              <a:t>Introduction</a:t>
-            </a:r>
-          </a:p>
-        </p:txBody>
-      </p:sp>
-      <p:sp>
-        <p:nvSpPr>
-          <p:cNvPr id="5" name="Slide Number Placeholder 3"/>
-          <p:cNvSpPr>
-            <a:spLocks noGrp="1"/>
-          </p:cNvSpPr>
-          <p:nvPr>
-            <p:ph type="sldNum" sz="quarter" idx="12"/>
-          </p:nvPr>
-        </p:nvSpPr>
-        <p:spPr/>
-        <p:txBody>
-          <a:bodyPr/>
-          <a:lstStyle/>
-          <a:p>
-            <a:r>
-              <a:rPr lang="en-US" altLang="en-US"/>
+              <a:rPr lang="en-US" altLang="en-US" smtClean="0"/>
               <a:t>/</a:t>
             </a:r>
             <a:fld id="{7DA4450E-86E5-4236-9E65-12154B0621DD}" type="slidenum">
-              <a:rPr lang="en-US" altLang="en-US"/>
+              <a:rPr lang="en-US" altLang="en-US" smtClean="0"/>
               <a:pPr/>
               <a:t>7</a:t>
             </a:fld>
@@ -6190,7 +8152,7 @@
           <a:graphicData uri="http://schemas.openxmlformats.org/presentationml/2006/ole">
             <mc:AlternateContent xmlns:mc="http://schemas.openxmlformats.org/markup-compatibility/2006">
               <mc:Choice xmlns:v="urn:schemas-microsoft-com:vml" Requires="v">
-                <p:oleObj spid="_x0000_s22533" name="Worksheet" r:id="rId3" imgW="4877038" imgH="3391138" progId="Excel.Sheet.8">
+                <p:oleObj spid="_x0000_s22549" name="Worksheet" r:id="rId3" imgW="4877038" imgH="3391138" progId="Excel.Sheet.8">
                   <p:embed/>
                 </p:oleObj>
               </mc:Choice>
@@ -6294,6 +8256,29 @@
       </p:grpSpPr>
       <p:sp>
         <p:nvSpPr>
+          <p:cNvPr id="23555" name="Rectangle 3"/>
+          <p:cNvSpPr>
+            <a:spLocks noGrp="1" noChangeArrowheads="1"/>
+          </p:cNvSpPr>
+          <p:nvPr>
+            <p:ph idx="1"/>
+          </p:nvPr>
+        </p:nvSpPr>
+        <p:spPr/>
+        <p:txBody>
+          <a:bodyPr/>
+          <a:lstStyle/>
+          <a:p>
+            <a:r>
+              <a:rPr lang="en-US" altLang="en-US" smtClean="0"/>
+              <a:t>GDP vs. Personal Consumption (~2/3 GDP) in growth rates</a:t>
+            </a:r>
+            <a:endParaRPr lang="en-US" altLang="en-US"/>
+          </a:p>
+        </p:txBody>
+      </p:sp>
+      <p:sp>
+        <p:nvSpPr>
           <p:cNvPr id="23554" name="Rectangle 2"/>
           <p:cNvSpPr>
             <a:spLocks noGrp="1" noChangeArrowheads="1"/>
@@ -6302,44 +8287,16 @@
             <p:ph type="title"/>
           </p:nvPr>
         </p:nvSpPr>
-        <p:spPr>
-          <a:ln/>
-        </p:spPr>
-        <p:txBody>
-          <a:bodyPr/>
-          <a:lstStyle/>
-          <a:p>
-            <a:r>
-              <a:rPr lang="en-US" altLang="en-US"/>
+        <p:spPr/>
+        <p:txBody>
+          <a:bodyPr/>
+          <a:lstStyle/>
+          <a:p>
+            <a:r>
+              <a:rPr lang="en-US" altLang="en-US" smtClean="0"/>
               <a:t>Aggregate Variables</a:t>
             </a:r>
-          </a:p>
-        </p:txBody>
-      </p:sp>
-      <p:sp>
-        <p:nvSpPr>
-          <p:cNvPr id="23555" name="Rectangle 3"/>
-          <p:cNvSpPr>
-            <a:spLocks noGrp="1" noChangeArrowheads="1"/>
-          </p:cNvSpPr>
-          <p:nvPr>
-            <p:ph idx="1"/>
-          </p:nvPr>
-        </p:nvSpPr>
-        <p:spPr>
-          <a:xfrm>
-            <a:off x="533400" y="1524000"/>
-            <a:ext cx="7696200" cy="4495800"/>
-          </a:xfrm>
-        </p:spPr>
-        <p:txBody>
-          <a:bodyPr/>
-          <a:lstStyle/>
-          <a:p>
-            <a:r>
-              <a:rPr lang="en-US" altLang="en-US" sz="2000"/>
-              <a:t>GDP vs. Personal Consumption (~2/3 GDP) in growth rates</a:t>
-            </a:r>
+            <a:endParaRPr lang="en-US" altLang="en-US"/>
           </a:p>
         </p:txBody>
       </p:sp>
@@ -6359,9 +8316,10 @@
           <a:lstStyle/>
           <a:p>
             <a:r>
-              <a:rPr lang="en-US" altLang="en-US"/>
+              <a:rPr lang="en-US" altLang="en-US" smtClean="0"/>
               <a:t>Introduction</a:t>
             </a:r>
+            <a:endParaRPr lang="en-US" altLang="en-US"/>
           </a:p>
         </p:txBody>
       </p:sp>
@@ -6381,11 +8339,11 @@
           <a:lstStyle/>
           <a:p>
             <a:r>
-              <a:rPr lang="en-US" altLang="en-US"/>
+              <a:rPr lang="en-US" altLang="en-US" smtClean="0"/>
               <a:t>/</a:t>
             </a:r>
             <a:fld id="{CCC4BDCE-C0F7-4AC1-8C86-587486D07DB6}" type="slidenum">
-              <a:rPr lang="en-US" altLang="en-US"/>
+              <a:rPr lang="en-US" altLang="en-US" smtClean="0"/>
               <a:pPr/>
               <a:t>8</a:t>
             </a:fld>
@@ -6399,17 +8357,23 @@
           <p:cNvGraphicFramePr>
             <a:graphicFrameLocks noChangeAspect="1"/>
           </p:cNvGraphicFramePr>
-          <p:nvPr/>
+          <p:nvPr>
+            <p:extLst>
+              <p:ext uri="{D42A27DB-BD31-4B8C-83A1-F6EECF244321}">
+                <p14:modId xmlns:p14="http://schemas.microsoft.com/office/powerpoint/2010/main" val="1165295017"/>
+              </p:ext>
+            </p:extLst>
+          </p:nvPr>
         </p:nvGraphicFramePr>
         <p:xfrm>
-          <a:off x="685800" y="1905000"/>
-          <a:ext cx="8077200" cy="4392613"/>
+          <a:off x="685800" y="2209800"/>
+          <a:ext cx="8077200" cy="4087813"/>
         </p:xfrm>
         <a:graphic>
           <a:graphicData uri="http://schemas.openxmlformats.org/presentationml/2006/ole">
             <mc:AlternateContent xmlns:mc="http://schemas.openxmlformats.org/markup-compatibility/2006">
               <mc:Choice xmlns:v="urn:schemas-microsoft-com:vml" Requires="v">
-                <p:oleObj spid="_x0000_s23557" name="Worksheet" r:id="rId3" imgW="5496163" imgH="3372088" progId="Excel.Sheet.8">
+                <p:oleObj spid="_x0000_s23573" name="Worksheet" r:id="rId3" imgW="5496163" imgH="3372088" progId="Excel.Sheet.8">
                   <p:embed/>
                 </p:oleObj>
               </mc:Choice>
@@ -6439,8 +8403,8 @@
                     </p:blipFill>
                     <p:spPr bwMode="auto">
                       <a:xfrm>
-                        <a:off x="685800" y="1905000"/>
-                        <a:ext cx="8077200" cy="4392613"/>
+                        <a:off x="685800" y="2209800"/>
+                        <a:ext cx="8077200" cy="4087813"/>
                       </a:xfrm>
                       <a:prstGeom prst="rect">
                         <a:avLst/>
@@ -6450,34 +8414,7 @@
                         <a:noFill/>
                       </a:ln>
                       <a:effectLst/>
-                      <a:extLst>
-                        <a:ext uri="{909E8E84-426E-40DD-AFC4-6F175D3DCCD1}">
-                          <a14:hiddenFill xmlns:a14="http://schemas.microsoft.com/office/drawing/2010/main">
-                            <a:solidFill>
-                              <a:schemeClr val="accent1"/>
-                            </a:solidFill>
-                          </a14:hiddenFill>
-                        </a:ext>
-                        <a:ext uri="{91240B29-F687-4F45-9708-019B960494DF}">
-                          <a14:hiddenLine xmlns:a14="http://schemas.microsoft.com/office/drawing/2010/main" w="9525">
-                            <a:solidFill>
-                              <a:schemeClr val="tx1"/>
-                            </a:solidFill>
-                            <a:miter lim="800000"/>
-                            <a:headEnd/>
-                            <a:tailEnd/>
-                          </a14:hiddenLine>
-                        </a:ext>
-                        <a:ext uri="{AF507438-7753-43E0-B8FC-AC1667EBCBE1}">
-                          <a14:hiddenEffects xmlns:a14="http://schemas.microsoft.com/office/drawing/2010/main">
-                            <a:effectLst>
-                              <a:outerShdw dist="35921" dir="2700000" algn="ctr" rotWithShape="0">
-                                <a:schemeClr val="bg2"/>
-                              </a:outerShdw>
-                            </a:effectLst>
-                          </a14:hiddenEffects>
-                        </a:ext>
-                      </a:extLst>
+                      <a:extLst/>
                     </p:spPr>
                   </p:pic>
                 </p:oleObj>
@@ -6513,6 +8450,29 @@
       </p:grpSpPr>
       <p:sp>
         <p:nvSpPr>
+          <p:cNvPr id="24579" name="Rectangle 3"/>
+          <p:cNvSpPr>
+            <a:spLocks noGrp="1" noChangeArrowheads="1"/>
+          </p:cNvSpPr>
+          <p:nvPr>
+            <p:ph idx="1"/>
+          </p:nvPr>
+        </p:nvSpPr>
+        <p:spPr/>
+        <p:txBody>
+          <a:bodyPr/>
+          <a:lstStyle/>
+          <a:p>
+            <a:r>
+              <a:rPr lang="en-US" altLang="en-US" smtClean="0"/>
+              <a:t>GDP vs Non-Durable Consumption (1/4 GDP)</a:t>
+            </a:r>
+            <a:endParaRPr lang="en-US" altLang="en-US"/>
+          </a:p>
+        </p:txBody>
+      </p:sp>
+      <p:sp>
+        <p:nvSpPr>
           <p:cNvPr id="24578" name="Rectangle 2"/>
           <p:cNvSpPr>
             <a:spLocks noGrp="1" noChangeArrowheads="1"/>
@@ -6521,28 +8481,27 @@
             <p:ph type="title"/>
           </p:nvPr>
         </p:nvSpPr>
-        <p:spPr>
-          <a:ln/>
-        </p:spPr>
-        <p:txBody>
-          <a:bodyPr/>
-          <a:lstStyle/>
-          <a:p>
-            <a:r>
-              <a:rPr lang="en-US" altLang="en-US"/>
+        <p:spPr/>
+        <p:txBody>
+          <a:bodyPr/>
+          <a:lstStyle/>
+          <a:p>
+            <a:r>
+              <a:rPr lang="en-US" altLang="en-US" smtClean="0"/>
               <a:t>Aggregate Variables</a:t>
             </a:r>
-          </a:p>
-        </p:txBody>
-      </p:sp>
-      <p:sp>
-        <p:nvSpPr>
-          <p:cNvPr id="24579" name="Rectangle 3"/>
-          <p:cNvSpPr>
-            <a:spLocks noGrp="1" noChangeArrowheads="1"/>
-          </p:cNvSpPr>
-          <p:nvPr>
-            <p:ph idx="1"/>
+            <a:endParaRPr lang="en-US" altLang="en-US"/>
+          </a:p>
+        </p:txBody>
+      </p:sp>
+      <p:sp>
+        <p:nvSpPr>
+          <p:cNvPr id="6" name="Footer Placeholder 4"/>
+          <p:cNvSpPr>
+            <a:spLocks noGrp="1"/>
+          </p:cNvSpPr>
+          <p:nvPr>
+            <p:ph type="ftr" sz="quarter" idx="11"/>
           </p:nvPr>
         </p:nvSpPr>
         <p:spPr/>
@@ -6551,20 +8510,21 @@
           <a:lstStyle/>
           <a:p>
             <a:r>
-              <a:rPr lang="en-US" altLang="en-US" sz="2800"/>
-              <a:t>GDP vs Non-Durable Consumption (1/4 GDP)</a:t>
-            </a:r>
-          </a:p>
-        </p:txBody>
-      </p:sp>
-      <p:sp>
-        <p:nvSpPr>
-          <p:cNvPr id="6" name="Footer Placeholder 4"/>
-          <p:cNvSpPr>
-            <a:spLocks noGrp="1"/>
-          </p:cNvSpPr>
-          <p:nvPr>
-            <p:ph type="ftr" sz="quarter" idx="11"/>
+              <a:rPr lang="en-US" altLang="en-US" smtClean="0"/>
+              <a:t>Introduction</a:t>
+            </a:r>
+            <a:endParaRPr lang="en-US" altLang="en-US"/>
+          </a:p>
+        </p:txBody>
+      </p:sp>
+      <p:sp>
+        <p:nvSpPr>
+          <p:cNvPr id="5" name="Slide Number Placeholder 3"/>
+          <p:cNvSpPr>
+            <a:spLocks noGrp="1"/>
+          </p:cNvSpPr>
+          <p:nvPr>
+            <p:ph type="sldNum" sz="quarter" idx="12"/>
           </p:nvPr>
         </p:nvSpPr>
         <p:spPr/>
@@ -6573,33 +8533,11 @@
           <a:lstStyle/>
           <a:p>
             <a:r>
-              <a:rPr lang="en-US" altLang="en-US"/>
-              <a:t>Introduction</a:t>
-            </a:r>
-          </a:p>
-        </p:txBody>
-      </p:sp>
-      <p:sp>
-        <p:nvSpPr>
-          <p:cNvPr id="5" name="Slide Number Placeholder 3"/>
-          <p:cNvSpPr>
-            <a:spLocks noGrp="1"/>
-          </p:cNvSpPr>
-          <p:nvPr>
-            <p:ph type="sldNum" sz="quarter" idx="12"/>
-          </p:nvPr>
-        </p:nvSpPr>
-        <p:spPr/>
-        <p:txBody>
-          <a:bodyPr/>
-          <a:lstStyle/>
-          <a:p>
-            <a:r>
-              <a:rPr lang="en-US" altLang="en-US"/>
+              <a:rPr lang="en-US" altLang="en-US" smtClean="0"/>
               <a:t>/</a:t>
             </a:r>
             <a:fld id="{9BCD8A33-84B8-4C5A-8244-4C80D5149012}" type="slidenum">
-              <a:rPr lang="en-US" altLang="en-US"/>
+              <a:rPr lang="en-US" altLang="en-US" smtClean="0"/>
               <a:pPr/>
               <a:t>9</a:t>
             </a:fld>
@@ -6623,7 +8561,7 @@
           <a:graphicData uri="http://schemas.openxmlformats.org/presentationml/2006/ole">
             <mc:AlternateContent xmlns:mc="http://schemas.openxmlformats.org/markup-compatibility/2006">
               <mc:Choice xmlns:v="urn:schemas-microsoft-com:vml" Requires="v">
-                <p:oleObj spid="_x0000_s24581" name="Worksheet" r:id="rId3" imgW="4848463" imgH="3067288" progId="Excel.Sheet.8">
+                <p:oleObj spid="_x0000_s24597" name="Worksheet" r:id="rId3" imgW="4848463" imgH="3067288" progId="Excel.Sheet.8">
                   <p:embed/>
                 </p:oleObj>
               </mc:Choice>
@@ -6709,7 +8647,7 @@
 </file>
 
 <file path=ppt/theme/theme1.xml><?xml version="1.0" encoding="utf-8"?>
-<a:theme xmlns:a="http://schemas.openxmlformats.org/drawingml/2006/main" name="Office Theme">
+<a:theme xmlns:a="http://schemas.openxmlformats.org/drawingml/2006/main" name="Beamer">
   <a:themeElements>
     <a:clrScheme name="Office">
       <a:dk1>
@@ -6783,7 +8721,6 @@
         <a:font script="Mong" typeface="Mongolian Baiti"/>
         <a:font script="Viet" typeface="Times New Roman"/>
         <a:font script="Uigh" typeface="Microsoft Uighur"/>
-        <a:font script="Geor" typeface="Sylfaen"/>
       </a:majorFont>
       <a:minorFont>
         <a:latin typeface="Calibri"/>
@@ -6818,7 +8755,6 @@
         <a:font script="Mong" typeface="Mongolian Baiti"/>
         <a:font script="Viet" typeface="Arial"/>
         <a:font script="Uigh" typeface="Microsoft Uighur"/>
-        <a:font script="Geor" typeface="Sylfaen"/>
       </a:minorFont>
     </a:fontScheme>
     <a:fmtScheme name="Office">
